--- a/Design/Ultraviolent Junglist.pptx
+++ b/Design/Ultraviolent Junglist.pptx
@@ -8,6 +8,7 @@
     <p:sldId id="256" r:id="rId2"/>
     <p:sldId id="257" r:id="rId3"/>
     <p:sldId id="258" r:id="rId4"/>
+    <p:sldId id="259" r:id="rId5"/>
   </p:sldIdLst>
   <p:sldSz cx="12192000" cy="6858000"/>
   <p:notesSz cx="6858000" cy="9144000"/>
@@ -1357,8 +1358,13 @@
           <a:p>
             <a:r>
               <a:rPr lang="nl-NL" dirty="0"/>
-              <a:t>Ultraviolent Junglist</a:t>
+              <a:t>ultraviolent </a:t>
             </a:r>
+            <a:r>
+              <a:rPr lang="nl-NL" dirty="0" err="1"/>
+              <a:t>junglist</a:t>
+            </a:r>
+            <a:endParaRPr lang="nl-NL" dirty="0"/>
           </a:p>
         </p:txBody>
       </p:sp>
@@ -1385,7 +1391,7 @@
           <a:p>
             <a:r>
               <a:rPr lang="nl-NL" dirty="0"/>
-              <a:t>Ultraviolent </a:t>
+              <a:t>ultraviolent </a:t>
             </a:r>
             <a:r>
               <a:rPr lang="nl-NL" dirty="0" err="1"/>
@@ -1597,21 +1603,672 @@
             <p:ph type="title"/>
           </p:nvPr>
         </p:nvSpPr>
-        <p:spPr/>
+        <p:spPr>
+          <a:xfrm>
+            <a:off x="838200" y="365125"/>
+            <a:ext cx="10515600" cy="1325563"/>
+          </a:xfrm>
+        </p:spPr>
         <p:txBody>
           <a:bodyPr/>
           <a:lstStyle/>
           <a:p>
-            <a:endParaRPr lang="nl-NL"/>
+            <a:r>
+              <a:rPr lang="nl-NL" dirty="0" err="1"/>
+              <a:t>color</a:t>
+            </a:r>
+            <a:r>
+              <a:rPr lang="nl-NL" dirty="0"/>
+              <a:t> </a:t>
+            </a:r>
+            <a:r>
+              <a:rPr lang="nl-NL" dirty="0" err="1"/>
+              <a:t>scheme</a:t>
+            </a:r>
+            <a:endParaRPr lang="nl-NL" dirty="0"/>
           </a:p>
         </p:txBody>
       </p:sp>
+      <p:grpSp>
+        <p:nvGrpSpPr>
+          <p:cNvPr id="14" name="Group 13">
+            <a:extLst>
+              <a:ext uri="{FF2B5EF4-FFF2-40B4-BE49-F238E27FC236}">
+                <a16:creationId xmlns:a16="http://schemas.microsoft.com/office/drawing/2014/main" id="{BAA58F13-CA1C-4FFA-B257-731291884DD7}"/>
+              </a:ext>
+            </a:extLst>
+          </p:cNvPr>
+          <p:cNvGrpSpPr/>
+          <p:nvPr/>
+        </p:nvGrpSpPr>
+        <p:grpSpPr>
+          <a:xfrm>
+            <a:off x="2665759" y="1690688"/>
+            <a:ext cx="8490194" cy="4534574"/>
+            <a:chOff x="1879178" y="2055875"/>
+            <a:chExt cx="8490194" cy="4534574"/>
+          </a:xfrm>
+        </p:grpSpPr>
+        <p:sp>
+          <p:nvSpPr>
+            <p:cNvPr id="4" name="Rectangle 3">
+              <a:extLst>
+                <a:ext uri="{FF2B5EF4-FFF2-40B4-BE49-F238E27FC236}">
+                  <a16:creationId xmlns:a16="http://schemas.microsoft.com/office/drawing/2014/main" id="{BBA993B9-4DB5-40C8-9B1E-3516677726E7}"/>
+                </a:ext>
+              </a:extLst>
+            </p:cNvPr>
+            <p:cNvSpPr/>
+            <p:nvPr/>
+          </p:nvSpPr>
+          <p:spPr>
+            <a:xfrm>
+              <a:off x="1879179" y="2055875"/>
+              <a:ext cx="744833" cy="744833"/>
+            </a:xfrm>
+            <a:prstGeom prst="rect">
+              <a:avLst/>
+            </a:prstGeom>
+            <a:solidFill>
+              <a:srgbClr val="1A0F24"/>
+            </a:solidFill>
+            <a:ln w="38100">
+              <a:solidFill>
+                <a:schemeClr val="tx1"/>
+              </a:solidFill>
+            </a:ln>
+          </p:spPr>
+          <p:style>
+            <a:lnRef idx="2">
+              <a:schemeClr val="accent1">
+                <a:shade val="50000"/>
+              </a:schemeClr>
+            </a:lnRef>
+            <a:fillRef idx="1">
+              <a:schemeClr val="accent1"/>
+            </a:fillRef>
+            <a:effectRef idx="0">
+              <a:schemeClr val="accent1"/>
+            </a:effectRef>
+            <a:fontRef idx="minor">
+              <a:schemeClr val="lt1"/>
+            </a:fontRef>
+          </p:style>
+          <p:txBody>
+            <a:bodyPr rtlCol="0" anchor="ctr"/>
+            <a:lstStyle/>
+            <a:p>
+              <a:pPr algn="ctr"/>
+              <a:endParaRPr lang="nl-NL" dirty="0">
+                <a:solidFill>
+                  <a:srgbClr val="1A0F24"/>
+                </a:solidFill>
+              </a:endParaRPr>
+            </a:p>
+          </p:txBody>
+        </p:sp>
+        <p:sp>
+          <p:nvSpPr>
+            <p:cNvPr id="5" name="Rectangle 4">
+              <a:extLst>
+                <a:ext uri="{FF2B5EF4-FFF2-40B4-BE49-F238E27FC236}">
+                  <a16:creationId xmlns:a16="http://schemas.microsoft.com/office/drawing/2014/main" id="{0A10DCB7-B205-43A4-B418-2A20DFD970E4}"/>
+                </a:ext>
+              </a:extLst>
+            </p:cNvPr>
+            <p:cNvSpPr/>
+            <p:nvPr/>
+          </p:nvSpPr>
+          <p:spPr>
+            <a:xfrm>
+              <a:off x="1879179" y="2982120"/>
+              <a:ext cx="744833" cy="744833"/>
+            </a:xfrm>
+            <a:prstGeom prst="rect">
+              <a:avLst/>
+            </a:prstGeom>
+            <a:solidFill>
+              <a:srgbClr val="EAE6D9"/>
+            </a:solidFill>
+            <a:ln w="38100">
+              <a:solidFill>
+                <a:schemeClr val="tx1"/>
+              </a:solidFill>
+            </a:ln>
+          </p:spPr>
+          <p:style>
+            <a:lnRef idx="2">
+              <a:schemeClr val="accent1">
+                <a:shade val="50000"/>
+              </a:schemeClr>
+            </a:lnRef>
+            <a:fillRef idx="1">
+              <a:schemeClr val="accent1"/>
+            </a:fillRef>
+            <a:effectRef idx="0">
+              <a:schemeClr val="accent1"/>
+            </a:effectRef>
+            <a:fontRef idx="minor">
+              <a:schemeClr val="lt1"/>
+            </a:fontRef>
+          </p:style>
+          <p:txBody>
+            <a:bodyPr rtlCol="0" anchor="ctr"/>
+            <a:lstStyle/>
+            <a:p>
+              <a:pPr algn="ctr"/>
+              <a:endParaRPr lang="nl-NL">
+                <a:solidFill>
+                  <a:srgbClr val="1A0F24"/>
+                </a:solidFill>
+              </a:endParaRPr>
+            </a:p>
+          </p:txBody>
+        </p:sp>
+        <p:sp>
+          <p:nvSpPr>
+            <p:cNvPr id="6" name="Rectangle 5">
+              <a:extLst>
+                <a:ext uri="{FF2B5EF4-FFF2-40B4-BE49-F238E27FC236}">
+                  <a16:creationId xmlns:a16="http://schemas.microsoft.com/office/drawing/2014/main" id="{941BFB0A-0FFE-4C00-B491-89403EFDD674}"/>
+                </a:ext>
+              </a:extLst>
+            </p:cNvPr>
+            <p:cNvSpPr/>
+            <p:nvPr/>
+          </p:nvSpPr>
+          <p:spPr>
+            <a:xfrm>
+              <a:off x="1879179" y="3908365"/>
+              <a:ext cx="744833" cy="744833"/>
+            </a:xfrm>
+            <a:prstGeom prst="rect">
+              <a:avLst/>
+            </a:prstGeom>
+            <a:solidFill>
+              <a:srgbClr val="9F2A55"/>
+            </a:solidFill>
+            <a:ln w="38100">
+              <a:solidFill>
+                <a:schemeClr val="tx1"/>
+              </a:solidFill>
+            </a:ln>
+          </p:spPr>
+          <p:style>
+            <a:lnRef idx="2">
+              <a:schemeClr val="accent1">
+                <a:shade val="50000"/>
+              </a:schemeClr>
+            </a:lnRef>
+            <a:fillRef idx="1">
+              <a:schemeClr val="accent1"/>
+            </a:fillRef>
+            <a:effectRef idx="0">
+              <a:schemeClr val="accent1"/>
+            </a:effectRef>
+            <a:fontRef idx="minor">
+              <a:schemeClr val="lt1"/>
+            </a:fontRef>
+          </p:style>
+          <p:txBody>
+            <a:bodyPr rtlCol="0" anchor="ctr"/>
+            <a:lstStyle/>
+            <a:p>
+              <a:pPr algn="ctr"/>
+              <a:endParaRPr lang="nl-NL">
+                <a:solidFill>
+                  <a:srgbClr val="1A0F24"/>
+                </a:solidFill>
+              </a:endParaRPr>
+            </a:p>
+          </p:txBody>
+        </p:sp>
+        <p:sp>
+          <p:nvSpPr>
+            <p:cNvPr id="7" name="Rectangle 6">
+              <a:extLst>
+                <a:ext uri="{FF2B5EF4-FFF2-40B4-BE49-F238E27FC236}">
+                  <a16:creationId xmlns:a16="http://schemas.microsoft.com/office/drawing/2014/main" id="{1FD5D913-235F-41AB-8F97-AC11365EA7AE}"/>
+                </a:ext>
+              </a:extLst>
+            </p:cNvPr>
+            <p:cNvSpPr/>
+            <p:nvPr/>
+          </p:nvSpPr>
+          <p:spPr>
+            <a:xfrm>
+              <a:off x="1879179" y="4834610"/>
+              <a:ext cx="744833" cy="744833"/>
+            </a:xfrm>
+            <a:prstGeom prst="rect">
+              <a:avLst/>
+            </a:prstGeom>
+            <a:solidFill>
+              <a:srgbClr val="D5DAF6"/>
+            </a:solidFill>
+            <a:ln w="38100">
+              <a:solidFill>
+                <a:schemeClr val="tx1"/>
+              </a:solidFill>
+            </a:ln>
+          </p:spPr>
+          <p:style>
+            <a:lnRef idx="2">
+              <a:schemeClr val="accent1">
+                <a:shade val="50000"/>
+              </a:schemeClr>
+            </a:lnRef>
+            <a:fillRef idx="1">
+              <a:schemeClr val="accent1"/>
+            </a:fillRef>
+            <a:effectRef idx="0">
+              <a:schemeClr val="accent1"/>
+            </a:effectRef>
+            <a:fontRef idx="minor">
+              <a:schemeClr val="lt1"/>
+            </a:fontRef>
+          </p:style>
+          <p:txBody>
+            <a:bodyPr rtlCol="0" anchor="ctr"/>
+            <a:lstStyle/>
+            <a:p>
+              <a:pPr algn="ctr"/>
+              <a:endParaRPr lang="nl-NL">
+                <a:solidFill>
+                  <a:srgbClr val="1A0F24"/>
+                </a:solidFill>
+              </a:endParaRPr>
+            </a:p>
+          </p:txBody>
+        </p:sp>
+        <p:sp>
+          <p:nvSpPr>
+            <p:cNvPr id="8" name="Rectangle 7">
+              <a:extLst>
+                <a:ext uri="{FF2B5EF4-FFF2-40B4-BE49-F238E27FC236}">
+                  <a16:creationId xmlns:a16="http://schemas.microsoft.com/office/drawing/2014/main" id="{467EB27D-C775-4F64-AD1E-765CB5431B04}"/>
+                </a:ext>
+              </a:extLst>
+            </p:cNvPr>
+            <p:cNvSpPr/>
+            <p:nvPr/>
+          </p:nvSpPr>
+          <p:spPr>
+            <a:xfrm>
+              <a:off x="1879178" y="5760854"/>
+              <a:ext cx="744833" cy="744833"/>
+            </a:xfrm>
+            <a:prstGeom prst="rect">
+              <a:avLst/>
+            </a:prstGeom>
+            <a:solidFill>
+              <a:srgbClr val="4F4584"/>
+            </a:solidFill>
+            <a:ln w="38100">
+              <a:solidFill>
+                <a:schemeClr val="tx1"/>
+              </a:solidFill>
+            </a:ln>
+          </p:spPr>
+          <p:style>
+            <a:lnRef idx="2">
+              <a:schemeClr val="accent1">
+                <a:shade val="50000"/>
+              </a:schemeClr>
+            </a:lnRef>
+            <a:fillRef idx="1">
+              <a:schemeClr val="accent1"/>
+            </a:fillRef>
+            <a:effectRef idx="0">
+              <a:schemeClr val="accent1"/>
+            </a:effectRef>
+            <a:fontRef idx="minor">
+              <a:schemeClr val="lt1"/>
+            </a:fontRef>
+          </p:style>
+          <p:txBody>
+            <a:bodyPr rtlCol="0" anchor="ctr"/>
+            <a:lstStyle/>
+            <a:p>
+              <a:pPr algn="ctr"/>
+              <a:endParaRPr lang="nl-NL">
+                <a:solidFill>
+                  <a:srgbClr val="1A0F24"/>
+                </a:solidFill>
+              </a:endParaRPr>
+            </a:p>
+          </p:txBody>
+        </p:sp>
+        <p:sp>
+          <p:nvSpPr>
+            <p:cNvPr id="9" name="TextBox 8">
+              <a:extLst>
+                <a:ext uri="{FF2B5EF4-FFF2-40B4-BE49-F238E27FC236}">
+                  <a16:creationId xmlns:a16="http://schemas.microsoft.com/office/drawing/2014/main" id="{60A008DE-EFB9-4924-AA3A-49A8B814F548}"/>
+                </a:ext>
+              </a:extLst>
+            </p:cNvPr>
+            <p:cNvSpPr txBox="1"/>
+            <p:nvPr/>
+          </p:nvSpPr>
+          <p:spPr>
+            <a:xfrm>
+              <a:off x="2821858" y="2243625"/>
+              <a:ext cx="2487561" cy="369332"/>
+            </a:xfrm>
+            <a:prstGeom prst="rect">
+              <a:avLst/>
+            </a:prstGeom>
+            <a:noFill/>
+          </p:spPr>
+          <p:txBody>
+            <a:bodyPr wrap="square" rtlCol="0">
+              <a:spAutoFit/>
+            </a:bodyPr>
+            <a:lstStyle/>
+            <a:p>
+              <a:r>
+                <a:rPr lang="nl-NL" b="1" dirty="0">
+                  <a:solidFill>
+                    <a:srgbClr val="EAE6D9"/>
+                  </a:solidFill>
+                </a:rPr>
+                <a:t>#1a0f24</a:t>
+              </a:r>
+            </a:p>
+          </p:txBody>
+        </p:sp>
+        <p:sp>
+          <p:nvSpPr>
+            <p:cNvPr id="10" name="TextBox 9">
+              <a:extLst>
+                <a:ext uri="{FF2B5EF4-FFF2-40B4-BE49-F238E27FC236}">
+                  <a16:creationId xmlns:a16="http://schemas.microsoft.com/office/drawing/2014/main" id="{0D8320DA-C525-4698-82F8-3F861CAAF41D}"/>
+                </a:ext>
+              </a:extLst>
+            </p:cNvPr>
+            <p:cNvSpPr txBox="1"/>
+            <p:nvPr/>
+          </p:nvSpPr>
+          <p:spPr>
+            <a:xfrm>
+              <a:off x="2821858" y="3165894"/>
+              <a:ext cx="2487561" cy="369332"/>
+            </a:xfrm>
+            <a:prstGeom prst="rect">
+              <a:avLst/>
+            </a:prstGeom>
+            <a:noFill/>
+          </p:spPr>
+          <p:txBody>
+            <a:bodyPr wrap="square" rtlCol="0">
+              <a:spAutoFit/>
+            </a:bodyPr>
+            <a:lstStyle/>
+            <a:p>
+              <a:r>
+                <a:rPr lang="nl-NL" b="1" dirty="0">
+                  <a:solidFill>
+                    <a:srgbClr val="EAE6D9"/>
+                  </a:solidFill>
+                </a:rPr>
+                <a:t>#eae6d9</a:t>
+              </a:r>
+            </a:p>
+          </p:txBody>
+        </p:sp>
+        <p:sp>
+          <p:nvSpPr>
+            <p:cNvPr id="11" name="TextBox 10">
+              <a:extLst>
+                <a:ext uri="{FF2B5EF4-FFF2-40B4-BE49-F238E27FC236}">
+                  <a16:creationId xmlns:a16="http://schemas.microsoft.com/office/drawing/2014/main" id="{714F4BC8-79F3-470B-AB41-DB1F6F1977CA}"/>
+                </a:ext>
+              </a:extLst>
+            </p:cNvPr>
+            <p:cNvSpPr txBox="1"/>
+            <p:nvPr/>
+          </p:nvSpPr>
+          <p:spPr>
+            <a:xfrm>
+              <a:off x="2821858" y="4096115"/>
+              <a:ext cx="2487561" cy="369332"/>
+            </a:xfrm>
+            <a:prstGeom prst="rect">
+              <a:avLst/>
+            </a:prstGeom>
+            <a:noFill/>
+          </p:spPr>
+          <p:txBody>
+            <a:bodyPr wrap="square" rtlCol="0">
+              <a:spAutoFit/>
+            </a:bodyPr>
+            <a:lstStyle/>
+            <a:p>
+              <a:r>
+                <a:rPr lang="nl-NL" b="1" dirty="0">
+                  <a:solidFill>
+                    <a:srgbClr val="EAE6D9"/>
+                  </a:solidFill>
+                </a:rPr>
+                <a:t>#9f2a55</a:t>
+              </a:r>
+            </a:p>
+          </p:txBody>
+        </p:sp>
+        <p:sp>
+          <p:nvSpPr>
+            <p:cNvPr id="12" name="TextBox 11">
+              <a:extLst>
+                <a:ext uri="{FF2B5EF4-FFF2-40B4-BE49-F238E27FC236}">
+                  <a16:creationId xmlns:a16="http://schemas.microsoft.com/office/drawing/2014/main" id="{695D629C-3C2D-44EF-9351-00A6F991DA39}"/>
+                </a:ext>
+              </a:extLst>
+            </p:cNvPr>
+            <p:cNvSpPr txBox="1"/>
+            <p:nvPr/>
+          </p:nvSpPr>
+          <p:spPr>
+            <a:xfrm>
+              <a:off x="2821857" y="5022360"/>
+              <a:ext cx="2487561" cy="369332"/>
+            </a:xfrm>
+            <a:prstGeom prst="rect">
+              <a:avLst/>
+            </a:prstGeom>
+            <a:noFill/>
+          </p:spPr>
+          <p:txBody>
+            <a:bodyPr wrap="square" rtlCol="0">
+              <a:spAutoFit/>
+            </a:bodyPr>
+            <a:lstStyle/>
+            <a:p>
+              <a:r>
+                <a:rPr lang="nl-NL" b="1" dirty="0">
+                  <a:solidFill>
+                    <a:srgbClr val="EAE6D9"/>
+                  </a:solidFill>
+                </a:rPr>
+                <a:t>#d5daf6</a:t>
+              </a:r>
+            </a:p>
+          </p:txBody>
+        </p:sp>
+        <p:sp>
+          <p:nvSpPr>
+            <p:cNvPr id="13" name="TextBox 12">
+              <a:extLst>
+                <a:ext uri="{FF2B5EF4-FFF2-40B4-BE49-F238E27FC236}">
+                  <a16:creationId xmlns:a16="http://schemas.microsoft.com/office/drawing/2014/main" id="{FB380873-B155-4001-ABEE-9D2010B43008}"/>
+                </a:ext>
+              </a:extLst>
+            </p:cNvPr>
+            <p:cNvSpPr txBox="1"/>
+            <p:nvPr/>
+          </p:nvSpPr>
+          <p:spPr>
+            <a:xfrm>
+              <a:off x="2821856" y="5944629"/>
+              <a:ext cx="2487561" cy="369332"/>
+            </a:xfrm>
+            <a:prstGeom prst="rect">
+              <a:avLst/>
+            </a:prstGeom>
+            <a:noFill/>
+          </p:spPr>
+          <p:txBody>
+            <a:bodyPr wrap="square" rtlCol="0">
+              <a:spAutoFit/>
+            </a:bodyPr>
+            <a:lstStyle/>
+            <a:p>
+              <a:r>
+                <a:rPr lang="nl-NL" b="1" dirty="0">
+                  <a:solidFill>
+                    <a:srgbClr val="EAE6D9"/>
+                  </a:solidFill>
+                </a:rPr>
+                <a:t>#4f4584</a:t>
+              </a:r>
+            </a:p>
+          </p:txBody>
+        </p:sp>
+        <p:sp>
+          <p:nvSpPr>
+            <p:cNvPr id="16" name="TextBox 15">
+              <a:extLst>
+                <a:ext uri="{FF2B5EF4-FFF2-40B4-BE49-F238E27FC236}">
+                  <a16:creationId xmlns:a16="http://schemas.microsoft.com/office/drawing/2014/main" id="{7FCDB01F-859E-4D94-AF95-1813D6BB1D0A}"/>
+                </a:ext>
+              </a:extLst>
+            </p:cNvPr>
+            <p:cNvSpPr txBox="1"/>
+            <p:nvPr/>
+          </p:nvSpPr>
+          <p:spPr>
+            <a:xfrm>
+              <a:off x="7881811" y="6221117"/>
+              <a:ext cx="2487561" cy="369332"/>
+            </a:xfrm>
+            <a:prstGeom prst="rect">
+              <a:avLst/>
+            </a:prstGeom>
+            <a:noFill/>
+          </p:spPr>
+          <p:txBody>
+            <a:bodyPr wrap="square" rtlCol="0">
+              <a:spAutoFit/>
+            </a:bodyPr>
+            <a:lstStyle/>
+            <a:p>
+              <a:pPr algn="r"/>
+              <a:r>
+                <a:rPr lang="nl-NL" b="1" dirty="0" err="1">
+                  <a:solidFill>
+                    <a:srgbClr val="EAE6D9"/>
+                  </a:solidFill>
+                </a:rPr>
+                <a:t>inspiration</a:t>
+              </a:r>
+              <a:endParaRPr lang="nl-NL" b="1" dirty="0">
+                <a:solidFill>
+                  <a:srgbClr val="EAE6D9"/>
+                </a:solidFill>
+              </a:endParaRPr>
+            </a:p>
+          </p:txBody>
+        </p:sp>
+      </p:grpSp>
+      <p:pic>
+        <p:nvPicPr>
+          <p:cNvPr id="1026" name="Picture 2" descr="https://i.ytimg.com/vi/s79xaNgKNFA/hqdefault.jpg">
+            <a:extLst>
+              <a:ext uri="{FF2B5EF4-FFF2-40B4-BE49-F238E27FC236}">
+                <a16:creationId xmlns:a16="http://schemas.microsoft.com/office/drawing/2014/main" id="{591A7581-CD17-4656-990E-706300C590A9}"/>
+              </a:ext>
+            </a:extLst>
+          </p:cNvPr>
+          <p:cNvPicPr>
+            <a:picLocks noChangeAspect="1" noChangeArrowheads="1"/>
+          </p:cNvPicPr>
+          <p:nvPr/>
+        </p:nvPicPr>
+        <p:blipFill rotWithShape="1">
+          <a:blip r:embed="rId2">
+            <a:extLst>
+              <a:ext uri="{28A0092B-C50C-407E-A947-70E740481C1C}">
+                <a14:useLocalDpi xmlns:a14="http://schemas.microsoft.com/office/drawing/2010/main" val="0"/>
+              </a:ext>
+            </a:extLst>
+          </a:blip>
+          <a:srcRect l="12416" r="12572"/>
+          <a:stretch/>
+        </p:blipFill>
+        <p:spPr bwMode="auto">
+          <a:xfrm>
+            <a:off x="6096000" y="812804"/>
+            <a:ext cx="5043948" cy="5043126"/>
+          </a:xfrm>
+          <a:prstGeom prst="rect">
+            <a:avLst/>
+          </a:prstGeom>
+          <a:noFill/>
+          <a:extLst>
+            <a:ext uri="{909E8E84-426E-40DD-AFC4-6F175D3DCCD1}">
+              <a14:hiddenFill xmlns:a14="http://schemas.microsoft.com/office/drawing/2010/main">
+                <a:solidFill>
+                  <a:srgbClr val="FFFFFF"/>
+                </a:solidFill>
+              </a14:hiddenFill>
+            </a:ext>
+          </a:extLst>
+        </p:spPr>
+      </p:pic>
+    </p:spTree>
+    <p:extLst>
+      <p:ext uri="{BB962C8B-B14F-4D97-AF65-F5344CB8AC3E}">
+        <p14:creationId xmlns:p14="http://schemas.microsoft.com/office/powerpoint/2010/main" val="139803584"/>
+      </p:ext>
+    </p:extLst>
+  </p:cSld>
+  <p:clrMapOvr>
+    <a:masterClrMapping/>
+  </p:clrMapOvr>
+</p:sld>
+</file>
+
+<file path=ppt/slides/slide4.xml><?xml version="1.0" encoding="utf-8"?>
+<p:sld xmlns:a="http://schemas.openxmlformats.org/drawingml/2006/main" xmlns:r="http://schemas.openxmlformats.org/officeDocument/2006/relationships" xmlns:p="http://schemas.openxmlformats.org/presentationml/2006/main">
+  <p:cSld>
+    <p:bg>
+      <p:bgPr>
+        <a:solidFill>
+          <a:srgbClr val="EAE6D9"/>
+        </a:solidFill>
+        <a:effectLst/>
+      </p:bgPr>
+    </p:bg>
+    <p:spTree>
+      <p:nvGrpSpPr>
+        <p:cNvPr id="1" name=""/>
+        <p:cNvGrpSpPr/>
+        <p:nvPr/>
+      </p:nvGrpSpPr>
+      <p:grpSpPr>
+        <a:xfrm>
+          <a:off x="0" y="0"/>
+          <a:ext cx="0" cy="0"/>
+          <a:chOff x="0" y="0"/>
+          <a:chExt cx="0" cy="0"/>
+        </a:xfrm>
+      </p:grpSpPr>
       <p:sp>
         <p:nvSpPr>
-          <p:cNvPr id="3" name="Content Placeholder 2">
+          <p:cNvPr id="2" name="Title 1">
             <a:extLst>
               <a:ext uri="{FF2B5EF4-FFF2-40B4-BE49-F238E27FC236}">
-                <a16:creationId xmlns:a16="http://schemas.microsoft.com/office/drawing/2014/main" id="{2CB335D3-9F31-4A22-B838-E53D83EC9859}"/>
+                <a16:creationId xmlns:a16="http://schemas.microsoft.com/office/drawing/2014/main" id="{2138B67A-F4DD-48F5-86AC-C852230F6893}"/>
               </a:ext>
             </a:extLst>
           </p:cNvPr>
@@ -1619,15 +2276,26 @@
             <a:spLocks noGrp="1"/>
           </p:cNvSpPr>
           <p:nvPr>
-            <p:ph idx="1"/>
+            <p:ph type="title"/>
           </p:nvPr>
         </p:nvSpPr>
-        <p:spPr/>
+        <p:spPr>
+          <a:ln>
+            <a:noFill/>
+          </a:ln>
+        </p:spPr>
         <p:txBody>
           <a:bodyPr/>
           <a:lstStyle/>
           <a:p>
-            <a:endParaRPr lang="nl-NL" dirty="0"/>
+            <a:r>
+              <a:rPr lang="nl-NL" dirty="0" err="1"/>
+              <a:t>atomic</a:t>
+            </a:r>
+            <a:r>
+              <a:rPr lang="nl-NL" dirty="0"/>
+              <a:t> design</a:t>
+            </a:r>
           </a:p>
         </p:txBody>
       </p:sp>
@@ -1636,7 +2304,7 @@
           <p:cNvPr id="4" name="Rectangle 3">
             <a:extLst>
               <a:ext uri="{FF2B5EF4-FFF2-40B4-BE49-F238E27FC236}">
-                <a16:creationId xmlns:a16="http://schemas.microsoft.com/office/drawing/2014/main" id="{BBA993B9-4DB5-40C8-9B1E-3516677726E7}"/>
+                <a16:creationId xmlns:a16="http://schemas.microsoft.com/office/drawing/2014/main" id="{1381D057-A10A-4634-83E3-7FA7D6F3C735}"/>
               </a:ext>
             </a:extLst>
           </p:cNvPr>
@@ -1645,8 +2313,8 @@
         </p:nvSpPr>
         <p:spPr>
           <a:xfrm>
-            <a:off x="2332759" y="3619474"/>
-            <a:ext cx="291253" cy="291253"/>
+            <a:off x="2993925" y="1776413"/>
+            <a:ext cx="6204154" cy="4699819"/>
           </a:xfrm>
           <a:prstGeom prst="rect">
             <a:avLst/>
@@ -1654,10 +2322,8 @@
           <a:solidFill>
             <a:srgbClr val="1A0F24"/>
           </a:solidFill>
-          <a:ln w="38100">
-            <a:solidFill>
-              <a:schemeClr val="tx1"/>
-            </a:solidFill>
+          <a:ln>
+            <a:noFill/>
           </a:ln>
         </p:spPr>
         <p:style>
@@ -1681,20 +2347,3752 @@
           <a:lstStyle/>
           <a:p>
             <a:pPr algn="ctr"/>
-            <a:endParaRPr lang="nl-NL" dirty="0">
-              <a:solidFill>
-                <a:srgbClr val="1A0F24"/>
-              </a:solidFill>
-            </a:endParaRPr>
+            <a:endParaRPr lang="nl-NL" dirty="0"/>
           </a:p>
         </p:txBody>
       </p:sp>
+      <p:grpSp>
+        <p:nvGrpSpPr>
+          <p:cNvPr id="75" name="Group 74">
+            <a:extLst>
+              <a:ext uri="{FF2B5EF4-FFF2-40B4-BE49-F238E27FC236}">
+                <a16:creationId xmlns:a16="http://schemas.microsoft.com/office/drawing/2014/main" id="{9FCCF1BF-DFE6-45F7-8804-87DF1151E5C5}"/>
+              </a:ext>
+            </a:extLst>
+          </p:cNvPr>
+          <p:cNvGrpSpPr/>
+          <p:nvPr/>
+        </p:nvGrpSpPr>
+        <p:grpSpPr>
+          <a:xfrm>
+            <a:off x="4009310" y="1844517"/>
+            <a:ext cx="4162773" cy="971383"/>
+            <a:chOff x="4082802" y="1882617"/>
+            <a:chExt cx="4162773" cy="971383"/>
+          </a:xfrm>
+        </p:grpSpPr>
+        <p:sp>
+          <p:nvSpPr>
+            <p:cNvPr id="5" name="Rectangle 4">
+              <a:extLst>
+                <a:ext uri="{FF2B5EF4-FFF2-40B4-BE49-F238E27FC236}">
+                  <a16:creationId xmlns:a16="http://schemas.microsoft.com/office/drawing/2014/main" id="{229AB3ED-2364-4D63-99CC-67246DEE86DD}"/>
+                </a:ext>
+              </a:extLst>
+            </p:cNvPr>
+            <p:cNvSpPr/>
+            <p:nvPr/>
+          </p:nvSpPr>
+          <p:spPr>
+            <a:xfrm>
+              <a:off x="4184847" y="2222091"/>
+              <a:ext cx="245807" cy="373626"/>
+            </a:xfrm>
+            <a:prstGeom prst="rect">
+              <a:avLst/>
+            </a:prstGeom>
+            <a:solidFill>
+              <a:srgbClr val="9F2A55"/>
+            </a:solidFill>
+            <a:ln>
+              <a:noFill/>
+            </a:ln>
+          </p:spPr>
+          <p:style>
+            <a:lnRef idx="2">
+              <a:schemeClr val="accent1">
+                <a:shade val="50000"/>
+              </a:schemeClr>
+            </a:lnRef>
+            <a:fillRef idx="1">
+              <a:schemeClr val="accent1"/>
+            </a:fillRef>
+            <a:effectRef idx="0">
+              <a:schemeClr val="accent1"/>
+            </a:effectRef>
+            <a:fontRef idx="minor">
+              <a:schemeClr val="lt1"/>
+            </a:fontRef>
+          </p:style>
+          <p:txBody>
+            <a:bodyPr rtlCol="0" anchor="ctr"/>
+            <a:lstStyle/>
+            <a:p>
+              <a:pPr algn="ctr"/>
+              <a:endParaRPr lang="nl-NL"/>
+            </a:p>
+          </p:txBody>
+        </p:sp>
+        <p:sp>
+          <p:nvSpPr>
+            <p:cNvPr id="6" name="Rectangle 5">
+              <a:extLst>
+                <a:ext uri="{FF2B5EF4-FFF2-40B4-BE49-F238E27FC236}">
+                  <a16:creationId xmlns:a16="http://schemas.microsoft.com/office/drawing/2014/main" id="{4FC9049A-9AA8-4F86-98EF-AC2EB2F04AB8}"/>
+                </a:ext>
+              </a:extLst>
+            </p:cNvPr>
+            <p:cNvSpPr/>
+            <p:nvPr/>
+          </p:nvSpPr>
+          <p:spPr>
+            <a:xfrm>
+              <a:off x="4439175" y="2222091"/>
+              <a:ext cx="245807" cy="373626"/>
+            </a:xfrm>
+            <a:prstGeom prst="rect">
+              <a:avLst/>
+            </a:prstGeom>
+            <a:solidFill>
+              <a:srgbClr val="9F2A55">
+                <a:alpha val="70000"/>
+              </a:srgbClr>
+            </a:solidFill>
+            <a:ln>
+              <a:noFill/>
+            </a:ln>
+          </p:spPr>
+          <p:style>
+            <a:lnRef idx="2">
+              <a:schemeClr val="accent1">
+                <a:shade val="50000"/>
+              </a:schemeClr>
+            </a:lnRef>
+            <a:fillRef idx="1">
+              <a:schemeClr val="accent1"/>
+            </a:fillRef>
+            <a:effectRef idx="0">
+              <a:schemeClr val="accent1"/>
+            </a:effectRef>
+            <a:fontRef idx="minor">
+              <a:schemeClr val="lt1"/>
+            </a:fontRef>
+          </p:style>
+          <p:txBody>
+            <a:bodyPr rtlCol="0" anchor="ctr"/>
+            <a:lstStyle/>
+            <a:p>
+              <a:pPr algn="ctr"/>
+              <a:endParaRPr lang="nl-NL"/>
+            </a:p>
+          </p:txBody>
+        </p:sp>
+        <p:sp>
+          <p:nvSpPr>
+            <p:cNvPr id="7" name="Rectangle 6">
+              <a:extLst>
+                <a:ext uri="{FF2B5EF4-FFF2-40B4-BE49-F238E27FC236}">
+                  <a16:creationId xmlns:a16="http://schemas.microsoft.com/office/drawing/2014/main" id="{C871CE5B-9C23-4DAD-B8FA-178400EC0293}"/>
+                </a:ext>
+              </a:extLst>
+            </p:cNvPr>
+            <p:cNvSpPr/>
+            <p:nvPr/>
+          </p:nvSpPr>
+          <p:spPr>
+            <a:xfrm>
+              <a:off x="4693503" y="2222091"/>
+              <a:ext cx="245807" cy="373626"/>
+            </a:xfrm>
+            <a:prstGeom prst="rect">
+              <a:avLst/>
+            </a:prstGeom>
+            <a:solidFill>
+              <a:srgbClr val="9F2A55"/>
+            </a:solidFill>
+            <a:ln>
+              <a:noFill/>
+            </a:ln>
+          </p:spPr>
+          <p:style>
+            <a:lnRef idx="2">
+              <a:schemeClr val="accent1">
+                <a:shade val="50000"/>
+              </a:schemeClr>
+            </a:lnRef>
+            <a:fillRef idx="1">
+              <a:schemeClr val="accent1"/>
+            </a:fillRef>
+            <a:effectRef idx="0">
+              <a:schemeClr val="accent1"/>
+            </a:effectRef>
+            <a:fontRef idx="minor">
+              <a:schemeClr val="lt1"/>
+            </a:fontRef>
+          </p:style>
+          <p:txBody>
+            <a:bodyPr rtlCol="0" anchor="ctr"/>
+            <a:lstStyle/>
+            <a:p>
+              <a:pPr algn="ctr"/>
+              <a:endParaRPr lang="nl-NL"/>
+            </a:p>
+          </p:txBody>
+        </p:sp>
+        <p:sp>
+          <p:nvSpPr>
+            <p:cNvPr id="8" name="Rectangle 7">
+              <a:extLst>
+                <a:ext uri="{FF2B5EF4-FFF2-40B4-BE49-F238E27FC236}">
+                  <a16:creationId xmlns:a16="http://schemas.microsoft.com/office/drawing/2014/main" id="{80D059CF-63C7-4D27-B81F-35B041A4C130}"/>
+                </a:ext>
+              </a:extLst>
+            </p:cNvPr>
+            <p:cNvSpPr/>
+            <p:nvPr/>
+          </p:nvSpPr>
+          <p:spPr>
+            <a:xfrm>
+              <a:off x="4947831" y="2222091"/>
+              <a:ext cx="245807" cy="373626"/>
+            </a:xfrm>
+            <a:prstGeom prst="rect">
+              <a:avLst/>
+            </a:prstGeom>
+            <a:solidFill>
+              <a:srgbClr val="9F2A55">
+                <a:alpha val="20000"/>
+              </a:srgbClr>
+            </a:solidFill>
+            <a:ln>
+              <a:noFill/>
+            </a:ln>
+          </p:spPr>
+          <p:style>
+            <a:lnRef idx="2">
+              <a:schemeClr val="accent1">
+                <a:shade val="50000"/>
+              </a:schemeClr>
+            </a:lnRef>
+            <a:fillRef idx="1">
+              <a:schemeClr val="accent1"/>
+            </a:fillRef>
+            <a:effectRef idx="0">
+              <a:schemeClr val="accent1"/>
+            </a:effectRef>
+            <a:fontRef idx="minor">
+              <a:schemeClr val="lt1"/>
+            </a:fontRef>
+          </p:style>
+          <p:txBody>
+            <a:bodyPr rtlCol="0" anchor="ctr"/>
+            <a:lstStyle/>
+            <a:p>
+              <a:pPr algn="ctr"/>
+              <a:endParaRPr lang="nl-NL"/>
+            </a:p>
+          </p:txBody>
+        </p:sp>
+        <p:sp>
+          <p:nvSpPr>
+            <p:cNvPr id="9" name="Rectangle 8">
+              <a:extLst>
+                <a:ext uri="{FF2B5EF4-FFF2-40B4-BE49-F238E27FC236}">
+                  <a16:creationId xmlns:a16="http://schemas.microsoft.com/office/drawing/2014/main" id="{2B01510D-CD64-4647-9855-00CA15AF8668}"/>
+                </a:ext>
+              </a:extLst>
+            </p:cNvPr>
+            <p:cNvSpPr/>
+            <p:nvPr/>
+          </p:nvSpPr>
+          <p:spPr>
+            <a:xfrm>
+              <a:off x="5202159" y="2222091"/>
+              <a:ext cx="245807" cy="373626"/>
+            </a:xfrm>
+            <a:prstGeom prst="rect">
+              <a:avLst/>
+            </a:prstGeom>
+            <a:solidFill>
+              <a:srgbClr val="9F2A55"/>
+            </a:solidFill>
+            <a:ln>
+              <a:noFill/>
+            </a:ln>
+          </p:spPr>
+          <p:style>
+            <a:lnRef idx="2">
+              <a:schemeClr val="accent1">
+                <a:shade val="50000"/>
+              </a:schemeClr>
+            </a:lnRef>
+            <a:fillRef idx="1">
+              <a:schemeClr val="accent1"/>
+            </a:fillRef>
+            <a:effectRef idx="0">
+              <a:schemeClr val="accent1"/>
+            </a:effectRef>
+            <a:fontRef idx="minor">
+              <a:schemeClr val="lt1"/>
+            </a:fontRef>
+          </p:style>
+          <p:txBody>
+            <a:bodyPr rtlCol="0" anchor="ctr"/>
+            <a:lstStyle/>
+            <a:p>
+              <a:pPr algn="ctr"/>
+              <a:endParaRPr lang="nl-NL"/>
+            </a:p>
+          </p:txBody>
+        </p:sp>
+        <p:sp>
+          <p:nvSpPr>
+            <p:cNvPr id="10" name="Rectangle 9">
+              <a:extLst>
+                <a:ext uri="{FF2B5EF4-FFF2-40B4-BE49-F238E27FC236}">
+                  <a16:creationId xmlns:a16="http://schemas.microsoft.com/office/drawing/2014/main" id="{7097F25D-C38E-43C7-BBFD-A5EB894342B6}"/>
+                </a:ext>
+              </a:extLst>
+            </p:cNvPr>
+            <p:cNvSpPr/>
+            <p:nvPr/>
+          </p:nvSpPr>
+          <p:spPr>
+            <a:xfrm>
+              <a:off x="5456487" y="2222091"/>
+              <a:ext cx="245807" cy="373626"/>
+            </a:xfrm>
+            <a:prstGeom prst="rect">
+              <a:avLst/>
+            </a:prstGeom>
+            <a:solidFill>
+              <a:srgbClr val="9F2A55">
+                <a:alpha val="20000"/>
+              </a:srgbClr>
+            </a:solidFill>
+            <a:ln>
+              <a:noFill/>
+            </a:ln>
+          </p:spPr>
+          <p:style>
+            <a:lnRef idx="2">
+              <a:schemeClr val="accent1">
+                <a:shade val="50000"/>
+              </a:schemeClr>
+            </a:lnRef>
+            <a:fillRef idx="1">
+              <a:schemeClr val="accent1"/>
+            </a:fillRef>
+            <a:effectRef idx="0">
+              <a:schemeClr val="accent1"/>
+            </a:effectRef>
+            <a:fontRef idx="minor">
+              <a:schemeClr val="lt1"/>
+            </a:fontRef>
+          </p:style>
+          <p:txBody>
+            <a:bodyPr rtlCol="0" anchor="ctr"/>
+            <a:lstStyle/>
+            <a:p>
+              <a:pPr algn="ctr"/>
+              <a:endParaRPr lang="nl-NL"/>
+            </a:p>
+          </p:txBody>
+        </p:sp>
+        <p:sp>
+          <p:nvSpPr>
+            <p:cNvPr id="11" name="Rectangle 10">
+              <a:extLst>
+                <a:ext uri="{FF2B5EF4-FFF2-40B4-BE49-F238E27FC236}">
+                  <a16:creationId xmlns:a16="http://schemas.microsoft.com/office/drawing/2014/main" id="{AB7071EC-8998-487D-AC03-DC49CC9DEB3E}"/>
+                </a:ext>
+              </a:extLst>
+            </p:cNvPr>
+            <p:cNvSpPr/>
+            <p:nvPr/>
+          </p:nvSpPr>
+          <p:spPr>
+            <a:xfrm>
+              <a:off x="5710815" y="2222091"/>
+              <a:ext cx="245807" cy="373626"/>
+            </a:xfrm>
+            <a:prstGeom prst="rect">
+              <a:avLst/>
+            </a:prstGeom>
+            <a:solidFill>
+              <a:srgbClr val="9F2A55">
+                <a:alpha val="60000"/>
+              </a:srgbClr>
+            </a:solidFill>
+            <a:ln>
+              <a:noFill/>
+            </a:ln>
+          </p:spPr>
+          <p:style>
+            <a:lnRef idx="2">
+              <a:schemeClr val="accent1">
+                <a:shade val="50000"/>
+              </a:schemeClr>
+            </a:lnRef>
+            <a:fillRef idx="1">
+              <a:schemeClr val="accent1"/>
+            </a:fillRef>
+            <a:effectRef idx="0">
+              <a:schemeClr val="accent1"/>
+            </a:effectRef>
+            <a:fontRef idx="minor">
+              <a:schemeClr val="lt1"/>
+            </a:fontRef>
+          </p:style>
+          <p:txBody>
+            <a:bodyPr rtlCol="0" anchor="ctr"/>
+            <a:lstStyle/>
+            <a:p>
+              <a:pPr algn="ctr"/>
+              <a:endParaRPr lang="nl-NL"/>
+            </a:p>
+          </p:txBody>
+        </p:sp>
+        <p:sp>
+          <p:nvSpPr>
+            <p:cNvPr id="12" name="Rectangle 11">
+              <a:extLst>
+                <a:ext uri="{FF2B5EF4-FFF2-40B4-BE49-F238E27FC236}">
+                  <a16:creationId xmlns:a16="http://schemas.microsoft.com/office/drawing/2014/main" id="{DF64D5A5-2656-499A-B53A-A2237808EF69}"/>
+                </a:ext>
+              </a:extLst>
+            </p:cNvPr>
+            <p:cNvSpPr/>
+            <p:nvPr/>
+          </p:nvSpPr>
+          <p:spPr>
+            <a:xfrm>
+              <a:off x="5965143" y="2222091"/>
+              <a:ext cx="245807" cy="373626"/>
+            </a:xfrm>
+            <a:prstGeom prst="rect">
+              <a:avLst/>
+            </a:prstGeom>
+            <a:solidFill>
+              <a:srgbClr val="9F2A55"/>
+            </a:solidFill>
+            <a:ln>
+              <a:noFill/>
+            </a:ln>
+          </p:spPr>
+          <p:style>
+            <a:lnRef idx="2">
+              <a:schemeClr val="accent1">
+                <a:shade val="50000"/>
+              </a:schemeClr>
+            </a:lnRef>
+            <a:fillRef idx="1">
+              <a:schemeClr val="accent1"/>
+            </a:fillRef>
+            <a:effectRef idx="0">
+              <a:schemeClr val="accent1"/>
+            </a:effectRef>
+            <a:fontRef idx="minor">
+              <a:schemeClr val="lt1"/>
+            </a:fontRef>
+          </p:style>
+          <p:txBody>
+            <a:bodyPr rtlCol="0" anchor="ctr"/>
+            <a:lstStyle/>
+            <a:p>
+              <a:pPr algn="ctr"/>
+              <a:endParaRPr lang="nl-NL"/>
+            </a:p>
+          </p:txBody>
+        </p:sp>
+        <p:sp>
+          <p:nvSpPr>
+            <p:cNvPr id="13" name="Rectangle 12">
+              <a:extLst>
+                <a:ext uri="{FF2B5EF4-FFF2-40B4-BE49-F238E27FC236}">
+                  <a16:creationId xmlns:a16="http://schemas.microsoft.com/office/drawing/2014/main" id="{8BDACA88-1906-483E-AE83-A68DC8127A3B}"/>
+                </a:ext>
+              </a:extLst>
+            </p:cNvPr>
+            <p:cNvSpPr/>
+            <p:nvPr/>
+          </p:nvSpPr>
+          <p:spPr>
+            <a:xfrm>
+              <a:off x="6219471" y="2222091"/>
+              <a:ext cx="245807" cy="373626"/>
+            </a:xfrm>
+            <a:prstGeom prst="rect">
+              <a:avLst/>
+            </a:prstGeom>
+            <a:solidFill>
+              <a:srgbClr val="9F2A55"/>
+            </a:solidFill>
+            <a:ln>
+              <a:noFill/>
+            </a:ln>
+          </p:spPr>
+          <p:style>
+            <a:lnRef idx="2">
+              <a:schemeClr val="accent1">
+                <a:shade val="50000"/>
+              </a:schemeClr>
+            </a:lnRef>
+            <a:fillRef idx="1">
+              <a:schemeClr val="accent1"/>
+            </a:fillRef>
+            <a:effectRef idx="0">
+              <a:schemeClr val="accent1"/>
+            </a:effectRef>
+            <a:fontRef idx="minor">
+              <a:schemeClr val="lt1"/>
+            </a:fontRef>
+          </p:style>
+          <p:txBody>
+            <a:bodyPr rtlCol="0" anchor="ctr"/>
+            <a:lstStyle/>
+            <a:p>
+              <a:pPr algn="ctr"/>
+              <a:endParaRPr lang="nl-NL"/>
+            </a:p>
+          </p:txBody>
+        </p:sp>
+        <p:sp>
+          <p:nvSpPr>
+            <p:cNvPr id="14" name="Rectangle 13">
+              <a:extLst>
+                <a:ext uri="{FF2B5EF4-FFF2-40B4-BE49-F238E27FC236}">
+                  <a16:creationId xmlns:a16="http://schemas.microsoft.com/office/drawing/2014/main" id="{1BBB7596-933A-4E9A-892A-65D407A1C29C}"/>
+                </a:ext>
+              </a:extLst>
+            </p:cNvPr>
+            <p:cNvSpPr/>
+            <p:nvPr/>
+          </p:nvSpPr>
+          <p:spPr>
+            <a:xfrm>
+              <a:off x="6473799" y="2222091"/>
+              <a:ext cx="245807" cy="373626"/>
+            </a:xfrm>
+            <a:prstGeom prst="rect">
+              <a:avLst/>
+            </a:prstGeom>
+            <a:solidFill>
+              <a:srgbClr val="9F2A55"/>
+            </a:solidFill>
+            <a:ln>
+              <a:noFill/>
+            </a:ln>
+          </p:spPr>
+          <p:style>
+            <a:lnRef idx="2">
+              <a:schemeClr val="accent1">
+                <a:shade val="50000"/>
+              </a:schemeClr>
+            </a:lnRef>
+            <a:fillRef idx="1">
+              <a:schemeClr val="accent1"/>
+            </a:fillRef>
+            <a:effectRef idx="0">
+              <a:schemeClr val="accent1"/>
+            </a:effectRef>
+            <a:fontRef idx="minor">
+              <a:schemeClr val="lt1"/>
+            </a:fontRef>
+          </p:style>
+          <p:txBody>
+            <a:bodyPr rtlCol="0" anchor="ctr"/>
+            <a:lstStyle/>
+            <a:p>
+              <a:pPr algn="ctr"/>
+              <a:endParaRPr lang="nl-NL"/>
+            </a:p>
+          </p:txBody>
+        </p:sp>
+        <p:sp>
+          <p:nvSpPr>
+            <p:cNvPr id="15" name="Rectangle 14">
+              <a:extLst>
+                <a:ext uri="{FF2B5EF4-FFF2-40B4-BE49-F238E27FC236}">
+                  <a16:creationId xmlns:a16="http://schemas.microsoft.com/office/drawing/2014/main" id="{874DB1CE-1032-4A61-9019-3662A498CB3B}"/>
+                </a:ext>
+              </a:extLst>
+            </p:cNvPr>
+            <p:cNvSpPr/>
+            <p:nvPr/>
+          </p:nvSpPr>
+          <p:spPr>
+            <a:xfrm>
+              <a:off x="6728127" y="2222091"/>
+              <a:ext cx="245807" cy="373626"/>
+            </a:xfrm>
+            <a:prstGeom prst="rect">
+              <a:avLst/>
+            </a:prstGeom>
+            <a:solidFill>
+              <a:srgbClr val="9F2A55">
+                <a:alpha val="20000"/>
+              </a:srgbClr>
+            </a:solidFill>
+            <a:ln>
+              <a:noFill/>
+            </a:ln>
+          </p:spPr>
+          <p:style>
+            <a:lnRef idx="2">
+              <a:schemeClr val="accent1">
+                <a:shade val="50000"/>
+              </a:schemeClr>
+            </a:lnRef>
+            <a:fillRef idx="1">
+              <a:schemeClr val="accent1"/>
+            </a:fillRef>
+            <a:effectRef idx="0">
+              <a:schemeClr val="accent1"/>
+            </a:effectRef>
+            <a:fontRef idx="minor">
+              <a:schemeClr val="lt1"/>
+            </a:fontRef>
+          </p:style>
+          <p:txBody>
+            <a:bodyPr rtlCol="0" anchor="ctr"/>
+            <a:lstStyle/>
+            <a:p>
+              <a:pPr algn="ctr"/>
+              <a:endParaRPr lang="nl-NL"/>
+            </a:p>
+          </p:txBody>
+        </p:sp>
+        <p:sp>
+          <p:nvSpPr>
+            <p:cNvPr id="16" name="Rectangle 15">
+              <a:extLst>
+                <a:ext uri="{FF2B5EF4-FFF2-40B4-BE49-F238E27FC236}">
+                  <a16:creationId xmlns:a16="http://schemas.microsoft.com/office/drawing/2014/main" id="{91B86BF6-0A34-40C7-B22B-A1518BF31BDC}"/>
+                </a:ext>
+              </a:extLst>
+            </p:cNvPr>
+            <p:cNvSpPr/>
+            <p:nvPr/>
+          </p:nvSpPr>
+          <p:spPr>
+            <a:xfrm>
+              <a:off x="6982455" y="2222091"/>
+              <a:ext cx="245807" cy="373626"/>
+            </a:xfrm>
+            <a:prstGeom prst="rect">
+              <a:avLst/>
+            </a:prstGeom>
+            <a:solidFill>
+              <a:srgbClr val="9F2A55">
+                <a:alpha val="60000"/>
+              </a:srgbClr>
+            </a:solidFill>
+            <a:ln>
+              <a:noFill/>
+            </a:ln>
+          </p:spPr>
+          <p:style>
+            <a:lnRef idx="2">
+              <a:schemeClr val="accent1">
+                <a:shade val="50000"/>
+              </a:schemeClr>
+            </a:lnRef>
+            <a:fillRef idx="1">
+              <a:schemeClr val="accent1"/>
+            </a:fillRef>
+            <a:effectRef idx="0">
+              <a:schemeClr val="accent1"/>
+            </a:effectRef>
+            <a:fontRef idx="minor">
+              <a:schemeClr val="lt1"/>
+            </a:fontRef>
+          </p:style>
+          <p:txBody>
+            <a:bodyPr rtlCol="0" anchor="ctr"/>
+            <a:lstStyle/>
+            <a:p>
+              <a:pPr algn="ctr"/>
+              <a:endParaRPr lang="nl-NL"/>
+            </a:p>
+          </p:txBody>
+        </p:sp>
+        <p:sp>
+          <p:nvSpPr>
+            <p:cNvPr id="17" name="Rectangle 16">
+              <a:extLst>
+                <a:ext uri="{FF2B5EF4-FFF2-40B4-BE49-F238E27FC236}">
+                  <a16:creationId xmlns:a16="http://schemas.microsoft.com/office/drawing/2014/main" id="{0E8C3EA2-AB64-4D78-A7BB-CFF42C288120}"/>
+                </a:ext>
+              </a:extLst>
+            </p:cNvPr>
+            <p:cNvSpPr/>
+            <p:nvPr/>
+          </p:nvSpPr>
+          <p:spPr>
+            <a:xfrm>
+              <a:off x="7236783" y="2222091"/>
+              <a:ext cx="245807" cy="373626"/>
+            </a:xfrm>
+            <a:prstGeom prst="rect">
+              <a:avLst/>
+            </a:prstGeom>
+            <a:solidFill>
+              <a:srgbClr val="9F2A55">
+                <a:alpha val="70000"/>
+              </a:srgbClr>
+            </a:solidFill>
+            <a:ln>
+              <a:noFill/>
+            </a:ln>
+          </p:spPr>
+          <p:style>
+            <a:lnRef idx="2">
+              <a:schemeClr val="accent1">
+                <a:shade val="50000"/>
+              </a:schemeClr>
+            </a:lnRef>
+            <a:fillRef idx="1">
+              <a:schemeClr val="accent1"/>
+            </a:fillRef>
+            <a:effectRef idx="0">
+              <a:schemeClr val="accent1"/>
+            </a:effectRef>
+            <a:fontRef idx="minor">
+              <a:schemeClr val="lt1"/>
+            </a:fontRef>
+          </p:style>
+          <p:txBody>
+            <a:bodyPr rtlCol="0" anchor="ctr"/>
+            <a:lstStyle/>
+            <a:p>
+              <a:pPr algn="ctr"/>
+              <a:endParaRPr lang="nl-NL"/>
+            </a:p>
+          </p:txBody>
+        </p:sp>
+        <p:sp>
+          <p:nvSpPr>
+            <p:cNvPr id="18" name="Rectangle 17">
+              <a:extLst>
+                <a:ext uri="{FF2B5EF4-FFF2-40B4-BE49-F238E27FC236}">
+                  <a16:creationId xmlns:a16="http://schemas.microsoft.com/office/drawing/2014/main" id="{DA6AAD24-58BB-45F6-8F83-F83B9C5435F5}"/>
+                </a:ext>
+              </a:extLst>
+            </p:cNvPr>
+            <p:cNvSpPr/>
+            <p:nvPr/>
+          </p:nvSpPr>
+          <p:spPr>
+            <a:xfrm>
+              <a:off x="7491111" y="2222091"/>
+              <a:ext cx="245807" cy="373626"/>
+            </a:xfrm>
+            <a:prstGeom prst="rect">
+              <a:avLst/>
+            </a:prstGeom>
+            <a:solidFill>
+              <a:srgbClr val="9F2A55"/>
+            </a:solidFill>
+            <a:ln>
+              <a:noFill/>
+            </a:ln>
+          </p:spPr>
+          <p:style>
+            <a:lnRef idx="2">
+              <a:schemeClr val="accent1">
+                <a:shade val="50000"/>
+              </a:schemeClr>
+            </a:lnRef>
+            <a:fillRef idx="1">
+              <a:schemeClr val="accent1"/>
+            </a:fillRef>
+            <a:effectRef idx="0">
+              <a:schemeClr val="accent1"/>
+            </a:effectRef>
+            <a:fontRef idx="minor">
+              <a:schemeClr val="lt1"/>
+            </a:fontRef>
+          </p:style>
+          <p:txBody>
+            <a:bodyPr rtlCol="0" anchor="ctr"/>
+            <a:lstStyle/>
+            <a:p>
+              <a:pPr algn="ctr"/>
+              <a:endParaRPr lang="nl-NL"/>
+            </a:p>
+          </p:txBody>
+        </p:sp>
+        <p:sp>
+          <p:nvSpPr>
+            <p:cNvPr id="19" name="Rectangle 18">
+              <a:extLst>
+                <a:ext uri="{FF2B5EF4-FFF2-40B4-BE49-F238E27FC236}">
+                  <a16:creationId xmlns:a16="http://schemas.microsoft.com/office/drawing/2014/main" id="{61BBB0B1-CE73-4940-BFC8-FE0EF2A5166A}"/>
+                </a:ext>
+              </a:extLst>
+            </p:cNvPr>
+            <p:cNvSpPr/>
+            <p:nvPr/>
+          </p:nvSpPr>
+          <p:spPr>
+            <a:xfrm>
+              <a:off x="7745439" y="2222091"/>
+              <a:ext cx="245807" cy="373626"/>
+            </a:xfrm>
+            <a:prstGeom prst="rect">
+              <a:avLst/>
+            </a:prstGeom>
+            <a:solidFill>
+              <a:srgbClr val="9F2A55">
+                <a:alpha val="20000"/>
+              </a:srgbClr>
+            </a:solidFill>
+            <a:ln>
+              <a:noFill/>
+            </a:ln>
+          </p:spPr>
+          <p:style>
+            <a:lnRef idx="2">
+              <a:schemeClr val="accent1">
+                <a:shade val="50000"/>
+              </a:schemeClr>
+            </a:lnRef>
+            <a:fillRef idx="1">
+              <a:schemeClr val="accent1"/>
+            </a:fillRef>
+            <a:effectRef idx="0">
+              <a:schemeClr val="accent1"/>
+            </a:effectRef>
+            <a:fontRef idx="minor">
+              <a:schemeClr val="lt1"/>
+            </a:fontRef>
+          </p:style>
+          <p:txBody>
+            <a:bodyPr rtlCol="0" anchor="ctr"/>
+            <a:lstStyle/>
+            <a:p>
+              <a:pPr algn="ctr"/>
+              <a:endParaRPr lang="nl-NL"/>
+            </a:p>
+          </p:txBody>
+        </p:sp>
+        <p:sp>
+          <p:nvSpPr>
+            <p:cNvPr id="20" name="Rectangle 19">
+              <a:extLst>
+                <a:ext uri="{FF2B5EF4-FFF2-40B4-BE49-F238E27FC236}">
+                  <a16:creationId xmlns:a16="http://schemas.microsoft.com/office/drawing/2014/main" id="{CE4A1DAD-ABCF-4EB8-90D0-810643FFBEAB}"/>
+                </a:ext>
+              </a:extLst>
+            </p:cNvPr>
+            <p:cNvSpPr/>
+            <p:nvPr/>
+          </p:nvSpPr>
+          <p:spPr>
+            <a:xfrm>
+              <a:off x="7999768" y="2222091"/>
+              <a:ext cx="245807" cy="373626"/>
+            </a:xfrm>
+            <a:prstGeom prst="rect">
+              <a:avLst/>
+            </a:prstGeom>
+            <a:solidFill>
+              <a:srgbClr val="9F2A55"/>
+            </a:solidFill>
+            <a:ln>
+              <a:noFill/>
+            </a:ln>
+          </p:spPr>
+          <p:style>
+            <a:lnRef idx="2">
+              <a:schemeClr val="accent1">
+                <a:shade val="50000"/>
+              </a:schemeClr>
+            </a:lnRef>
+            <a:fillRef idx="1">
+              <a:schemeClr val="accent1"/>
+            </a:fillRef>
+            <a:effectRef idx="0">
+              <a:schemeClr val="accent1"/>
+            </a:effectRef>
+            <a:fontRef idx="minor">
+              <a:schemeClr val="lt1"/>
+            </a:fontRef>
+          </p:style>
+          <p:txBody>
+            <a:bodyPr rtlCol="0" anchor="ctr"/>
+            <a:lstStyle/>
+            <a:p>
+              <a:pPr algn="ctr"/>
+              <a:endParaRPr lang="nl-NL"/>
+            </a:p>
+          </p:txBody>
+        </p:sp>
+        <p:sp>
+          <p:nvSpPr>
+            <p:cNvPr id="22" name="Rectangle 21">
+              <a:extLst>
+                <a:ext uri="{FF2B5EF4-FFF2-40B4-BE49-F238E27FC236}">
+                  <a16:creationId xmlns:a16="http://schemas.microsoft.com/office/drawing/2014/main" id="{F7734CAF-E9B7-4ADA-8B19-3500B1D7A932}"/>
+                </a:ext>
+              </a:extLst>
+            </p:cNvPr>
+            <p:cNvSpPr/>
+            <p:nvPr/>
+          </p:nvSpPr>
+          <p:spPr>
+            <a:xfrm>
+              <a:off x="4184849" y="2690968"/>
+              <a:ext cx="245807" cy="45719"/>
+            </a:xfrm>
+            <a:prstGeom prst="rect">
+              <a:avLst/>
+            </a:prstGeom>
+            <a:solidFill>
+              <a:srgbClr val="9F2A55">
+                <a:alpha val="50000"/>
+              </a:srgbClr>
+            </a:solidFill>
+            <a:ln>
+              <a:noFill/>
+            </a:ln>
+          </p:spPr>
+          <p:style>
+            <a:lnRef idx="2">
+              <a:schemeClr val="accent1">
+                <a:shade val="50000"/>
+              </a:schemeClr>
+            </a:lnRef>
+            <a:fillRef idx="1">
+              <a:schemeClr val="accent1"/>
+            </a:fillRef>
+            <a:effectRef idx="0">
+              <a:schemeClr val="accent1"/>
+            </a:effectRef>
+            <a:fontRef idx="minor">
+              <a:schemeClr val="lt1"/>
+            </a:fontRef>
+          </p:style>
+          <p:txBody>
+            <a:bodyPr rtlCol="0" anchor="ctr"/>
+            <a:lstStyle/>
+            <a:p>
+              <a:pPr algn="ctr"/>
+              <a:endParaRPr lang="nl-NL"/>
+            </a:p>
+          </p:txBody>
+        </p:sp>
+        <p:sp>
+          <p:nvSpPr>
+            <p:cNvPr id="23" name="Rectangle 22">
+              <a:extLst>
+                <a:ext uri="{FF2B5EF4-FFF2-40B4-BE49-F238E27FC236}">
+                  <a16:creationId xmlns:a16="http://schemas.microsoft.com/office/drawing/2014/main" id="{98A221A5-AFD5-40D1-A0BF-6EF7EC9B6C29}"/>
+                </a:ext>
+              </a:extLst>
+            </p:cNvPr>
+            <p:cNvSpPr/>
+            <p:nvPr/>
+          </p:nvSpPr>
+          <p:spPr>
+            <a:xfrm>
+              <a:off x="4184848" y="2750976"/>
+              <a:ext cx="245807" cy="45719"/>
+            </a:xfrm>
+            <a:prstGeom prst="rect">
+              <a:avLst/>
+            </a:prstGeom>
+            <a:solidFill>
+              <a:srgbClr val="9F2A55">
+                <a:alpha val="50000"/>
+              </a:srgbClr>
+            </a:solidFill>
+            <a:ln>
+              <a:noFill/>
+            </a:ln>
+          </p:spPr>
+          <p:style>
+            <a:lnRef idx="2">
+              <a:schemeClr val="accent1">
+                <a:shade val="50000"/>
+              </a:schemeClr>
+            </a:lnRef>
+            <a:fillRef idx="1">
+              <a:schemeClr val="accent1"/>
+            </a:fillRef>
+            <a:effectRef idx="0">
+              <a:schemeClr val="accent1"/>
+            </a:effectRef>
+            <a:fontRef idx="minor">
+              <a:schemeClr val="lt1"/>
+            </a:fontRef>
+          </p:style>
+          <p:txBody>
+            <a:bodyPr rtlCol="0" anchor="ctr"/>
+            <a:lstStyle/>
+            <a:p>
+              <a:pPr algn="ctr"/>
+              <a:endParaRPr lang="nl-NL"/>
+            </a:p>
+          </p:txBody>
+        </p:sp>
+        <p:sp>
+          <p:nvSpPr>
+            <p:cNvPr id="24" name="Rectangle 23">
+              <a:extLst>
+                <a:ext uri="{FF2B5EF4-FFF2-40B4-BE49-F238E27FC236}">
+                  <a16:creationId xmlns:a16="http://schemas.microsoft.com/office/drawing/2014/main" id="{1DAF4BE9-1226-4624-9170-1AECEF3190AF}"/>
+                </a:ext>
+              </a:extLst>
+            </p:cNvPr>
+            <p:cNvSpPr/>
+            <p:nvPr/>
+          </p:nvSpPr>
+          <p:spPr>
+            <a:xfrm>
+              <a:off x="4184847" y="2808281"/>
+              <a:ext cx="245807" cy="45719"/>
+            </a:xfrm>
+            <a:prstGeom prst="rect">
+              <a:avLst/>
+            </a:prstGeom>
+            <a:solidFill>
+              <a:srgbClr val="9F2A55">
+                <a:alpha val="50000"/>
+              </a:srgbClr>
+            </a:solidFill>
+            <a:ln>
+              <a:noFill/>
+            </a:ln>
+          </p:spPr>
+          <p:style>
+            <a:lnRef idx="2">
+              <a:schemeClr val="accent1">
+                <a:shade val="50000"/>
+              </a:schemeClr>
+            </a:lnRef>
+            <a:fillRef idx="1">
+              <a:schemeClr val="accent1"/>
+            </a:fillRef>
+            <a:effectRef idx="0">
+              <a:schemeClr val="accent1"/>
+            </a:effectRef>
+            <a:fontRef idx="minor">
+              <a:schemeClr val="lt1"/>
+            </a:fontRef>
+          </p:style>
+          <p:txBody>
+            <a:bodyPr rtlCol="0" anchor="ctr"/>
+            <a:lstStyle/>
+            <a:p>
+              <a:pPr algn="ctr"/>
+              <a:endParaRPr lang="nl-NL"/>
+            </a:p>
+          </p:txBody>
+        </p:sp>
+        <p:sp>
+          <p:nvSpPr>
+            <p:cNvPr id="29" name="Rectangle 28">
+              <a:extLst>
+                <a:ext uri="{FF2B5EF4-FFF2-40B4-BE49-F238E27FC236}">
+                  <a16:creationId xmlns:a16="http://schemas.microsoft.com/office/drawing/2014/main" id="{8349A4E5-EF2A-421B-B826-9008EDFDF96C}"/>
+                </a:ext>
+              </a:extLst>
+            </p:cNvPr>
+            <p:cNvSpPr/>
+            <p:nvPr/>
+          </p:nvSpPr>
+          <p:spPr>
+            <a:xfrm>
+              <a:off x="4439175" y="2690968"/>
+              <a:ext cx="245807" cy="45719"/>
+            </a:xfrm>
+            <a:prstGeom prst="rect">
+              <a:avLst/>
+            </a:prstGeom>
+            <a:solidFill>
+              <a:srgbClr val="9F2A55">
+                <a:alpha val="70000"/>
+              </a:srgbClr>
+            </a:solidFill>
+            <a:ln>
+              <a:noFill/>
+            </a:ln>
+          </p:spPr>
+          <p:style>
+            <a:lnRef idx="2">
+              <a:schemeClr val="accent1">
+                <a:shade val="50000"/>
+              </a:schemeClr>
+            </a:lnRef>
+            <a:fillRef idx="1">
+              <a:schemeClr val="accent1"/>
+            </a:fillRef>
+            <a:effectRef idx="0">
+              <a:schemeClr val="accent1"/>
+            </a:effectRef>
+            <a:fontRef idx="minor">
+              <a:schemeClr val="lt1"/>
+            </a:fontRef>
+          </p:style>
+          <p:txBody>
+            <a:bodyPr rtlCol="0" anchor="ctr"/>
+            <a:lstStyle/>
+            <a:p>
+              <a:pPr algn="ctr"/>
+              <a:endParaRPr lang="nl-NL"/>
+            </a:p>
+          </p:txBody>
+        </p:sp>
+        <p:sp>
+          <p:nvSpPr>
+            <p:cNvPr id="30" name="Rectangle 29">
+              <a:extLst>
+                <a:ext uri="{FF2B5EF4-FFF2-40B4-BE49-F238E27FC236}">
+                  <a16:creationId xmlns:a16="http://schemas.microsoft.com/office/drawing/2014/main" id="{E46527D5-9443-45A0-94AD-E07704EE6A3C}"/>
+                </a:ext>
+              </a:extLst>
+            </p:cNvPr>
+            <p:cNvSpPr/>
+            <p:nvPr/>
+          </p:nvSpPr>
+          <p:spPr>
+            <a:xfrm>
+              <a:off x="4439174" y="2750976"/>
+              <a:ext cx="245807" cy="45719"/>
+            </a:xfrm>
+            <a:prstGeom prst="rect">
+              <a:avLst/>
+            </a:prstGeom>
+            <a:solidFill>
+              <a:srgbClr val="9F2A55">
+                <a:alpha val="50000"/>
+              </a:srgbClr>
+            </a:solidFill>
+            <a:ln>
+              <a:noFill/>
+            </a:ln>
+          </p:spPr>
+          <p:style>
+            <a:lnRef idx="2">
+              <a:schemeClr val="accent1">
+                <a:shade val="50000"/>
+              </a:schemeClr>
+            </a:lnRef>
+            <a:fillRef idx="1">
+              <a:schemeClr val="accent1"/>
+            </a:fillRef>
+            <a:effectRef idx="0">
+              <a:schemeClr val="accent1"/>
+            </a:effectRef>
+            <a:fontRef idx="minor">
+              <a:schemeClr val="lt1"/>
+            </a:fontRef>
+          </p:style>
+          <p:txBody>
+            <a:bodyPr rtlCol="0" anchor="ctr"/>
+            <a:lstStyle/>
+            <a:p>
+              <a:pPr algn="ctr"/>
+              <a:endParaRPr lang="nl-NL"/>
+            </a:p>
+          </p:txBody>
+        </p:sp>
+        <p:sp>
+          <p:nvSpPr>
+            <p:cNvPr id="31" name="Rectangle 30">
+              <a:extLst>
+                <a:ext uri="{FF2B5EF4-FFF2-40B4-BE49-F238E27FC236}">
+                  <a16:creationId xmlns:a16="http://schemas.microsoft.com/office/drawing/2014/main" id="{27C374F9-9F86-47B7-AECD-8F06A8C4E758}"/>
+                </a:ext>
+              </a:extLst>
+            </p:cNvPr>
+            <p:cNvSpPr/>
+            <p:nvPr/>
+          </p:nvSpPr>
+          <p:spPr>
+            <a:xfrm>
+              <a:off x="4439173" y="2808281"/>
+              <a:ext cx="245807" cy="45719"/>
+            </a:xfrm>
+            <a:prstGeom prst="rect">
+              <a:avLst/>
+            </a:prstGeom>
+            <a:solidFill>
+              <a:srgbClr val="9F2A55">
+                <a:alpha val="50000"/>
+              </a:srgbClr>
+            </a:solidFill>
+            <a:ln>
+              <a:noFill/>
+            </a:ln>
+          </p:spPr>
+          <p:style>
+            <a:lnRef idx="2">
+              <a:schemeClr val="accent1">
+                <a:shade val="50000"/>
+              </a:schemeClr>
+            </a:lnRef>
+            <a:fillRef idx="1">
+              <a:schemeClr val="accent1"/>
+            </a:fillRef>
+            <a:effectRef idx="0">
+              <a:schemeClr val="accent1"/>
+            </a:effectRef>
+            <a:fontRef idx="minor">
+              <a:schemeClr val="lt1"/>
+            </a:fontRef>
+          </p:style>
+          <p:txBody>
+            <a:bodyPr rtlCol="0" anchor="ctr"/>
+            <a:lstStyle/>
+            <a:p>
+              <a:pPr algn="ctr"/>
+              <a:endParaRPr lang="nl-NL"/>
+            </a:p>
+          </p:txBody>
+        </p:sp>
+        <p:sp>
+          <p:nvSpPr>
+            <p:cNvPr id="32" name="Rectangle 31">
+              <a:extLst>
+                <a:ext uri="{FF2B5EF4-FFF2-40B4-BE49-F238E27FC236}">
+                  <a16:creationId xmlns:a16="http://schemas.microsoft.com/office/drawing/2014/main" id="{D8B6374E-17B2-4508-9665-3537C108459E}"/>
+                </a:ext>
+              </a:extLst>
+            </p:cNvPr>
+            <p:cNvSpPr/>
+            <p:nvPr/>
+          </p:nvSpPr>
+          <p:spPr>
+            <a:xfrm>
+              <a:off x="4693505" y="2690968"/>
+              <a:ext cx="245807" cy="45719"/>
+            </a:xfrm>
+            <a:prstGeom prst="rect">
+              <a:avLst/>
+            </a:prstGeom>
+            <a:solidFill>
+              <a:srgbClr val="9F2A55">
+                <a:alpha val="50000"/>
+              </a:srgbClr>
+            </a:solidFill>
+            <a:ln>
+              <a:noFill/>
+            </a:ln>
+          </p:spPr>
+          <p:style>
+            <a:lnRef idx="2">
+              <a:schemeClr val="accent1">
+                <a:shade val="50000"/>
+              </a:schemeClr>
+            </a:lnRef>
+            <a:fillRef idx="1">
+              <a:schemeClr val="accent1"/>
+            </a:fillRef>
+            <a:effectRef idx="0">
+              <a:schemeClr val="accent1"/>
+            </a:effectRef>
+            <a:fontRef idx="minor">
+              <a:schemeClr val="lt1"/>
+            </a:fontRef>
+          </p:style>
+          <p:txBody>
+            <a:bodyPr rtlCol="0" anchor="ctr"/>
+            <a:lstStyle/>
+            <a:p>
+              <a:pPr algn="ctr"/>
+              <a:endParaRPr lang="nl-NL"/>
+            </a:p>
+          </p:txBody>
+        </p:sp>
+        <p:sp>
+          <p:nvSpPr>
+            <p:cNvPr id="33" name="Rectangle 32">
+              <a:extLst>
+                <a:ext uri="{FF2B5EF4-FFF2-40B4-BE49-F238E27FC236}">
+                  <a16:creationId xmlns:a16="http://schemas.microsoft.com/office/drawing/2014/main" id="{4EB6887A-D052-4D7C-9BBD-2649F2C44E02}"/>
+                </a:ext>
+              </a:extLst>
+            </p:cNvPr>
+            <p:cNvSpPr/>
+            <p:nvPr/>
+          </p:nvSpPr>
+          <p:spPr>
+            <a:xfrm>
+              <a:off x="4693504" y="2750976"/>
+              <a:ext cx="245807" cy="45719"/>
+            </a:xfrm>
+            <a:prstGeom prst="rect">
+              <a:avLst/>
+            </a:prstGeom>
+            <a:solidFill>
+              <a:srgbClr val="9F2A55">
+                <a:alpha val="50000"/>
+              </a:srgbClr>
+            </a:solidFill>
+            <a:ln>
+              <a:noFill/>
+            </a:ln>
+          </p:spPr>
+          <p:style>
+            <a:lnRef idx="2">
+              <a:schemeClr val="accent1">
+                <a:shade val="50000"/>
+              </a:schemeClr>
+            </a:lnRef>
+            <a:fillRef idx="1">
+              <a:schemeClr val="accent1"/>
+            </a:fillRef>
+            <a:effectRef idx="0">
+              <a:schemeClr val="accent1"/>
+            </a:effectRef>
+            <a:fontRef idx="minor">
+              <a:schemeClr val="lt1"/>
+            </a:fontRef>
+          </p:style>
+          <p:txBody>
+            <a:bodyPr rtlCol="0" anchor="ctr"/>
+            <a:lstStyle/>
+            <a:p>
+              <a:pPr algn="ctr"/>
+              <a:endParaRPr lang="nl-NL"/>
+            </a:p>
+          </p:txBody>
+        </p:sp>
+        <p:sp>
+          <p:nvSpPr>
+            <p:cNvPr id="34" name="Rectangle 33">
+              <a:extLst>
+                <a:ext uri="{FF2B5EF4-FFF2-40B4-BE49-F238E27FC236}">
+                  <a16:creationId xmlns:a16="http://schemas.microsoft.com/office/drawing/2014/main" id="{0723423A-C4E1-4382-A8D1-FE75C88BED33}"/>
+                </a:ext>
+              </a:extLst>
+            </p:cNvPr>
+            <p:cNvSpPr/>
+            <p:nvPr/>
+          </p:nvSpPr>
+          <p:spPr>
+            <a:xfrm>
+              <a:off x="4693503" y="2808281"/>
+              <a:ext cx="245807" cy="45719"/>
+            </a:xfrm>
+            <a:prstGeom prst="rect">
+              <a:avLst/>
+            </a:prstGeom>
+            <a:solidFill>
+              <a:srgbClr val="9F2A55">
+                <a:alpha val="70000"/>
+              </a:srgbClr>
+            </a:solidFill>
+            <a:ln>
+              <a:noFill/>
+            </a:ln>
+          </p:spPr>
+          <p:style>
+            <a:lnRef idx="2">
+              <a:schemeClr val="accent1">
+                <a:shade val="50000"/>
+              </a:schemeClr>
+            </a:lnRef>
+            <a:fillRef idx="1">
+              <a:schemeClr val="accent1"/>
+            </a:fillRef>
+            <a:effectRef idx="0">
+              <a:schemeClr val="accent1"/>
+            </a:effectRef>
+            <a:fontRef idx="minor">
+              <a:schemeClr val="lt1"/>
+            </a:fontRef>
+          </p:style>
+          <p:txBody>
+            <a:bodyPr rtlCol="0" anchor="ctr"/>
+            <a:lstStyle/>
+            <a:p>
+              <a:pPr algn="ctr"/>
+              <a:endParaRPr lang="nl-NL"/>
+            </a:p>
+          </p:txBody>
+        </p:sp>
+        <p:sp>
+          <p:nvSpPr>
+            <p:cNvPr id="35" name="Rectangle 34">
+              <a:extLst>
+                <a:ext uri="{FF2B5EF4-FFF2-40B4-BE49-F238E27FC236}">
+                  <a16:creationId xmlns:a16="http://schemas.microsoft.com/office/drawing/2014/main" id="{943E5C23-EDDF-438E-8948-9A28C365F435}"/>
+                </a:ext>
+              </a:extLst>
+            </p:cNvPr>
+            <p:cNvSpPr/>
+            <p:nvPr/>
+          </p:nvSpPr>
+          <p:spPr>
+            <a:xfrm>
+              <a:off x="4947831" y="2690968"/>
+              <a:ext cx="245807" cy="45719"/>
+            </a:xfrm>
+            <a:prstGeom prst="rect">
+              <a:avLst/>
+            </a:prstGeom>
+            <a:solidFill>
+              <a:srgbClr val="9F2A55">
+                <a:alpha val="50000"/>
+              </a:srgbClr>
+            </a:solidFill>
+            <a:ln>
+              <a:noFill/>
+            </a:ln>
+          </p:spPr>
+          <p:style>
+            <a:lnRef idx="2">
+              <a:schemeClr val="accent1">
+                <a:shade val="50000"/>
+              </a:schemeClr>
+            </a:lnRef>
+            <a:fillRef idx="1">
+              <a:schemeClr val="accent1"/>
+            </a:fillRef>
+            <a:effectRef idx="0">
+              <a:schemeClr val="accent1"/>
+            </a:effectRef>
+            <a:fontRef idx="minor">
+              <a:schemeClr val="lt1"/>
+            </a:fontRef>
+          </p:style>
+          <p:txBody>
+            <a:bodyPr rtlCol="0" anchor="ctr"/>
+            <a:lstStyle/>
+            <a:p>
+              <a:pPr algn="ctr"/>
+              <a:endParaRPr lang="nl-NL"/>
+            </a:p>
+          </p:txBody>
+        </p:sp>
+        <p:sp>
+          <p:nvSpPr>
+            <p:cNvPr id="36" name="Rectangle 35">
+              <a:extLst>
+                <a:ext uri="{FF2B5EF4-FFF2-40B4-BE49-F238E27FC236}">
+                  <a16:creationId xmlns:a16="http://schemas.microsoft.com/office/drawing/2014/main" id="{4FC1D395-7416-478C-B41F-A9B263BEE188}"/>
+                </a:ext>
+              </a:extLst>
+            </p:cNvPr>
+            <p:cNvSpPr/>
+            <p:nvPr/>
+          </p:nvSpPr>
+          <p:spPr>
+            <a:xfrm>
+              <a:off x="4947830" y="2750976"/>
+              <a:ext cx="245807" cy="45719"/>
+            </a:xfrm>
+            <a:prstGeom prst="rect">
+              <a:avLst/>
+            </a:prstGeom>
+            <a:solidFill>
+              <a:srgbClr val="9F2A55">
+                <a:alpha val="50000"/>
+              </a:srgbClr>
+            </a:solidFill>
+            <a:ln>
+              <a:noFill/>
+            </a:ln>
+          </p:spPr>
+          <p:style>
+            <a:lnRef idx="2">
+              <a:schemeClr val="accent1">
+                <a:shade val="50000"/>
+              </a:schemeClr>
+            </a:lnRef>
+            <a:fillRef idx="1">
+              <a:schemeClr val="accent1"/>
+            </a:fillRef>
+            <a:effectRef idx="0">
+              <a:schemeClr val="accent1"/>
+            </a:effectRef>
+            <a:fontRef idx="minor">
+              <a:schemeClr val="lt1"/>
+            </a:fontRef>
+          </p:style>
+          <p:txBody>
+            <a:bodyPr rtlCol="0" anchor="ctr"/>
+            <a:lstStyle/>
+            <a:p>
+              <a:pPr algn="ctr"/>
+              <a:endParaRPr lang="nl-NL"/>
+            </a:p>
+          </p:txBody>
+        </p:sp>
+        <p:sp>
+          <p:nvSpPr>
+            <p:cNvPr id="37" name="Rectangle 36">
+              <a:extLst>
+                <a:ext uri="{FF2B5EF4-FFF2-40B4-BE49-F238E27FC236}">
+                  <a16:creationId xmlns:a16="http://schemas.microsoft.com/office/drawing/2014/main" id="{3585DD11-90C1-44B4-A1DA-CA88F57E3871}"/>
+                </a:ext>
+              </a:extLst>
+            </p:cNvPr>
+            <p:cNvSpPr/>
+            <p:nvPr/>
+          </p:nvSpPr>
+          <p:spPr>
+            <a:xfrm>
+              <a:off x="4947829" y="2808281"/>
+              <a:ext cx="245807" cy="45719"/>
+            </a:xfrm>
+            <a:prstGeom prst="rect">
+              <a:avLst/>
+            </a:prstGeom>
+            <a:solidFill>
+              <a:srgbClr val="9F2A55">
+                <a:alpha val="50000"/>
+              </a:srgbClr>
+            </a:solidFill>
+            <a:ln>
+              <a:noFill/>
+            </a:ln>
+          </p:spPr>
+          <p:style>
+            <a:lnRef idx="2">
+              <a:schemeClr val="accent1">
+                <a:shade val="50000"/>
+              </a:schemeClr>
+            </a:lnRef>
+            <a:fillRef idx="1">
+              <a:schemeClr val="accent1"/>
+            </a:fillRef>
+            <a:effectRef idx="0">
+              <a:schemeClr val="accent1"/>
+            </a:effectRef>
+            <a:fontRef idx="minor">
+              <a:schemeClr val="lt1"/>
+            </a:fontRef>
+          </p:style>
+          <p:txBody>
+            <a:bodyPr rtlCol="0" anchor="ctr"/>
+            <a:lstStyle/>
+            <a:p>
+              <a:pPr algn="ctr"/>
+              <a:endParaRPr lang="nl-NL"/>
+            </a:p>
+          </p:txBody>
+        </p:sp>
+        <p:sp>
+          <p:nvSpPr>
+            <p:cNvPr id="38" name="Rectangle 37">
+              <a:extLst>
+                <a:ext uri="{FF2B5EF4-FFF2-40B4-BE49-F238E27FC236}">
+                  <a16:creationId xmlns:a16="http://schemas.microsoft.com/office/drawing/2014/main" id="{FC45EACD-7E1E-4A11-BF31-5E21689052EE}"/>
+                </a:ext>
+              </a:extLst>
+            </p:cNvPr>
+            <p:cNvSpPr/>
+            <p:nvPr/>
+          </p:nvSpPr>
+          <p:spPr>
+            <a:xfrm>
+              <a:off x="5202161" y="2690968"/>
+              <a:ext cx="245807" cy="45719"/>
+            </a:xfrm>
+            <a:prstGeom prst="rect">
+              <a:avLst/>
+            </a:prstGeom>
+            <a:solidFill>
+              <a:srgbClr val="9F2A55">
+                <a:alpha val="50000"/>
+              </a:srgbClr>
+            </a:solidFill>
+            <a:ln>
+              <a:noFill/>
+            </a:ln>
+          </p:spPr>
+          <p:style>
+            <a:lnRef idx="2">
+              <a:schemeClr val="accent1">
+                <a:shade val="50000"/>
+              </a:schemeClr>
+            </a:lnRef>
+            <a:fillRef idx="1">
+              <a:schemeClr val="accent1"/>
+            </a:fillRef>
+            <a:effectRef idx="0">
+              <a:schemeClr val="accent1"/>
+            </a:effectRef>
+            <a:fontRef idx="minor">
+              <a:schemeClr val="lt1"/>
+            </a:fontRef>
+          </p:style>
+          <p:txBody>
+            <a:bodyPr rtlCol="0" anchor="ctr"/>
+            <a:lstStyle/>
+            <a:p>
+              <a:pPr algn="ctr"/>
+              <a:endParaRPr lang="nl-NL"/>
+            </a:p>
+          </p:txBody>
+        </p:sp>
+        <p:sp>
+          <p:nvSpPr>
+            <p:cNvPr id="39" name="Rectangle 38">
+              <a:extLst>
+                <a:ext uri="{FF2B5EF4-FFF2-40B4-BE49-F238E27FC236}">
+                  <a16:creationId xmlns:a16="http://schemas.microsoft.com/office/drawing/2014/main" id="{52CB47BA-D6C9-48DF-A798-1E399BD9F4D2}"/>
+                </a:ext>
+              </a:extLst>
+            </p:cNvPr>
+            <p:cNvSpPr/>
+            <p:nvPr/>
+          </p:nvSpPr>
+          <p:spPr>
+            <a:xfrm>
+              <a:off x="5202160" y="2750976"/>
+              <a:ext cx="245807" cy="45719"/>
+            </a:xfrm>
+            <a:prstGeom prst="rect">
+              <a:avLst/>
+            </a:prstGeom>
+            <a:solidFill>
+              <a:srgbClr val="9F2A55">
+                <a:alpha val="20000"/>
+              </a:srgbClr>
+            </a:solidFill>
+            <a:ln>
+              <a:noFill/>
+            </a:ln>
+          </p:spPr>
+          <p:style>
+            <a:lnRef idx="2">
+              <a:schemeClr val="accent1">
+                <a:shade val="50000"/>
+              </a:schemeClr>
+            </a:lnRef>
+            <a:fillRef idx="1">
+              <a:schemeClr val="accent1"/>
+            </a:fillRef>
+            <a:effectRef idx="0">
+              <a:schemeClr val="accent1"/>
+            </a:effectRef>
+            <a:fontRef idx="minor">
+              <a:schemeClr val="lt1"/>
+            </a:fontRef>
+          </p:style>
+          <p:txBody>
+            <a:bodyPr rtlCol="0" anchor="ctr"/>
+            <a:lstStyle/>
+            <a:p>
+              <a:pPr algn="ctr"/>
+              <a:endParaRPr lang="nl-NL"/>
+            </a:p>
+          </p:txBody>
+        </p:sp>
+        <p:sp>
+          <p:nvSpPr>
+            <p:cNvPr id="40" name="Rectangle 39">
+              <a:extLst>
+                <a:ext uri="{FF2B5EF4-FFF2-40B4-BE49-F238E27FC236}">
+                  <a16:creationId xmlns:a16="http://schemas.microsoft.com/office/drawing/2014/main" id="{087925CC-2FAF-4B86-A0DE-A74EB498A612}"/>
+                </a:ext>
+              </a:extLst>
+            </p:cNvPr>
+            <p:cNvSpPr/>
+            <p:nvPr/>
+          </p:nvSpPr>
+          <p:spPr>
+            <a:xfrm>
+              <a:off x="5202159" y="2808281"/>
+              <a:ext cx="245807" cy="45719"/>
+            </a:xfrm>
+            <a:prstGeom prst="rect">
+              <a:avLst/>
+            </a:prstGeom>
+            <a:solidFill>
+              <a:srgbClr val="9F2A55">
+                <a:alpha val="50000"/>
+              </a:srgbClr>
+            </a:solidFill>
+            <a:ln>
+              <a:noFill/>
+            </a:ln>
+          </p:spPr>
+          <p:style>
+            <a:lnRef idx="2">
+              <a:schemeClr val="accent1">
+                <a:shade val="50000"/>
+              </a:schemeClr>
+            </a:lnRef>
+            <a:fillRef idx="1">
+              <a:schemeClr val="accent1"/>
+            </a:fillRef>
+            <a:effectRef idx="0">
+              <a:schemeClr val="accent1"/>
+            </a:effectRef>
+            <a:fontRef idx="minor">
+              <a:schemeClr val="lt1"/>
+            </a:fontRef>
+          </p:style>
+          <p:txBody>
+            <a:bodyPr rtlCol="0" anchor="ctr"/>
+            <a:lstStyle/>
+            <a:p>
+              <a:pPr algn="ctr"/>
+              <a:endParaRPr lang="nl-NL"/>
+            </a:p>
+          </p:txBody>
+        </p:sp>
+        <p:sp>
+          <p:nvSpPr>
+            <p:cNvPr id="41" name="Rectangle 40">
+              <a:extLst>
+                <a:ext uri="{FF2B5EF4-FFF2-40B4-BE49-F238E27FC236}">
+                  <a16:creationId xmlns:a16="http://schemas.microsoft.com/office/drawing/2014/main" id="{60D915CF-B124-4AA1-A4A3-C61A9FB04FDE}"/>
+                </a:ext>
+              </a:extLst>
+            </p:cNvPr>
+            <p:cNvSpPr/>
+            <p:nvPr/>
+          </p:nvSpPr>
+          <p:spPr>
+            <a:xfrm>
+              <a:off x="5456487" y="2690968"/>
+              <a:ext cx="245807" cy="45719"/>
+            </a:xfrm>
+            <a:prstGeom prst="rect">
+              <a:avLst/>
+            </a:prstGeom>
+            <a:solidFill>
+              <a:srgbClr val="9F2A55">
+                <a:alpha val="50000"/>
+              </a:srgbClr>
+            </a:solidFill>
+            <a:ln>
+              <a:noFill/>
+            </a:ln>
+          </p:spPr>
+          <p:style>
+            <a:lnRef idx="2">
+              <a:schemeClr val="accent1">
+                <a:shade val="50000"/>
+              </a:schemeClr>
+            </a:lnRef>
+            <a:fillRef idx="1">
+              <a:schemeClr val="accent1"/>
+            </a:fillRef>
+            <a:effectRef idx="0">
+              <a:schemeClr val="accent1"/>
+            </a:effectRef>
+            <a:fontRef idx="minor">
+              <a:schemeClr val="lt1"/>
+            </a:fontRef>
+          </p:style>
+          <p:txBody>
+            <a:bodyPr rtlCol="0" anchor="ctr"/>
+            <a:lstStyle/>
+            <a:p>
+              <a:pPr algn="ctr"/>
+              <a:endParaRPr lang="nl-NL"/>
+            </a:p>
+          </p:txBody>
+        </p:sp>
+        <p:sp>
+          <p:nvSpPr>
+            <p:cNvPr id="42" name="Rectangle 41">
+              <a:extLst>
+                <a:ext uri="{FF2B5EF4-FFF2-40B4-BE49-F238E27FC236}">
+                  <a16:creationId xmlns:a16="http://schemas.microsoft.com/office/drawing/2014/main" id="{CE15B1E9-667D-49B9-8973-63E6654EFCD7}"/>
+                </a:ext>
+              </a:extLst>
+            </p:cNvPr>
+            <p:cNvSpPr/>
+            <p:nvPr/>
+          </p:nvSpPr>
+          <p:spPr>
+            <a:xfrm>
+              <a:off x="5456486" y="2750976"/>
+              <a:ext cx="245807" cy="45719"/>
+            </a:xfrm>
+            <a:prstGeom prst="rect">
+              <a:avLst/>
+            </a:prstGeom>
+            <a:solidFill>
+              <a:srgbClr val="9F2A55">
+                <a:alpha val="50000"/>
+              </a:srgbClr>
+            </a:solidFill>
+            <a:ln>
+              <a:noFill/>
+            </a:ln>
+          </p:spPr>
+          <p:style>
+            <a:lnRef idx="2">
+              <a:schemeClr val="accent1">
+                <a:shade val="50000"/>
+              </a:schemeClr>
+            </a:lnRef>
+            <a:fillRef idx="1">
+              <a:schemeClr val="accent1"/>
+            </a:fillRef>
+            <a:effectRef idx="0">
+              <a:schemeClr val="accent1"/>
+            </a:effectRef>
+            <a:fontRef idx="minor">
+              <a:schemeClr val="lt1"/>
+            </a:fontRef>
+          </p:style>
+          <p:txBody>
+            <a:bodyPr rtlCol="0" anchor="ctr"/>
+            <a:lstStyle/>
+            <a:p>
+              <a:pPr algn="ctr"/>
+              <a:endParaRPr lang="nl-NL"/>
+            </a:p>
+          </p:txBody>
+        </p:sp>
+        <p:sp>
+          <p:nvSpPr>
+            <p:cNvPr id="43" name="Rectangle 42">
+              <a:extLst>
+                <a:ext uri="{FF2B5EF4-FFF2-40B4-BE49-F238E27FC236}">
+                  <a16:creationId xmlns:a16="http://schemas.microsoft.com/office/drawing/2014/main" id="{372C51E5-42E3-4B40-B2D2-1A789AB456D8}"/>
+                </a:ext>
+              </a:extLst>
+            </p:cNvPr>
+            <p:cNvSpPr/>
+            <p:nvPr/>
+          </p:nvSpPr>
+          <p:spPr>
+            <a:xfrm>
+              <a:off x="5456485" y="2808281"/>
+              <a:ext cx="245807" cy="45719"/>
+            </a:xfrm>
+            <a:prstGeom prst="rect">
+              <a:avLst/>
+            </a:prstGeom>
+            <a:solidFill>
+              <a:srgbClr val="9F2A55">
+                <a:alpha val="50000"/>
+              </a:srgbClr>
+            </a:solidFill>
+            <a:ln>
+              <a:noFill/>
+            </a:ln>
+          </p:spPr>
+          <p:style>
+            <a:lnRef idx="2">
+              <a:schemeClr val="accent1">
+                <a:shade val="50000"/>
+              </a:schemeClr>
+            </a:lnRef>
+            <a:fillRef idx="1">
+              <a:schemeClr val="accent1"/>
+            </a:fillRef>
+            <a:effectRef idx="0">
+              <a:schemeClr val="accent1"/>
+            </a:effectRef>
+            <a:fontRef idx="minor">
+              <a:schemeClr val="lt1"/>
+            </a:fontRef>
+          </p:style>
+          <p:txBody>
+            <a:bodyPr rtlCol="0" anchor="ctr"/>
+            <a:lstStyle/>
+            <a:p>
+              <a:pPr algn="ctr"/>
+              <a:endParaRPr lang="nl-NL"/>
+            </a:p>
+          </p:txBody>
+        </p:sp>
+        <p:sp>
+          <p:nvSpPr>
+            <p:cNvPr id="44" name="Rectangle 43">
+              <a:extLst>
+                <a:ext uri="{FF2B5EF4-FFF2-40B4-BE49-F238E27FC236}">
+                  <a16:creationId xmlns:a16="http://schemas.microsoft.com/office/drawing/2014/main" id="{D29D21B3-1DFE-49B9-9CE9-13A303BB8A0C}"/>
+                </a:ext>
+              </a:extLst>
+            </p:cNvPr>
+            <p:cNvSpPr/>
+            <p:nvPr/>
+          </p:nvSpPr>
+          <p:spPr>
+            <a:xfrm>
+              <a:off x="5710817" y="2690968"/>
+              <a:ext cx="245807" cy="45719"/>
+            </a:xfrm>
+            <a:prstGeom prst="rect">
+              <a:avLst/>
+            </a:prstGeom>
+            <a:solidFill>
+              <a:srgbClr val="9F2A55">
+                <a:alpha val="20000"/>
+              </a:srgbClr>
+            </a:solidFill>
+            <a:ln>
+              <a:noFill/>
+            </a:ln>
+          </p:spPr>
+          <p:style>
+            <a:lnRef idx="2">
+              <a:schemeClr val="accent1">
+                <a:shade val="50000"/>
+              </a:schemeClr>
+            </a:lnRef>
+            <a:fillRef idx="1">
+              <a:schemeClr val="accent1"/>
+            </a:fillRef>
+            <a:effectRef idx="0">
+              <a:schemeClr val="accent1"/>
+            </a:effectRef>
+            <a:fontRef idx="minor">
+              <a:schemeClr val="lt1"/>
+            </a:fontRef>
+          </p:style>
+          <p:txBody>
+            <a:bodyPr rtlCol="0" anchor="ctr"/>
+            <a:lstStyle/>
+            <a:p>
+              <a:pPr algn="ctr"/>
+              <a:endParaRPr lang="nl-NL"/>
+            </a:p>
+          </p:txBody>
+        </p:sp>
+        <p:sp>
+          <p:nvSpPr>
+            <p:cNvPr id="45" name="Rectangle 44">
+              <a:extLst>
+                <a:ext uri="{FF2B5EF4-FFF2-40B4-BE49-F238E27FC236}">
+                  <a16:creationId xmlns:a16="http://schemas.microsoft.com/office/drawing/2014/main" id="{CD16B890-8824-4F67-8C46-E60D554FD3FF}"/>
+                </a:ext>
+              </a:extLst>
+            </p:cNvPr>
+            <p:cNvSpPr/>
+            <p:nvPr/>
+          </p:nvSpPr>
+          <p:spPr>
+            <a:xfrm>
+              <a:off x="5710816" y="2750976"/>
+              <a:ext cx="245807" cy="45719"/>
+            </a:xfrm>
+            <a:prstGeom prst="rect">
+              <a:avLst/>
+            </a:prstGeom>
+            <a:solidFill>
+              <a:srgbClr val="9F2A55">
+                <a:alpha val="50000"/>
+              </a:srgbClr>
+            </a:solidFill>
+            <a:ln>
+              <a:noFill/>
+            </a:ln>
+          </p:spPr>
+          <p:style>
+            <a:lnRef idx="2">
+              <a:schemeClr val="accent1">
+                <a:shade val="50000"/>
+              </a:schemeClr>
+            </a:lnRef>
+            <a:fillRef idx="1">
+              <a:schemeClr val="accent1"/>
+            </a:fillRef>
+            <a:effectRef idx="0">
+              <a:schemeClr val="accent1"/>
+            </a:effectRef>
+            <a:fontRef idx="minor">
+              <a:schemeClr val="lt1"/>
+            </a:fontRef>
+          </p:style>
+          <p:txBody>
+            <a:bodyPr rtlCol="0" anchor="ctr"/>
+            <a:lstStyle/>
+            <a:p>
+              <a:pPr algn="ctr"/>
+              <a:endParaRPr lang="nl-NL"/>
+            </a:p>
+          </p:txBody>
+        </p:sp>
+        <p:sp>
+          <p:nvSpPr>
+            <p:cNvPr id="46" name="Rectangle 45">
+              <a:extLst>
+                <a:ext uri="{FF2B5EF4-FFF2-40B4-BE49-F238E27FC236}">
+                  <a16:creationId xmlns:a16="http://schemas.microsoft.com/office/drawing/2014/main" id="{9D93A6EF-0517-487B-97DE-B555323A94E7}"/>
+                </a:ext>
+              </a:extLst>
+            </p:cNvPr>
+            <p:cNvSpPr/>
+            <p:nvPr/>
+          </p:nvSpPr>
+          <p:spPr>
+            <a:xfrm>
+              <a:off x="5710815" y="2808281"/>
+              <a:ext cx="245807" cy="45719"/>
+            </a:xfrm>
+            <a:prstGeom prst="rect">
+              <a:avLst/>
+            </a:prstGeom>
+            <a:solidFill>
+              <a:srgbClr val="9F2A55">
+                <a:alpha val="70000"/>
+              </a:srgbClr>
+            </a:solidFill>
+            <a:ln>
+              <a:noFill/>
+            </a:ln>
+          </p:spPr>
+          <p:style>
+            <a:lnRef idx="2">
+              <a:schemeClr val="accent1">
+                <a:shade val="50000"/>
+              </a:schemeClr>
+            </a:lnRef>
+            <a:fillRef idx="1">
+              <a:schemeClr val="accent1"/>
+            </a:fillRef>
+            <a:effectRef idx="0">
+              <a:schemeClr val="accent1"/>
+            </a:effectRef>
+            <a:fontRef idx="minor">
+              <a:schemeClr val="lt1"/>
+            </a:fontRef>
+          </p:style>
+          <p:txBody>
+            <a:bodyPr rtlCol="0" anchor="ctr"/>
+            <a:lstStyle/>
+            <a:p>
+              <a:pPr algn="ctr"/>
+              <a:endParaRPr lang="nl-NL"/>
+            </a:p>
+          </p:txBody>
+        </p:sp>
+        <p:sp>
+          <p:nvSpPr>
+            <p:cNvPr id="47" name="Rectangle 46">
+              <a:extLst>
+                <a:ext uri="{FF2B5EF4-FFF2-40B4-BE49-F238E27FC236}">
+                  <a16:creationId xmlns:a16="http://schemas.microsoft.com/office/drawing/2014/main" id="{74C5BD14-61B7-4D15-AEB8-55F09DAAF813}"/>
+                </a:ext>
+              </a:extLst>
+            </p:cNvPr>
+            <p:cNvSpPr/>
+            <p:nvPr/>
+          </p:nvSpPr>
+          <p:spPr>
+            <a:xfrm>
+              <a:off x="5965143" y="2690968"/>
+              <a:ext cx="245807" cy="45719"/>
+            </a:xfrm>
+            <a:prstGeom prst="rect">
+              <a:avLst/>
+            </a:prstGeom>
+            <a:solidFill>
+              <a:srgbClr val="9F2A55">
+                <a:alpha val="50000"/>
+              </a:srgbClr>
+            </a:solidFill>
+            <a:ln>
+              <a:noFill/>
+            </a:ln>
+          </p:spPr>
+          <p:style>
+            <a:lnRef idx="2">
+              <a:schemeClr val="accent1">
+                <a:shade val="50000"/>
+              </a:schemeClr>
+            </a:lnRef>
+            <a:fillRef idx="1">
+              <a:schemeClr val="accent1"/>
+            </a:fillRef>
+            <a:effectRef idx="0">
+              <a:schemeClr val="accent1"/>
+            </a:effectRef>
+            <a:fontRef idx="minor">
+              <a:schemeClr val="lt1"/>
+            </a:fontRef>
+          </p:style>
+          <p:txBody>
+            <a:bodyPr rtlCol="0" anchor="ctr"/>
+            <a:lstStyle/>
+            <a:p>
+              <a:pPr algn="ctr"/>
+              <a:endParaRPr lang="nl-NL"/>
+            </a:p>
+          </p:txBody>
+        </p:sp>
+        <p:sp>
+          <p:nvSpPr>
+            <p:cNvPr id="48" name="Rectangle 47">
+              <a:extLst>
+                <a:ext uri="{FF2B5EF4-FFF2-40B4-BE49-F238E27FC236}">
+                  <a16:creationId xmlns:a16="http://schemas.microsoft.com/office/drawing/2014/main" id="{A2927761-7594-4EC6-B5B1-9DCE98D13A07}"/>
+                </a:ext>
+              </a:extLst>
+            </p:cNvPr>
+            <p:cNvSpPr/>
+            <p:nvPr/>
+          </p:nvSpPr>
+          <p:spPr>
+            <a:xfrm>
+              <a:off x="5965142" y="2750976"/>
+              <a:ext cx="245807" cy="45719"/>
+            </a:xfrm>
+            <a:prstGeom prst="rect">
+              <a:avLst/>
+            </a:prstGeom>
+            <a:solidFill>
+              <a:srgbClr val="9F2A55">
+                <a:alpha val="20000"/>
+              </a:srgbClr>
+            </a:solidFill>
+            <a:ln>
+              <a:noFill/>
+            </a:ln>
+          </p:spPr>
+          <p:style>
+            <a:lnRef idx="2">
+              <a:schemeClr val="accent1">
+                <a:shade val="50000"/>
+              </a:schemeClr>
+            </a:lnRef>
+            <a:fillRef idx="1">
+              <a:schemeClr val="accent1"/>
+            </a:fillRef>
+            <a:effectRef idx="0">
+              <a:schemeClr val="accent1"/>
+            </a:effectRef>
+            <a:fontRef idx="minor">
+              <a:schemeClr val="lt1"/>
+            </a:fontRef>
+          </p:style>
+          <p:txBody>
+            <a:bodyPr rtlCol="0" anchor="ctr"/>
+            <a:lstStyle/>
+            <a:p>
+              <a:pPr algn="ctr"/>
+              <a:endParaRPr lang="nl-NL"/>
+            </a:p>
+          </p:txBody>
+        </p:sp>
+        <p:sp>
+          <p:nvSpPr>
+            <p:cNvPr id="49" name="Rectangle 48">
+              <a:extLst>
+                <a:ext uri="{FF2B5EF4-FFF2-40B4-BE49-F238E27FC236}">
+                  <a16:creationId xmlns:a16="http://schemas.microsoft.com/office/drawing/2014/main" id="{C19D5207-18C0-481E-8A83-0C544479AAC7}"/>
+                </a:ext>
+              </a:extLst>
+            </p:cNvPr>
+            <p:cNvSpPr/>
+            <p:nvPr/>
+          </p:nvSpPr>
+          <p:spPr>
+            <a:xfrm>
+              <a:off x="5965141" y="2808281"/>
+              <a:ext cx="245807" cy="45719"/>
+            </a:xfrm>
+            <a:prstGeom prst="rect">
+              <a:avLst/>
+            </a:prstGeom>
+            <a:solidFill>
+              <a:srgbClr val="9F2A55">
+                <a:alpha val="50000"/>
+              </a:srgbClr>
+            </a:solidFill>
+            <a:ln>
+              <a:noFill/>
+            </a:ln>
+          </p:spPr>
+          <p:style>
+            <a:lnRef idx="2">
+              <a:schemeClr val="accent1">
+                <a:shade val="50000"/>
+              </a:schemeClr>
+            </a:lnRef>
+            <a:fillRef idx="1">
+              <a:schemeClr val="accent1"/>
+            </a:fillRef>
+            <a:effectRef idx="0">
+              <a:schemeClr val="accent1"/>
+            </a:effectRef>
+            <a:fontRef idx="minor">
+              <a:schemeClr val="lt1"/>
+            </a:fontRef>
+          </p:style>
+          <p:txBody>
+            <a:bodyPr rtlCol="0" anchor="ctr"/>
+            <a:lstStyle/>
+            <a:p>
+              <a:pPr algn="ctr"/>
+              <a:endParaRPr lang="nl-NL"/>
+            </a:p>
+          </p:txBody>
+        </p:sp>
+        <p:sp>
+          <p:nvSpPr>
+            <p:cNvPr id="50" name="Rectangle 49">
+              <a:extLst>
+                <a:ext uri="{FF2B5EF4-FFF2-40B4-BE49-F238E27FC236}">
+                  <a16:creationId xmlns:a16="http://schemas.microsoft.com/office/drawing/2014/main" id="{4D12F19D-37C1-4600-8129-1E7586F69411}"/>
+                </a:ext>
+              </a:extLst>
+            </p:cNvPr>
+            <p:cNvSpPr/>
+            <p:nvPr/>
+          </p:nvSpPr>
+          <p:spPr>
+            <a:xfrm>
+              <a:off x="6219473" y="2690968"/>
+              <a:ext cx="245807" cy="45719"/>
+            </a:xfrm>
+            <a:prstGeom prst="rect">
+              <a:avLst/>
+            </a:prstGeom>
+            <a:solidFill>
+              <a:srgbClr val="9F2A55">
+                <a:alpha val="50000"/>
+              </a:srgbClr>
+            </a:solidFill>
+            <a:ln>
+              <a:noFill/>
+            </a:ln>
+          </p:spPr>
+          <p:style>
+            <a:lnRef idx="2">
+              <a:schemeClr val="accent1">
+                <a:shade val="50000"/>
+              </a:schemeClr>
+            </a:lnRef>
+            <a:fillRef idx="1">
+              <a:schemeClr val="accent1"/>
+            </a:fillRef>
+            <a:effectRef idx="0">
+              <a:schemeClr val="accent1"/>
+            </a:effectRef>
+            <a:fontRef idx="minor">
+              <a:schemeClr val="lt1"/>
+            </a:fontRef>
+          </p:style>
+          <p:txBody>
+            <a:bodyPr rtlCol="0" anchor="ctr"/>
+            <a:lstStyle/>
+            <a:p>
+              <a:pPr algn="ctr"/>
+              <a:endParaRPr lang="nl-NL"/>
+            </a:p>
+          </p:txBody>
+        </p:sp>
+        <p:sp>
+          <p:nvSpPr>
+            <p:cNvPr id="51" name="Rectangle 50">
+              <a:extLst>
+                <a:ext uri="{FF2B5EF4-FFF2-40B4-BE49-F238E27FC236}">
+                  <a16:creationId xmlns:a16="http://schemas.microsoft.com/office/drawing/2014/main" id="{CFC5CF81-5F80-4514-A04C-97FA889EF430}"/>
+                </a:ext>
+              </a:extLst>
+            </p:cNvPr>
+            <p:cNvSpPr/>
+            <p:nvPr/>
+          </p:nvSpPr>
+          <p:spPr>
+            <a:xfrm>
+              <a:off x="6219472" y="2750976"/>
+              <a:ext cx="245807" cy="45719"/>
+            </a:xfrm>
+            <a:prstGeom prst="rect">
+              <a:avLst/>
+            </a:prstGeom>
+            <a:solidFill>
+              <a:srgbClr val="9F2A55">
+                <a:alpha val="50000"/>
+              </a:srgbClr>
+            </a:solidFill>
+            <a:ln>
+              <a:noFill/>
+            </a:ln>
+          </p:spPr>
+          <p:style>
+            <a:lnRef idx="2">
+              <a:schemeClr val="accent1">
+                <a:shade val="50000"/>
+              </a:schemeClr>
+            </a:lnRef>
+            <a:fillRef idx="1">
+              <a:schemeClr val="accent1"/>
+            </a:fillRef>
+            <a:effectRef idx="0">
+              <a:schemeClr val="accent1"/>
+            </a:effectRef>
+            <a:fontRef idx="minor">
+              <a:schemeClr val="lt1"/>
+            </a:fontRef>
+          </p:style>
+          <p:txBody>
+            <a:bodyPr rtlCol="0" anchor="ctr"/>
+            <a:lstStyle/>
+            <a:p>
+              <a:pPr algn="ctr"/>
+              <a:endParaRPr lang="nl-NL"/>
+            </a:p>
+          </p:txBody>
+        </p:sp>
+        <p:sp>
+          <p:nvSpPr>
+            <p:cNvPr id="52" name="Rectangle 51">
+              <a:extLst>
+                <a:ext uri="{FF2B5EF4-FFF2-40B4-BE49-F238E27FC236}">
+                  <a16:creationId xmlns:a16="http://schemas.microsoft.com/office/drawing/2014/main" id="{37DB3D14-EFE4-45DD-A253-1CD1C59E36DF}"/>
+                </a:ext>
+              </a:extLst>
+            </p:cNvPr>
+            <p:cNvSpPr/>
+            <p:nvPr/>
+          </p:nvSpPr>
+          <p:spPr>
+            <a:xfrm>
+              <a:off x="6219471" y="2808281"/>
+              <a:ext cx="245807" cy="45719"/>
+            </a:xfrm>
+            <a:prstGeom prst="rect">
+              <a:avLst/>
+            </a:prstGeom>
+            <a:solidFill>
+              <a:srgbClr val="9F2A55">
+                <a:alpha val="50000"/>
+              </a:srgbClr>
+            </a:solidFill>
+            <a:ln>
+              <a:noFill/>
+            </a:ln>
+          </p:spPr>
+          <p:style>
+            <a:lnRef idx="2">
+              <a:schemeClr val="accent1">
+                <a:shade val="50000"/>
+              </a:schemeClr>
+            </a:lnRef>
+            <a:fillRef idx="1">
+              <a:schemeClr val="accent1"/>
+            </a:fillRef>
+            <a:effectRef idx="0">
+              <a:schemeClr val="accent1"/>
+            </a:effectRef>
+            <a:fontRef idx="minor">
+              <a:schemeClr val="lt1"/>
+            </a:fontRef>
+          </p:style>
+          <p:txBody>
+            <a:bodyPr rtlCol="0" anchor="ctr"/>
+            <a:lstStyle/>
+            <a:p>
+              <a:pPr algn="ctr"/>
+              <a:endParaRPr lang="nl-NL"/>
+            </a:p>
+          </p:txBody>
+        </p:sp>
+        <p:sp>
+          <p:nvSpPr>
+            <p:cNvPr id="53" name="Rectangle 52">
+              <a:extLst>
+                <a:ext uri="{FF2B5EF4-FFF2-40B4-BE49-F238E27FC236}">
+                  <a16:creationId xmlns:a16="http://schemas.microsoft.com/office/drawing/2014/main" id="{80FF7F86-A19A-46A4-97AE-F56A7F4854F6}"/>
+                </a:ext>
+              </a:extLst>
+            </p:cNvPr>
+            <p:cNvSpPr/>
+            <p:nvPr/>
+          </p:nvSpPr>
+          <p:spPr>
+            <a:xfrm>
+              <a:off x="6473799" y="2690968"/>
+              <a:ext cx="245807" cy="45719"/>
+            </a:xfrm>
+            <a:prstGeom prst="rect">
+              <a:avLst/>
+            </a:prstGeom>
+            <a:solidFill>
+              <a:srgbClr val="9F2A55">
+                <a:alpha val="70000"/>
+              </a:srgbClr>
+            </a:solidFill>
+            <a:ln>
+              <a:noFill/>
+            </a:ln>
+          </p:spPr>
+          <p:style>
+            <a:lnRef idx="2">
+              <a:schemeClr val="accent1">
+                <a:shade val="50000"/>
+              </a:schemeClr>
+            </a:lnRef>
+            <a:fillRef idx="1">
+              <a:schemeClr val="accent1"/>
+            </a:fillRef>
+            <a:effectRef idx="0">
+              <a:schemeClr val="accent1"/>
+            </a:effectRef>
+            <a:fontRef idx="minor">
+              <a:schemeClr val="lt1"/>
+            </a:fontRef>
+          </p:style>
+          <p:txBody>
+            <a:bodyPr rtlCol="0" anchor="ctr"/>
+            <a:lstStyle/>
+            <a:p>
+              <a:pPr algn="ctr"/>
+              <a:endParaRPr lang="nl-NL"/>
+            </a:p>
+          </p:txBody>
+        </p:sp>
+        <p:sp>
+          <p:nvSpPr>
+            <p:cNvPr id="54" name="Rectangle 53">
+              <a:extLst>
+                <a:ext uri="{FF2B5EF4-FFF2-40B4-BE49-F238E27FC236}">
+                  <a16:creationId xmlns:a16="http://schemas.microsoft.com/office/drawing/2014/main" id="{D4D84F75-7311-4021-80A3-981142FFB4E6}"/>
+                </a:ext>
+              </a:extLst>
+            </p:cNvPr>
+            <p:cNvSpPr/>
+            <p:nvPr/>
+          </p:nvSpPr>
+          <p:spPr>
+            <a:xfrm>
+              <a:off x="6473798" y="2750976"/>
+              <a:ext cx="245807" cy="45719"/>
+            </a:xfrm>
+            <a:prstGeom prst="rect">
+              <a:avLst/>
+            </a:prstGeom>
+            <a:solidFill>
+              <a:srgbClr val="9F2A55">
+                <a:alpha val="50000"/>
+              </a:srgbClr>
+            </a:solidFill>
+            <a:ln>
+              <a:noFill/>
+            </a:ln>
+          </p:spPr>
+          <p:style>
+            <a:lnRef idx="2">
+              <a:schemeClr val="accent1">
+                <a:shade val="50000"/>
+              </a:schemeClr>
+            </a:lnRef>
+            <a:fillRef idx="1">
+              <a:schemeClr val="accent1"/>
+            </a:fillRef>
+            <a:effectRef idx="0">
+              <a:schemeClr val="accent1"/>
+            </a:effectRef>
+            <a:fontRef idx="minor">
+              <a:schemeClr val="lt1"/>
+            </a:fontRef>
+          </p:style>
+          <p:txBody>
+            <a:bodyPr rtlCol="0" anchor="ctr"/>
+            <a:lstStyle/>
+            <a:p>
+              <a:pPr algn="ctr"/>
+              <a:endParaRPr lang="nl-NL"/>
+            </a:p>
+          </p:txBody>
+        </p:sp>
+        <p:sp>
+          <p:nvSpPr>
+            <p:cNvPr id="55" name="Rectangle 54">
+              <a:extLst>
+                <a:ext uri="{FF2B5EF4-FFF2-40B4-BE49-F238E27FC236}">
+                  <a16:creationId xmlns:a16="http://schemas.microsoft.com/office/drawing/2014/main" id="{489845FA-1F34-42AB-98F2-3EFADE98D250}"/>
+                </a:ext>
+              </a:extLst>
+            </p:cNvPr>
+            <p:cNvSpPr/>
+            <p:nvPr/>
+          </p:nvSpPr>
+          <p:spPr>
+            <a:xfrm>
+              <a:off x="6473797" y="2808281"/>
+              <a:ext cx="245807" cy="45719"/>
+            </a:xfrm>
+            <a:prstGeom prst="rect">
+              <a:avLst/>
+            </a:prstGeom>
+            <a:solidFill>
+              <a:srgbClr val="9F2A55">
+                <a:alpha val="50000"/>
+              </a:srgbClr>
+            </a:solidFill>
+            <a:ln>
+              <a:noFill/>
+            </a:ln>
+          </p:spPr>
+          <p:style>
+            <a:lnRef idx="2">
+              <a:schemeClr val="accent1">
+                <a:shade val="50000"/>
+              </a:schemeClr>
+            </a:lnRef>
+            <a:fillRef idx="1">
+              <a:schemeClr val="accent1"/>
+            </a:fillRef>
+            <a:effectRef idx="0">
+              <a:schemeClr val="accent1"/>
+            </a:effectRef>
+            <a:fontRef idx="minor">
+              <a:schemeClr val="lt1"/>
+            </a:fontRef>
+          </p:style>
+          <p:txBody>
+            <a:bodyPr rtlCol="0" anchor="ctr"/>
+            <a:lstStyle/>
+            <a:p>
+              <a:pPr algn="ctr"/>
+              <a:endParaRPr lang="nl-NL"/>
+            </a:p>
+          </p:txBody>
+        </p:sp>
+        <p:sp>
+          <p:nvSpPr>
+            <p:cNvPr id="56" name="Rectangle 55">
+              <a:extLst>
+                <a:ext uri="{FF2B5EF4-FFF2-40B4-BE49-F238E27FC236}">
+                  <a16:creationId xmlns:a16="http://schemas.microsoft.com/office/drawing/2014/main" id="{00B51262-7307-4B1A-9CFC-AE502E7A5DC3}"/>
+                </a:ext>
+              </a:extLst>
+            </p:cNvPr>
+            <p:cNvSpPr/>
+            <p:nvPr/>
+          </p:nvSpPr>
+          <p:spPr>
+            <a:xfrm>
+              <a:off x="6728129" y="2690968"/>
+              <a:ext cx="245807" cy="45719"/>
+            </a:xfrm>
+            <a:prstGeom prst="rect">
+              <a:avLst/>
+            </a:prstGeom>
+            <a:solidFill>
+              <a:srgbClr val="9F2A55">
+                <a:alpha val="50000"/>
+              </a:srgbClr>
+            </a:solidFill>
+            <a:ln>
+              <a:noFill/>
+            </a:ln>
+          </p:spPr>
+          <p:style>
+            <a:lnRef idx="2">
+              <a:schemeClr val="accent1">
+                <a:shade val="50000"/>
+              </a:schemeClr>
+            </a:lnRef>
+            <a:fillRef idx="1">
+              <a:schemeClr val="accent1"/>
+            </a:fillRef>
+            <a:effectRef idx="0">
+              <a:schemeClr val="accent1"/>
+            </a:effectRef>
+            <a:fontRef idx="minor">
+              <a:schemeClr val="lt1"/>
+            </a:fontRef>
+          </p:style>
+          <p:txBody>
+            <a:bodyPr rtlCol="0" anchor="ctr"/>
+            <a:lstStyle/>
+            <a:p>
+              <a:pPr algn="ctr"/>
+              <a:endParaRPr lang="nl-NL"/>
+            </a:p>
+          </p:txBody>
+        </p:sp>
+        <p:sp>
+          <p:nvSpPr>
+            <p:cNvPr id="57" name="Rectangle 56">
+              <a:extLst>
+                <a:ext uri="{FF2B5EF4-FFF2-40B4-BE49-F238E27FC236}">
+                  <a16:creationId xmlns:a16="http://schemas.microsoft.com/office/drawing/2014/main" id="{03D739F4-2D62-49EC-8DDF-EE0E8CAD0525}"/>
+                </a:ext>
+              </a:extLst>
+            </p:cNvPr>
+            <p:cNvSpPr/>
+            <p:nvPr/>
+          </p:nvSpPr>
+          <p:spPr>
+            <a:xfrm>
+              <a:off x="6728128" y="2750976"/>
+              <a:ext cx="245807" cy="45719"/>
+            </a:xfrm>
+            <a:prstGeom prst="rect">
+              <a:avLst/>
+            </a:prstGeom>
+            <a:solidFill>
+              <a:srgbClr val="9F2A55">
+                <a:alpha val="50000"/>
+              </a:srgbClr>
+            </a:solidFill>
+            <a:ln>
+              <a:noFill/>
+            </a:ln>
+          </p:spPr>
+          <p:style>
+            <a:lnRef idx="2">
+              <a:schemeClr val="accent1">
+                <a:shade val="50000"/>
+              </a:schemeClr>
+            </a:lnRef>
+            <a:fillRef idx="1">
+              <a:schemeClr val="accent1"/>
+            </a:fillRef>
+            <a:effectRef idx="0">
+              <a:schemeClr val="accent1"/>
+            </a:effectRef>
+            <a:fontRef idx="minor">
+              <a:schemeClr val="lt1"/>
+            </a:fontRef>
+          </p:style>
+          <p:txBody>
+            <a:bodyPr rtlCol="0" anchor="ctr"/>
+            <a:lstStyle/>
+            <a:p>
+              <a:pPr algn="ctr"/>
+              <a:endParaRPr lang="nl-NL"/>
+            </a:p>
+          </p:txBody>
+        </p:sp>
+        <p:sp>
+          <p:nvSpPr>
+            <p:cNvPr id="58" name="Rectangle 57">
+              <a:extLst>
+                <a:ext uri="{FF2B5EF4-FFF2-40B4-BE49-F238E27FC236}">
+                  <a16:creationId xmlns:a16="http://schemas.microsoft.com/office/drawing/2014/main" id="{FF2084A9-40DF-423D-81BF-123BFF73389D}"/>
+                </a:ext>
+              </a:extLst>
+            </p:cNvPr>
+            <p:cNvSpPr/>
+            <p:nvPr/>
+          </p:nvSpPr>
+          <p:spPr>
+            <a:xfrm>
+              <a:off x="6728127" y="2808281"/>
+              <a:ext cx="245807" cy="45719"/>
+            </a:xfrm>
+            <a:prstGeom prst="rect">
+              <a:avLst/>
+            </a:prstGeom>
+            <a:solidFill>
+              <a:srgbClr val="9F2A55">
+                <a:alpha val="50000"/>
+              </a:srgbClr>
+            </a:solidFill>
+            <a:ln>
+              <a:noFill/>
+            </a:ln>
+          </p:spPr>
+          <p:style>
+            <a:lnRef idx="2">
+              <a:schemeClr val="accent1">
+                <a:shade val="50000"/>
+              </a:schemeClr>
+            </a:lnRef>
+            <a:fillRef idx="1">
+              <a:schemeClr val="accent1"/>
+            </a:fillRef>
+            <a:effectRef idx="0">
+              <a:schemeClr val="accent1"/>
+            </a:effectRef>
+            <a:fontRef idx="minor">
+              <a:schemeClr val="lt1"/>
+            </a:fontRef>
+          </p:style>
+          <p:txBody>
+            <a:bodyPr rtlCol="0" anchor="ctr"/>
+            <a:lstStyle/>
+            <a:p>
+              <a:pPr algn="ctr"/>
+              <a:endParaRPr lang="nl-NL"/>
+            </a:p>
+          </p:txBody>
+        </p:sp>
+        <p:sp>
+          <p:nvSpPr>
+            <p:cNvPr id="59" name="Rectangle 58">
+              <a:extLst>
+                <a:ext uri="{FF2B5EF4-FFF2-40B4-BE49-F238E27FC236}">
+                  <a16:creationId xmlns:a16="http://schemas.microsoft.com/office/drawing/2014/main" id="{3734BABA-C4C4-48E3-87A7-FB4C4E08E413}"/>
+                </a:ext>
+              </a:extLst>
+            </p:cNvPr>
+            <p:cNvSpPr/>
+            <p:nvPr/>
+          </p:nvSpPr>
+          <p:spPr>
+            <a:xfrm>
+              <a:off x="6982455" y="2690968"/>
+              <a:ext cx="245807" cy="45719"/>
+            </a:xfrm>
+            <a:prstGeom prst="rect">
+              <a:avLst/>
+            </a:prstGeom>
+            <a:solidFill>
+              <a:srgbClr val="9F2A55">
+                <a:alpha val="50000"/>
+              </a:srgbClr>
+            </a:solidFill>
+            <a:ln>
+              <a:noFill/>
+            </a:ln>
+          </p:spPr>
+          <p:style>
+            <a:lnRef idx="2">
+              <a:schemeClr val="accent1">
+                <a:shade val="50000"/>
+              </a:schemeClr>
+            </a:lnRef>
+            <a:fillRef idx="1">
+              <a:schemeClr val="accent1"/>
+            </a:fillRef>
+            <a:effectRef idx="0">
+              <a:schemeClr val="accent1"/>
+            </a:effectRef>
+            <a:fontRef idx="minor">
+              <a:schemeClr val="lt1"/>
+            </a:fontRef>
+          </p:style>
+          <p:txBody>
+            <a:bodyPr rtlCol="0" anchor="ctr"/>
+            <a:lstStyle/>
+            <a:p>
+              <a:pPr algn="ctr"/>
+              <a:endParaRPr lang="nl-NL"/>
+            </a:p>
+          </p:txBody>
+        </p:sp>
+        <p:sp>
+          <p:nvSpPr>
+            <p:cNvPr id="60" name="Rectangle 59">
+              <a:extLst>
+                <a:ext uri="{FF2B5EF4-FFF2-40B4-BE49-F238E27FC236}">
+                  <a16:creationId xmlns:a16="http://schemas.microsoft.com/office/drawing/2014/main" id="{23053CF9-1B0B-4697-AFEC-952763EB3C97}"/>
+                </a:ext>
+              </a:extLst>
+            </p:cNvPr>
+            <p:cNvSpPr/>
+            <p:nvPr/>
+          </p:nvSpPr>
+          <p:spPr>
+            <a:xfrm>
+              <a:off x="6982454" y="2750976"/>
+              <a:ext cx="245807" cy="45719"/>
+            </a:xfrm>
+            <a:prstGeom prst="rect">
+              <a:avLst/>
+            </a:prstGeom>
+            <a:solidFill>
+              <a:srgbClr val="9F2A55">
+                <a:alpha val="50000"/>
+              </a:srgbClr>
+            </a:solidFill>
+            <a:ln>
+              <a:noFill/>
+            </a:ln>
+          </p:spPr>
+          <p:style>
+            <a:lnRef idx="2">
+              <a:schemeClr val="accent1">
+                <a:shade val="50000"/>
+              </a:schemeClr>
+            </a:lnRef>
+            <a:fillRef idx="1">
+              <a:schemeClr val="accent1"/>
+            </a:fillRef>
+            <a:effectRef idx="0">
+              <a:schemeClr val="accent1"/>
+            </a:effectRef>
+            <a:fontRef idx="minor">
+              <a:schemeClr val="lt1"/>
+            </a:fontRef>
+          </p:style>
+          <p:txBody>
+            <a:bodyPr rtlCol="0" anchor="ctr"/>
+            <a:lstStyle/>
+            <a:p>
+              <a:pPr algn="ctr"/>
+              <a:endParaRPr lang="nl-NL"/>
+            </a:p>
+          </p:txBody>
+        </p:sp>
+        <p:sp>
+          <p:nvSpPr>
+            <p:cNvPr id="61" name="Rectangle 60">
+              <a:extLst>
+                <a:ext uri="{FF2B5EF4-FFF2-40B4-BE49-F238E27FC236}">
+                  <a16:creationId xmlns:a16="http://schemas.microsoft.com/office/drawing/2014/main" id="{9ABA660E-A930-44A5-AC4E-ED3E04047EC5}"/>
+                </a:ext>
+              </a:extLst>
+            </p:cNvPr>
+            <p:cNvSpPr/>
+            <p:nvPr/>
+          </p:nvSpPr>
+          <p:spPr>
+            <a:xfrm>
+              <a:off x="6982453" y="2808281"/>
+              <a:ext cx="245807" cy="45719"/>
+            </a:xfrm>
+            <a:prstGeom prst="rect">
+              <a:avLst/>
+            </a:prstGeom>
+            <a:solidFill>
+              <a:srgbClr val="9F2A55">
+                <a:alpha val="20000"/>
+              </a:srgbClr>
+            </a:solidFill>
+            <a:ln>
+              <a:noFill/>
+            </a:ln>
+          </p:spPr>
+          <p:style>
+            <a:lnRef idx="2">
+              <a:schemeClr val="accent1">
+                <a:shade val="50000"/>
+              </a:schemeClr>
+            </a:lnRef>
+            <a:fillRef idx="1">
+              <a:schemeClr val="accent1"/>
+            </a:fillRef>
+            <a:effectRef idx="0">
+              <a:schemeClr val="accent1"/>
+            </a:effectRef>
+            <a:fontRef idx="minor">
+              <a:schemeClr val="lt1"/>
+            </a:fontRef>
+          </p:style>
+          <p:txBody>
+            <a:bodyPr rtlCol="0" anchor="ctr"/>
+            <a:lstStyle/>
+            <a:p>
+              <a:pPr algn="ctr"/>
+              <a:endParaRPr lang="nl-NL"/>
+            </a:p>
+          </p:txBody>
+        </p:sp>
+        <p:sp>
+          <p:nvSpPr>
+            <p:cNvPr id="62" name="Rectangle 61">
+              <a:extLst>
+                <a:ext uri="{FF2B5EF4-FFF2-40B4-BE49-F238E27FC236}">
+                  <a16:creationId xmlns:a16="http://schemas.microsoft.com/office/drawing/2014/main" id="{0C0311FA-974A-4E37-9F45-3A16A5C9CA08}"/>
+                </a:ext>
+              </a:extLst>
+            </p:cNvPr>
+            <p:cNvSpPr/>
+            <p:nvPr/>
+          </p:nvSpPr>
+          <p:spPr>
+            <a:xfrm>
+              <a:off x="7236786" y="2690968"/>
+              <a:ext cx="245807" cy="45719"/>
+            </a:xfrm>
+            <a:prstGeom prst="rect">
+              <a:avLst/>
+            </a:prstGeom>
+            <a:solidFill>
+              <a:srgbClr val="9F2A55">
+                <a:alpha val="50000"/>
+              </a:srgbClr>
+            </a:solidFill>
+            <a:ln>
+              <a:noFill/>
+            </a:ln>
+          </p:spPr>
+          <p:style>
+            <a:lnRef idx="2">
+              <a:schemeClr val="accent1">
+                <a:shade val="50000"/>
+              </a:schemeClr>
+            </a:lnRef>
+            <a:fillRef idx="1">
+              <a:schemeClr val="accent1"/>
+            </a:fillRef>
+            <a:effectRef idx="0">
+              <a:schemeClr val="accent1"/>
+            </a:effectRef>
+            <a:fontRef idx="minor">
+              <a:schemeClr val="lt1"/>
+            </a:fontRef>
+          </p:style>
+          <p:txBody>
+            <a:bodyPr rtlCol="0" anchor="ctr"/>
+            <a:lstStyle/>
+            <a:p>
+              <a:pPr algn="ctr"/>
+              <a:endParaRPr lang="nl-NL"/>
+            </a:p>
+          </p:txBody>
+        </p:sp>
+        <p:sp>
+          <p:nvSpPr>
+            <p:cNvPr id="63" name="Rectangle 62">
+              <a:extLst>
+                <a:ext uri="{FF2B5EF4-FFF2-40B4-BE49-F238E27FC236}">
+                  <a16:creationId xmlns:a16="http://schemas.microsoft.com/office/drawing/2014/main" id="{B50B6812-5EAD-4580-B8CA-A91C2BBBFCD2}"/>
+                </a:ext>
+              </a:extLst>
+            </p:cNvPr>
+            <p:cNvSpPr/>
+            <p:nvPr/>
+          </p:nvSpPr>
+          <p:spPr>
+            <a:xfrm>
+              <a:off x="7236785" y="2750976"/>
+              <a:ext cx="245807" cy="45719"/>
+            </a:xfrm>
+            <a:prstGeom prst="rect">
+              <a:avLst/>
+            </a:prstGeom>
+            <a:solidFill>
+              <a:srgbClr val="9F2A55">
+                <a:alpha val="50000"/>
+              </a:srgbClr>
+            </a:solidFill>
+            <a:ln>
+              <a:noFill/>
+            </a:ln>
+          </p:spPr>
+          <p:style>
+            <a:lnRef idx="2">
+              <a:schemeClr val="accent1">
+                <a:shade val="50000"/>
+              </a:schemeClr>
+            </a:lnRef>
+            <a:fillRef idx="1">
+              <a:schemeClr val="accent1"/>
+            </a:fillRef>
+            <a:effectRef idx="0">
+              <a:schemeClr val="accent1"/>
+            </a:effectRef>
+            <a:fontRef idx="minor">
+              <a:schemeClr val="lt1"/>
+            </a:fontRef>
+          </p:style>
+          <p:txBody>
+            <a:bodyPr rtlCol="0" anchor="ctr"/>
+            <a:lstStyle/>
+            <a:p>
+              <a:pPr algn="ctr"/>
+              <a:endParaRPr lang="nl-NL"/>
+            </a:p>
+          </p:txBody>
+        </p:sp>
+        <p:sp>
+          <p:nvSpPr>
+            <p:cNvPr id="64" name="Rectangle 63">
+              <a:extLst>
+                <a:ext uri="{FF2B5EF4-FFF2-40B4-BE49-F238E27FC236}">
+                  <a16:creationId xmlns:a16="http://schemas.microsoft.com/office/drawing/2014/main" id="{F74C0B2A-8D9A-4932-A228-E473256C85DF}"/>
+                </a:ext>
+              </a:extLst>
+            </p:cNvPr>
+            <p:cNvSpPr/>
+            <p:nvPr/>
+          </p:nvSpPr>
+          <p:spPr>
+            <a:xfrm>
+              <a:off x="7236784" y="2808281"/>
+              <a:ext cx="245807" cy="45719"/>
+            </a:xfrm>
+            <a:prstGeom prst="rect">
+              <a:avLst/>
+            </a:prstGeom>
+            <a:solidFill>
+              <a:srgbClr val="9F2A55">
+                <a:alpha val="10000"/>
+              </a:srgbClr>
+            </a:solidFill>
+            <a:ln>
+              <a:noFill/>
+            </a:ln>
+          </p:spPr>
+          <p:style>
+            <a:lnRef idx="2">
+              <a:schemeClr val="accent1">
+                <a:shade val="50000"/>
+              </a:schemeClr>
+            </a:lnRef>
+            <a:fillRef idx="1">
+              <a:schemeClr val="accent1"/>
+            </a:fillRef>
+            <a:effectRef idx="0">
+              <a:schemeClr val="accent1"/>
+            </a:effectRef>
+            <a:fontRef idx="minor">
+              <a:schemeClr val="lt1"/>
+            </a:fontRef>
+          </p:style>
+          <p:txBody>
+            <a:bodyPr rtlCol="0" anchor="ctr"/>
+            <a:lstStyle/>
+            <a:p>
+              <a:pPr algn="ctr"/>
+              <a:endParaRPr lang="nl-NL"/>
+            </a:p>
+          </p:txBody>
+        </p:sp>
+        <p:sp>
+          <p:nvSpPr>
+            <p:cNvPr id="65" name="Rectangle 64">
+              <a:extLst>
+                <a:ext uri="{FF2B5EF4-FFF2-40B4-BE49-F238E27FC236}">
+                  <a16:creationId xmlns:a16="http://schemas.microsoft.com/office/drawing/2014/main" id="{6DE2E0B8-196A-4CEC-9CB1-3B28D980D97D}"/>
+                </a:ext>
+              </a:extLst>
+            </p:cNvPr>
+            <p:cNvSpPr/>
+            <p:nvPr/>
+          </p:nvSpPr>
+          <p:spPr>
+            <a:xfrm>
+              <a:off x="7491112" y="2690968"/>
+              <a:ext cx="245807" cy="45719"/>
+            </a:xfrm>
+            <a:prstGeom prst="rect">
+              <a:avLst/>
+            </a:prstGeom>
+            <a:solidFill>
+              <a:srgbClr val="9F2A55">
+                <a:alpha val="50000"/>
+              </a:srgbClr>
+            </a:solidFill>
+            <a:ln>
+              <a:noFill/>
+            </a:ln>
+          </p:spPr>
+          <p:style>
+            <a:lnRef idx="2">
+              <a:schemeClr val="accent1">
+                <a:shade val="50000"/>
+              </a:schemeClr>
+            </a:lnRef>
+            <a:fillRef idx="1">
+              <a:schemeClr val="accent1"/>
+            </a:fillRef>
+            <a:effectRef idx="0">
+              <a:schemeClr val="accent1"/>
+            </a:effectRef>
+            <a:fontRef idx="minor">
+              <a:schemeClr val="lt1"/>
+            </a:fontRef>
+          </p:style>
+          <p:txBody>
+            <a:bodyPr rtlCol="0" anchor="ctr"/>
+            <a:lstStyle/>
+            <a:p>
+              <a:pPr algn="ctr"/>
+              <a:endParaRPr lang="nl-NL"/>
+            </a:p>
+          </p:txBody>
+        </p:sp>
+        <p:sp>
+          <p:nvSpPr>
+            <p:cNvPr id="66" name="Rectangle 65">
+              <a:extLst>
+                <a:ext uri="{FF2B5EF4-FFF2-40B4-BE49-F238E27FC236}">
+                  <a16:creationId xmlns:a16="http://schemas.microsoft.com/office/drawing/2014/main" id="{FD5A43EA-B79A-443C-9B86-3B07ADDE50B5}"/>
+                </a:ext>
+              </a:extLst>
+            </p:cNvPr>
+            <p:cNvSpPr/>
+            <p:nvPr/>
+          </p:nvSpPr>
+          <p:spPr>
+            <a:xfrm>
+              <a:off x="7491111" y="2750976"/>
+              <a:ext cx="245807" cy="45719"/>
+            </a:xfrm>
+            <a:prstGeom prst="rect">
+              <a:avLst/>
+            </a:prstGeom>
+            <a:solidFill>
+              <a:srgbClr val="9F2A55">
+                <a:alpha val="50000"/>
+              </a:srgbClr>
+            </a:solidFill>
+            <a:ln>
+              <a:noFill/>
+            </a:ln>
+          </p:spPr>
+          <p:style>
+            <a:lnRef idx="2">
+              <a:schemeClr val="accent1">
+                <a:shade val="50000"/>
+              </a:schemeClr>
+            </a:lnRef>
+            <a:fillRef idx="1">
+              <a:schemeClr val="accent1"/>
+            </a:fillRef>
+            <a:effectRef idx="0">
+              <a:schemeClr val="accent1"/>
+            </a:effectRef>
+            <a:fontRef idx="minor">
+              <a:schemeClr val="lt1"/>
+            </a:fontRef>
+          </p:style>
+          <p:txBody>
+            <a:bodyPr rtlCol="0" anchor="ctr"/>
+            <a:lstStyle/>
+            <a:p>
+              <a:pPr algn="ctr"/>
+              <a:endParaRPr lang="nl-NL"/>
+            </a:p>
+          </p:txBody>
+        </p:sp>
+        <p:sp>
+          <p:nvSpPr>
+            <p:cNvPr id="67" name="Rectangle 66">
+              <a:extLst>
+                <a:ext uri="{FF2B5EF4-FFF2-40B4-BE49-F238E27FC236}">
+                  <a16:creationId xmlns:a16="http://schemas.microsoft.com/office/drawing/2014/main" id="{12C219DD-4D20-4693-92CF-B263C1A6F516}"/>
+                </a:ext>
+              </a:extLst>
+            </p:cNvPr>
+            <p:cNvSpPr/>
+            <p:nvPr/>
+          </p:nvSpPr>
+          <p:spPr>
+            <a:xfrm>
+              <a:off x="7491110" y="2808281"/>
+              <a:ext cx="245807" cy="45719"/>
+            </a:xfrm>
+            <a:prstGeom prst="rect">
+              <a:avLst/>
+            </a:prstGeom>
+            <a:solidFill>
+              <a:srgbClr val="9F2A55">
+                <a:alpha val="50000"/>
+              </a:srgbClr>
+            </a:solidFill>
+            <a:ln>
+              <a:noFill/>
+            </a:ln>
+          </p:spPr>
+          <p:style>
+            <a:lnRef idx="2">
+              <a:schemeClr val="accent1">
+                <a:shade val="50000"/>
+              </a:schemeClr>
+            </a:lnRef>
+            <a:fillRef idx="1">
+              <a:schemeClr val="accent1"/>
+            </a:fillRef>
+            <a:effectRef idx="0">
+              <a:schemeClr val="accent1"/>
+            </a:effectRef>
+            <a:fontRef idx="minor">
+              <a:schemeClr val="lt1"/>
+            </a:fontRef>
+          </p:style>
+          <p:txBody>
+            <a:bodyPr rtlCol="0" anchor="ctr"/>
+            <a:lstStyle/>
+            <a:p>
+              <a:pPr algn="ctr"/>
+              <a:endParaRPr lang="nl-NL"/>
+            </a:p>
+          </p:txBody>
+        </p:sp>
+        <p:sp>
+          <p:nvSpPr>
+            <p:cNvPr id="68" name="Rectangle 67">
+              <a:extLst>
+                <a:ext uri="{FF2B5EF4-FFF2-40B4-BE49-F238E27FC236}">
+                  <a16:creationId xmlns:a16="http://schemas.microsoft.com/office/drawing/2014/main" id="{C0DB2E9D-2060-4346-A569-1EFAA53BDBE1}"/>
+                </a:ext>
+              </a:extLst>
+            </p:cNvPr>
+            <p:cNvSpPr/>
+            <p:nvPr/>
+          </p:nvSpPr>
+          <p:spPr>
+            <a:xfrm>
+              <a:off x="7745442" y="2690968"/>
+              <a:ext cx="245807" cy="45719"/>
+            </a:xfrm>
+            <a:prstGeom prst="rect">
+              <a:avLst/>
+            </a:prstGeom>
+            <a:solidFill>
+              <a:srgbClr val="9F2A55">
+                <a:alpha val="70000"/>
+              </a:srgbClr>
+            </a:solidFill>
+            <a:ln>
+              <a:noFill/>
+            </a:ln>
+          </p:spPr>
+          <p:style>
+            <a:lnRef idx="2">
+              <a:schemeClr val="accent1">
+                <a:shade val="50000"/>
+              </a:schemeClr>
+            </a:lnRef>
+            <a:fillRef idx="1">
+              <a:schemeClr val="accent1"/>
+            </a:fillRef>
+            <a:effectRef idx="0">
+              <a:schemeClr val="accent1"/>
+            </a:effectRef>
+            <a:fontRef idx="minor">
+              <a:schemeClr val="lt1"/>
+            </a:fontRef>
+          </p:style>
+          <p:txBody>
+            <a:bodyPr rtlCol="0" anchor="ctr"/>
+            <a:lstStyle/>
+            <a:p>
+              <a:pPr algn="ctr"/>
+              <a:endParaRPr lang="nl-NL"/>
+            </a:p>
+          </p:txBody>
+        </p:sp>
+        <p:sp>
+          <p:nvSpPr>
+            <p:cNvPr id="69" name="Rectangle 68">
+              <a:extLst>
+                <a:ext uri="{FF2B5EF4-FFF2-40B4-BE49-F238E27FC236}">
+                  <a16:creationId xmlns:a16="http://schemas.microsoft.com/office/drawing/2014/main" id="{D2DD2D26-9472-45AC-BBD1-2BA3617BDA4D}"/>
+                </a:ext>
+              </a:extLst>
+            </p:cNvPr>
+            <p:cNvSpPr/>
+            <p:nvPr/>
+          </p:nvSpPr>
+          <p:spPr>
+            <a:xfrm>
+              <a:off x="7745441" y="2750976"/>
+              <a:ext cx="245807" cy="45719"/>
+            </a:xfrm>
+            <a:prstGeom prst="rect">
+              <a:avLst/>
+            </a:prstGeom>
+            <a:solidFill>
+              <a:srgbClr val="9F2A55">
+                <a:alpha val="20000"/>
+              </a:srgbClr>
+            </a:solidFill>
+            <a:ln>
+              <a:noFill/>
+            </a:ln>
+          </p:spPr>
+          <p:style>
+            <a:lnRef idx="2">
+              <a:schemeClr val="accent1">
+                <a:shade val="50000"/>
+              </a:schemeClr>
+            </a:lnRef>
+            <a:fillRef idx="1">
+              <a:schemeClr val="accent1"/>
+            </a:fillRef>
+            <a:effectRef idx="0">
+              <a:schemeClr val="accent1"/>
+            </a:effectRef>
+            <a:fontRef idx="minor">
+              <a:schemeClr val="lt1"/>
+            </a:fontRef>
+          </p:style>
+          <p:txBody>
+            <a:bodyPr rtlCol="0" anchor="ctr"/>
+            <a:lstStyle/>
+            <a:p>
+              <a:pPr algn="ctr"/>
+              <a:endParaRPr lang="nl-NL"/>
+            </a:p>
+          </p:txBody>
+        </p:sp>
+        <p:sp>
+          <p:nvSpPr>
+            <p:cNvPr id="70" name="Rectangle 69">
+              <a:extLst>
+                <a:ext uri="{FF2B5EF4-FFF2-40B4-BE49-F238E27FC236}">
+                  <a16:creationId xmlns:a16="http://schemas.microsoft.com/office/drawing/2014/main" id="{F79788E7-ACC1-4F3D-975A-498C62987EE0}"/>
+                </a:ext>
+              </a:extLst>
+            </p:cNvPr>
+            <p:cNvSpPr/>
+            <p:nvPr/>
+          </p:nvSpPr>
+          <p:spPr>
+            <a:xfrm>
+              <a:off x="7745440" y="2808281"/>
+              <a:ext cx="245807" cy="45719"/>
+            </a:xfrm>
+            <a:prstGeom prst="rect">
+              <a:avLst/>
+            </a:prstGeom>
+            <a:solidFill>
+              <a:srgbClr val="9F2A55">
+                <a:alpha val="70000"/>
+              </a:srgbClr>
+            </a:solidFill>
+            <a:ln>
+              <a:noFill/>
+            </a:ln>
+          </p:spPr>
+          <p:style>
+            <a:lnRef idx="2">
+              <a:schemeClr val="accent1">
+                <a:shade val="50000"/>
+              </a:schemeClr>
+            </a:lnRef>
+            <a:fillRef idx="1">
+              <a:schemeClr val="accent1"/>
+            </a:fillRef>
+            <a:effectRef idx="0">
+              <a:schemeClr val="accent1"/>
+            </a:effectRef>
+            <a:fontRef idx="minor">
+              <a:schemeClr val="lt1"/>
+            </a:fontRef>
+          </p:style>
+          <p:txBody>
+            <a:bodyPr rtlCol="0" anchor="ctr"/>
+            <a:lstStyle/>
+            <a:p>
+              <a:pPr algn="ctr"/>
+              <a:endParaRPr lang="nl-NL"/>
+            </a:p>
+          </p:txBody>
+        </p:sp>
+        <p:sp>
+          <p:nvSpPr>
+            <p:cNvPr id="71" name="Rectangle 70">
+              <a:extLst>
+                <a:ext uri="{FF2B5EF4-FFF2-40B4-BE49-F238E27FC236}">
+                  <a16:creationId xmlns:a16="http://schemas.microsoft.com/office/drawing/2014/main" id="{918C7BC3-844E-405E-9191-3C4C942F6F7E}"/>
+                </a:ext>
+              </a:extLst>
+            </p:cNvPr>
+            <p:cNvSpPr/>
+            <p:nvPr/>
+          </p:nvSpPr>
+          <p:spPr>
+            <a:xfrm>
+              <a:off x="7999768" y="2690968"/>
+              <a:ext cx="245807" cy="45719"/>
+            </a:xfrm>
+            <a:prstGeom prst="rect">
+              <a:avLst/>
+            </a:prstGeom>
+            <a:solidFill>
+              <a:srgbClr val="9F2A55">
+                <a:alpha val="70000"/>
+              </a:srgbClr>
+            </a:solidFill>
+            <a:ln>
+              <a:noFill/>
+            </a:ln>
+          </p:spPr>
+          <p:style>
+            <a:lnRef idx="2">
+              <a:schemeClr val="accent1">
+                <a:shade val="50000"/>
+              </a:schemeClr>
+            </a:lnRef>
+            <a:fillRef idx="1">
+              <a:schemeClr val="accent1"/>
+            </a:fillRef>
+            <a:effectRef idx="0">
+              <a:schemeClr val="accent1"/>
+            </a:effectRef>
+            <a:fontRef idx="minor">
+              <a:schemeClr val="lt1"/>
+            </a:fontRef>
+          </p:style>
+          <p:txBody>
+            <a:bodyPr rtlCol="0" anchor="ctr"/>
+            <a:lstStyle/>
+            <a:p>
+              <a:pPr algn="ctr"/>
+              <a:endParaRPr lang="nl-NL"/>
+            </a:p>
+          </p:txBody>
+        </p:sp>
+        <p:sp>
+          <p:nvSpPr>
+            <p:cNvPr id="72" name="Rectangle 71">
+              <a:extLst>
+                <a:ext uri="{FF2B5EF4-FFF2-40B4-BE49-F238E27FC236}">
+                  <a16:creationId xmlns:a16="http://schemas.microsoft.com/office/drawing/2014/main" id="{A588ED41-52E2-4451-BDB2-31E9481A0844}"/>
+                </a:ext>
+              </a:extLst>
+            </p:cNvPr>
+            <p:cNvSpPr/>
+            <p:nvPr/>
+          </p:nvSpPr>
+          <p:spPr>
+            <a:xfrm>
+              <a:off x="7999767" y="2750976"/>
+              <a:ext cx="245807" cy="45719"/>
+            </a:xfrm>
+            <a:prstGeom prst="rect">
+              <a:avLst/>
+            </a:prstGeom>
+            <a:solidFill>
+              <a:srgbClr val="9F2A55">
+                <a:alpha val="50000"/>
+              </a:srgbClr>
+            </a:solidFill>
+            <a:ln>
+              <a:noFill/>
+            </a:ln>
+          </p:spPr>
+          <p:style>
+            <a:lnRef idx="2">
+              <a:schemeClr val="accent1">
+                <a:shade val="50000"/>
+              </a:schemeClr>
+            </a:lnRef>
+            <a:fillRef idx="1">
+              <a:schemeClr val="accent1"/>
+            </a:fillRef>
+            <a:effectRef idx="0">
+              <a:schemeClr val="accent1"/>
+            </a:effectRef>
+            <a:fontRef idx="minor">
+              <a:schemeClr val="lt1"/>
+            </a:fontRef>
+          </p:style>
+          <p:txBody>
+            <a:bodyPr rtlCol="0" anchor="ctr"/>
+            <a:lstStyle/>
+            <a:p>
+              <a:pPr algn="ctr"/>
+              <a:endParaRPr lang="nl-NL"/>
+            </a:p>
+          </p:txBody>
+        </p:sp>
+        <p:sp>
+          <p:nvSpPr>
+            <p:cNvPr id="73" name="Rectangle 72">
+              <a:extLst>
+                <a:ext uri="{FF2B5EF4-FFF2-40B4-BE49-F238E27FC236}">
+                  <a16:creationId xmlns:a16="http://schemas.microsoft.com/office/drawing/2014/main" id="{9D8ED598-4B5E-4532-BDFA-AD3878048DF1}"/>
+                </a:ext>
+              </a:extLst>
+            </p:cNvPr>
+            <p:cNvSpPr/>
+            <p:nvPr/>
+          </p:nvSpPr>
+          <p:spPr>
+            <a:xfrm>
+              <a:off x="7999766" y="2808281"/>
+              <a:ext cx="245807" cy="45719"/>
+            </a:xfrm>
+            <a:prstGeom prst="rect">
+              <a:avLst/>
+            </a:prstGeom>
+            <a:solidFill>
+              <a:srgbClr val="9F2A55">
+                <a:alpha val="85000"/>
+              </a:srgbClr>
+            </a:solidFill>
+            <a:ln>
+              <a:noFill/>
+            </a:ln>
+          </p:spPr>
+          <p:style>
+            <a:lnRef idx="2">
+              <a:schemeClr val="accent1">
+                <a:shade val="50000"/>
+              </a:schemeClr>
+            </a:lnRef>
+            <a:fillRef idx="1">
+              <a:schemeClr val="accent1"/>
+            </a:fillRef>
+            <a:effectRef idx="0">
+              <a:schemeClr val="accent1"/>
+            </a:effectRef>
+            <a:fontRef idx="minor">
+              <a:schemeClr val="lt1"/>
+            </a:fontRef>
+          </p:style>
+          <p:txBody>
+            <a:bodyPr rtlCol="0" anchor="ctr"/>
+            <a:lstStyle/>
+            <a:p>
+              <a:pPr algn="ctr"/>
+              <a:endParaRPr lang="nl-NL"/>
+            </a:p>
+          </p:txBody>
+        </p:sp>
+        <p:sp>
+          <p:nvSpPr>
+            <p:cNvPr id="74" name="TextBox 73">
+              <a:extLst>
+                <a:ext uri="{FF2B5EF4-FFF2-40B4-BE49-F238E27FC236}">
+                  <a16:creationId xmlns:a16="http://schemas.microsoft.com/office/drawing/2014/main" id="{92677CBD-CCE9-4D61-BBFD-400B338FDF12}"/>
+                </a:ext>
+              </a:extLst>
+            </p:cNvPr>
+            <p:cNvSpPr txBox="1"/>
+            <p:nvPr/>
+          </p:nvSpPr>
+          <p:spPr>
+            <a:xfrm>
+              <a:off x="4082802" y="1882617"/>
+              <a:ext cx="1271638" cy="369332"/>
+            </a:xfrm>
+            <a:prstGeom prst="rect">
+              <a:avLst/>
+            </a:prstGeom>
+            <a:noFill/>
+          </p:spPr>
+          <p:txBody>
+            <a:bodyPr wrap="square" rtlCol="0">
+              <a:spAutoFit/>
+            </a:bodyPr>
+            <a:lstStyle/>
+            <a:p>
+              <a:r>
+                <a:rPr lang="nl-NL" dirty="0" err="1">
+                  <a:solidFill>
+                    <a:srgbClr val="EAE6D9"/>
+                  </a:solidFill>
+                </a:rPr>
+                <a:t>pattern</a:t>
+              </a:r>
+              <a:endParaRPr lang="nl-NL" dirty="0">
+                <a:solidFill>
+                  <a:srgbClr val="EAE6D9"/>
+                </a:solidFill>
+              </a:endParaRPr>
+            </a:p>
+          </p:txBody>
+        </p:sp>
+      </p:grpSp>
+      <p:cxnSp>
+        <p:nvCxnSpPr>
+          <p:cNvPr id="77" name="Straight Connector 76">
+            <a:extLst>
+              <a:ext uri="{FF2B5EF4-FFF2-40B4-BE49-F238E27FC236}">
+                <a16:creationId xmlns:a16="http://schemas.microsoft.com/office/drawing/2014/main" id="{52DC5BD2-49AC-40D9-98B6-A727F002504A}"/>
+              </a:ext>
+            </a:extLst>
+          </p:cNvPr>
+          <p:cNvCxnSpPr/>
+          <p:nvPr/>
+        </p:nvCxnSpPr>
+        <p:spPr>
+          <a:xfrm>
+            <a:off x="2993925" y="3282704"/>
+            <a:ext cx="6204154" cy="0"/>
+          </a:xfrm>
+          <a:prstGeom prst="line">
+            <a:avLst/>
+          </a:prstGeom>
+          <a:ln>
+            <a:solidFill>
+              <a:srgbClr val="9F2A55"/>
+            </a:solidFill>
+          </a:ln>
+        </p:spPr>
+        <p:style>
+          <a:lnRef idx="1">
+            <a:schemeClr val="accent1"/>
+          </a:lnRef>
+          <a:fillRef idx="0">
+            <a:schemeClr val="accent1"/>
+          </a:fillRef>
+          <a:effectRef idx="0">
+            <a:schemeClr val="accent1"/>
+          </a:effectRef>
+          <a:fontRef idx="minor">
+            <a:schemeClr val="tx1"/>
+          </a:fontRef>
+        </p:style>
+      </p:cxnSp>
+      <p:grpSp>
+        <p:nvGrpSpPr>
+          <p:cNvPr id="113" name="Group 112">
+            <a:extLst>
+              <a:ext uri="{FF2B5EF4-FFF2-40B4-BE49-F238E27FC236}">
+                <a16:creationId xmlns:a16="http://schemas.microsoft.com/office/drawing/2014/main" id="{60E542BA-5C17-45D6-A1CB-E9E88D86B226}"/>
+              </a:ext>
+            </a:extLst>
+          </p:cNvPr>
+          <p:cNvGrpSpPr/>
+          <p:nvPr/>
+        </p:nvGrpSpPr>
+        <p:grpSpPr>
+          <a:xfrm>
+            <a:off x="6837576" y="3424014"/>
+            <a:ext cx="1334505" cy="369332"/>
+            <a:chOff x="6846094" y="2917255"/>
+            <a:chExt cx="1334505" cy="369332"/>
+          </a:xfrm>
+        </p:grpSpPr>
+        <p:grpSp>
+          <p:nvGrpSpPr>
+            <p:cNvPr id="112" name="Group 111">
+              <a:extLst>
+                <a:ext uri="{FF2B5EF4-FFF2-40B4-BE49-F238E27FC236}">
+                  <a16:creationId xmlns:a16="http://schemas.microsoft.com/office/drawing/2014/main" id="{03B79936-A3F0-4167-A09D-DBD25B5688DD}"/>
+                </a:ext>
+              </a:extLst>
+            </p:cNvPr>
+            <p:cNvGrpSpPr/>
+            <p:nvPr/>
+          </p:nvGrpSpPr>
+          <p:grpSpPr>
+            <a:xfrm>
+              <a:off x="6846094" y="2989945"/>
+              <a:ext cx="1328115" cy="262055"/>
+              <a:chOff x="6846094" y="2989945"/>
+              <a:chExt cx="1328115" cy="262055"/>
+            </a:xfrm>
+          </p:grpSpPr>
+          <p:sp>
+            <p:nvSpPr>
+              <p:cNvPr id="80" name="Rectangle 79">
+                <a:extLst>
+                  <a:ext uri="{FF2B5EF4-FFF2-40B4-BE49-F238E27FC236}">
+                    <a16:creationId xmlns:a16="http://schemas.microsoft.com/office/drawing/2014/main" id="{4ABCA2C0-9BAF-49BF-9CED-41D5366CB67D}"/>
+                  </a:ext>
+                </a:extLst>
+              </p:cNvPr>
+              <p:cNvSpPr/>
+              <p:nvPr/>
+            </p:nvSpPr>
+            <p:spPr>
+              <a:xfrm>
+                <a:off x="6846094" y="2989945"/>
+                <a:ext cx="1328115" cy="262055"/>
+              </a:xfrm>
+              <a:prstGeom prst="rect">
+                <a:avLst/>
+              </a:prstGeom>
+              <a:solidFill>
+                <a:srgbClr val="4F4584">
+                  <a:alpha val="50000"/>
+                </a:srgbClr>
+              </a:solidFill>
+              <a:ln>
+                <a:noFill/>
+              </a:ln>
+            </p:spPr>
+            <p:style>
+              <a:lnRef idx="2">
+                <a:schemeClr val="accent1">
+                  <a:shade val="50000"/>
+                </a:schemeClr>
+              </a:lnRef>
+              <a:fillRef idx="1">
+                <a:schemeClr val="accent1"/>
+              </a:fillRef>
+              <a:effectRef idx="0">
+                <a:schemeClr val="accent1"/>
+              </a:effectRef>
+              <a:fontRef idx="minor">
+                <a:schemeClr val="lt1"/>
+              </a:fontRef>
+            </p:style>
+            <p:txBody>
+              <a:bodyPr rtlCol="0" anchor="ctr"/>
+              <a:lstStyle/>
+              <a:p>
+                <a:pPr algn="ctr"/>
+                <a:endParaRPr lang="nl-NL"/>
+              </a:p>
+            </p:txBody>
+          </p:sp>
+          <p:sp>
+            <p:nvSpPr>
+              <p:cNvPr id="79" name="Isosceles Triangle 78">
+                <a:extLst>
+                  <a:ext uri="{FF2B5EF4-FFF2-40B4-BE49-F238E27FC236}">
+                    <a16:creationId xmlns:a16="http://schemas.microsoft.com/office/drawing/2014/main" id="{EC21FC5B-226B-457C-97B2-F6143D9485EA}"/>
+                  </a:ext>
+                </a:extLst>
+              </p:cNvPr>
+              <p:cNvSpPr/>
+              <p:nvPr/>
+            </p:nvSpPr>
+            <p:spPr>
+              <a:xfrm rot="10800000">
+                <a:off x="6902570" y="3090267"/>
+                <a:ext cx="71235" cy="61409"/>
+              </a:xfrm>
+              <a:prstGeom prst="triangle">
+                <a:avLst/>
+              </a:prstGeom>
+              <a:solidFill>
+                <a:srgbClr val="4F4584"/>
+              </a:solidFill>
+              <a:ln>
+                <a:noFill/>
+              </a:ln>
+            </p:spPr>
+            <p:style>
+              <a:lnRef idx="2">
+                <a:schemeClr val="accent1">
+                  <a:shade val="50000"/>
+                </a:schemeClr>
+              </a:lnRef>
+              <a:fillRef idx="1">
+                <a:schemeClr val="accent1"/>
+              </a:fillRef>
+              <a:effectRef idx="0">
+                <a:schemeClr val="accent1"/>
+              </a:effectRef>
+              <a:fontRef idx="minor">
+                <a:schemeClr val="lt1"/>
+              </a:fontRef>
+            </p:style>
+            <p:txBody>
+              <a:bodyPr rtlCol="0" anchor="ctr"/>
+              <a:lstStyle/>
+              <a:p>
+                <a:pPr algn="ctr"/>
+                <a:r>
+                  <a:rPr lang="nl-NL" dirty="0"/>
+                  <a:t> </a:t>
+                </a:r>
+              </a:p>
+            </p:txBody>
+          </p:sp>
+        </p:grpSp>
+        <p:sp>
+          <p:nvSpPr>
+            <p:cNvPr id="81" name="TextBox 80">
+              <a:extLst>
+                <a:ext uri="{FF2B5EF4-FFF2-40B4-BE49-F238E27FC236}">
+                  <a16:creationId xmlns:a16="http://schemas.microsoft.com/office/drawing/2014/main" id="{D707D727-3CF4-4A88-8E7F-1F97ADBE5A33}"/>
+                </a:ext>
+              </a:extLst>
+            </p:cNvPr>
+            <p:cNvSpPr txBox="1"/>
+            <p:nvPr/>
+          </p:nvSpPr>
+          <p:spPr>
+            <a:xfrm>
+              <a:off x="6908961" y="2917255"/>
+              <a:ext cx="1271638" cy="369332"/>
+            </a:xfrm>
+            <a:prstGeom prst="rect">
+              <a:avLst/>
+            </a:prstGeom>
+            <a:noFill/>
+          </p:spPr>
+          <p:txBody>
+            <a:bodyPr wrap="square" rtlCol="0">
+              <a:spAutoFit/>
+            </a:bodyPr>
+            <a:lstStyle/>
+            <a:p>
+              <a:r>
+                <a:rPr lang="nl-NL" dirty="0">
+                  <a:solidFill>
+                    <a:srgbClr val="EAE6D9"/>
+                  </a:solidFill>
+                </a:rPr>
+                <a:t>sample</a:t>
+              </a:r>
+            </a:p>
+          </p:txBody>
+        </p:sp>
+      </p:grpSp>
       <p:sp>
         <p:nvSpPr>
-          <p:cNvPr id="5" name="Rectangle 4">
+          <p:cNvPr id="82" name="Rectangle 81">
             <a:extLst>
               <a:ext uri="{FF2B5EF4-FFF2-40B4-BE49-F238E27FC236}">
-                <a16:creationId xmlns:a16="http://schemas.microsoft.com/office/drawing/2014/main" id="{0A10DCB7-B205-43A4-B418-2A20DFD970E4}"/>
+                <a16:creationId xmlns:a16="http://schemas.microsoft.com/office/drawing/2014/main" id="{0CE14CF8-CACF-45FB-B8FC-26FD598F30E1}"/>
               </a:ext>
             </a:extLst>
           </p:cNvPr>
@@ -1703,19 +6101,74 @@
         </p:nvSpPr>
         <p:spPr>
           <a:xfrm>
-            <a:off x="2332759" y="4011578"/>
-            <a:ext cx="291253" cy="291253"/>
+            <a:off x="3070860" y="1908017"/>
+            <a:ext cx="777479" cy="1343983"/>
           </a:xfrm>
           <a:prstGeom prst="rect">
             <a:avLst/>
           </a:prstGeom>
           <a:solidFill>
-            <a:srgbClr val="EAE6D9"/>
+            <a:srgbClr val="9F2A55">
+              <a:alpha val="20000"/>
+            </a:srgbClr>
           </a:solidFill>
-          <a:ln w="38100">
-            <a:solidFill>
-              <a:schemeClr val="tx1"/>
-            </a:solidFill>
+          <a:ln>
+            <a:noFill/>
+          </a:ln>
+        </p:spPr>
+        <p:style>
+          <a:lnRef idx="2">
+            <a:schemeClr val="accent1">
+              <a:shade val="50000"/>
+            </a:schemeClr>
+          </a:lnRef>
+          <a:fillRef idx="1">
+            <a:schemeClr val="accent1"/>
+          </a:fillRef>
+          <a:effectRef idx="0">
+            <a:schemeClr val="accent1"/>
+          </a:effectRef>
+          <a:fontRef idx="minor">
+            <a:schemeClr val="lt1"/>
+          </a:fontRef>
+        </p:style>
+        <p:txBody>
+          <a:bodyPr rtlCol="0" anchor="t"/>
+          <a:lstStyle/>
+          <a:p>
+            <a:r>
+              <a:rPr lang="nl-NL" sz="1100" dirty="0" err="1"/>
+              <a:t>patternlist</a:t>
+            </a:r>
+            <a:endParaRPr lang="nl-NL" sz="1100" dirty="0"/>
+          </a:p>
+        </p:txBody>
+      </p:sp>
+      <p:sp>
+        <p:nvSpPr>
+          <p:cNvPr id="83" name="Rectangle 82">
+            <a:extLst>
+              <a:ext uri="{FF2B5EF4-FFF2-40B4-BE49-F238E27FC236}">
+                <a16:creationId xmlns:a16="http://schemas.microsoft.com/office/drawing/2014/main" id="{14ACE006-2A10-4CAC-A201-8FC9CCC68FFB}"/>
+              </a:ext>
+            </a:extLst>
+          </p:cNvPr>
+          <p:cNvSpPr/>
+          <p:nvPr/>
+        </p:nvSpPr>
+        <p:spPr>
+          <a:xfrm>
+            <a:off x="3159629" y="2274805"/>
+            <a:ext cx="180058" cy="45719"/>
+          </a:xfrm>
+          <a:prstGeom prst="rect">
+            <a:avLst/>
+          </a:prstGeom>
+          <a:solidFill>
+            <a:srgbClr val="9F2A55"/>
+          </a:solidFill>
+          <a:ln>
+            <a:noFill/>
           </a:ln>
         </p:spPr>
         <p:style>
@@ -1739,20 +6192,16 @@
           <a:lstStyle/>
           <a:p>
             <a:pPr algn="ctr"/>
-            <a:endParaRPr lang="nl-NL">
-              <a:solidFill>
-                <a:srgbClr val="1A0F24"/>
-              </a:solidFill>
-            </a:endParaRPr>
+            <a:endParaRPr lang="nl-NL"/>
           </a:p>
         </p:txBody>
       </p:sp>
       <p:sp>
         <p:nvSpPr>
-          <p:cNvPr id="6" name="Rectangle 5">
+          <p:cNvPr id="84" name="Rectangle 83">
             <a:extLst>
               <a:ext uri="{FF2B5EF4-FFF2-40B4-BE49-F238E27FC236}">
-                <a16:creationId xmlns:a16="http://schemas.microsoft.com/office/drawing/2014/main" id="{941BFB0A-0FFE-4C00-B491-89403EFDD674}"/>
+                <a16:creationId xmlns:a16="http://schemas.microsoft.com/office/drawing/2014/main" id="{2DF786D5-7261-40A8-9610-DC24DF4E01B5}"/>
               </a:ext>
             </a:extLst>
           </p:cNvPr>
@@ -1761,8 +6210,8 @@
         </p:nvSpPr>
         <p:spPr>
           <a:xfrm>
-            <a:off x="2332759" y="4403682"/>
-            <a:ext cx="291253" cy="291253"/>
+            <a:off x="3159629" y="2334077"/>
+            <a:ext cx="180058" cy="45719"/>
           </a:xfrm>
           <a:prstGeom prst="rect">
             <a:avLst/>
@@ -1770,10 +6219,8 @@
           <a:solidFill>
             <a:srgbClr val="9F2A55"/>
           </a:solidFill>
-          <a:ln w="38100">
-            <a:solidFill>
-              <a:schemeClr val="tx1"/>
-            </a:solidFill>
+          <a:ln>
+            <a:noFill/>
           </a:ln>
         </p:spPr>
         <p:style>
@@ -1797,20 +6244,16 @@
           <a:lstStyle/>
           <a:p>
             <a:pPr algn="ctr"/>
-            <a:endParaRPr lang="nl-NL">
-              <a:solidFill>
-                <a:srgbClr val="1A0F24"/>
-              </a:solidFill>
-            </a:endParaRPr>
+            <a:endParaRPr lang="nl-NL"/>
           </a:p>
         </p:txBody>
       </p:sp>
       <p:sp>
         <p:nvSpPr>
-          <p:cNvPr id="7" name="Rectangle 6">
+          <p:cNvPr id="85" name="Rectangle 84">
             <a:extLst>
               <a:ext uri="{FF2B5EF4-FFF2-40B4-BE49-F238E27FC236}">
-                <a16:creationId xmlns:a16="http://schemas.microsoft.com/office/drawing/2014/main" id="{1FD5D913-235F-41AB-8F97-AC11365EA7AE}"/>
+                <a16:creationId xmlns:a16="http://schemas.microsoft.com/office/drawing/2014/main" id="{87596650-D686-4C8B-AA09-0D78EA03A2E6}"/>
               </a:ext>
             </a:extLst>
           </p:cNvPr>
@@ -1819,19 +6262,17 @@
         </p:nvSpPr>
         <p:spPr>
           <a:xfrm>
-            <a:off x="2332759" y="4795786"/>
-            <a:ext cx="291253" cy="291253"/>
+            <a:off x="3159629" y="2393349"/>
+            <a:ext cx="180058" cy="45719"/>
           </a:xfrm>
           <a:prstGeom prst="rect">
             <a:avLst/>
           </a:prstGeom>
           <a:solidFill>
-            <a:srgbClr val="D5DAF6"/>
+            <a:srgbClr val="9F2A55"/>
           </a:solidFill>
-          <a:ln w="38100">
-            <a:solidFill>
-              <a:schemeClr val="tx1"/>
-            </a:solidFill>
+          <a:ln>
+            <a:noFill/>
           </a:ln>
         </p:spPr>
         <p:style>
@@ -1855,20 +6296,16 @@
           <a:lstStyle/>
           <a:p>
             <a:pPr algn="ctr"/>
-            <a:endParaRPr lang="nl-NL">
-              <a:solidFill>
-                <a:srgbClr val="1A0F24"/>
-              </a:solidFill>
-            </a:endParaRPr>
+            <a:endParaRPr lang="nl-NL"/>
           </a:p>
         </p:txBody>
       </p:sp>
       <p:sp>
         <p:nvSpPr>
-          <p:cNvPr id="8" name="Rectangle 7">
+          <p:cNvPr id="86" name="Rectangle 85">
             <a:extLst>
               <a:ext uri="{FF2B5EF4-FFF2-40B4-BE49-F238E27FC236}">
-                <a16:creationId xmlns:a16="http://schemas.microsoft.com/office/drawing/2014/main" id="{467EB27D-C775-4F64-AD1E-765CB5431B04}"/>
+                <a16:creationId xmlns:a16="http://schemas.microsoft.com/office/drawing/2014/main" id="{570D55C3-73C9-4168-BD6B-35F608DFE3ED}"/>
               </a:ext>
             </a:extLst>
           </p:cNvPr>
@@ -1877,19 +6314,17 @@
         </p:nvSpPr>
         <p:spPr>
           <a:xfrm>
-            <a:off x="2332758" y="5187890"/>
-            <a:ext cx="291253" cy="291253"/>
+            <a:off x="3159629" y="2452621"/>
+            <a:ext cx="180058" cy="45719"/>
           </a:xfrm>
           <a:prstGeom prst="rect">
             <a:avLst/>
           </a:prstGeom>
           <a:solidFill>
-            <a:srgbClr val="4F4584"/>
+            <a:srgbClr val="9F2A55"/>
           </a:solidFill>
-          <a:ln w="38100">
-            <a:solidFill>
-              <a:schemeClr val="tx1"/>
-            </a:solidFill>
+          <a:ln>
+            <a:noFill/>
           </a:ln>
         </p:spPr>
         <p:style>
@@ -1913,18 +6348,1077 @@
           <a:lstStyle/>
           <a:p>
             <a:pPr algn="ctr"/>
-            <a:endParaRPr lang="nl-NL">
+            <a:endParaRPr lang="nl-NL"/>
+          </a:p>
+        </p:txBody>
+      </p:sp>
+      <p:sp>
+        <p:nvSpPr>
+          <p:cNvPr id="87" name="Rectangle 86">
+            <a:extLst>
+              <a:ext uri="{FF2B5EF4-FFF2-40B4-BE49-F238E27FC236}">
+                <a16:creationId xmlns:a16="http://schemas.microsoft.com/office/drawing/2014/main" id="{C616EEC5-4FC7-4EEF-91C5-1DDEA21BD221}"/>
+              </a:ext>
+            </a:extLst>
+          </p:cNvPr>
+          <p:cNvSpPr/>
+          <p:nvPr/>
+        </p:nvSpPr>
+        <p:spPr>
+          <a:xfrm>
+            <a:off x="3159629" y="2511893"/>
+            <a:ext cx="180058" cy="45719"/>
+          </a:xfrm>
+          <a:prstGeom prst="rect">
+            <a:avLst/>
+          </a:prstGeom>
+          <a:solidFill>
+            <a:srgbClr val="9F2A55"/>
+          </a:solidFill>
+          <a:ln>
+            <a:noFill/>
+          </a:ln>
+        </p:spPr>
+        <p:style>
+          <a:lnRef idx="2">
+            <a:schemeClr val="accent1">
+              <a:shade val="50000"/>
+            </a:schemeClr>
+          </a:lnRef>
+          <a:fillRef idx="1">
+            <a:schemeClr val="accent1"/>
+          </a:fillRef>
+          <a:effectRef idx="0">
+            <a:schemeClr val="accent1"/>
+          </a:effectRef>
+          <a:fontRef idx="minor">
+            <a:schemeClr val="lt1"/>
+          </a:fontRef>
+        </p:style>
+        <p:txBody>
+          <a:bodyPr rtlCol="0" anchor="ctr"/>
+          <a:lstStyle/>
+          <a:p>
+            <a:pPr algn="ctr"/>
+            <a:endParaRPr lang="nl-NL"/>
+          </a:p>
+        </p:txBody>
+      </p:sp>
+      <p:sp>
+        <p:nvSpPr>
+          <p:cNvPr id="88" name="Rectangle 87">
+            <a:extLst>
+              <a:ext uri="{FF2B5EF4-FFF2-40B4-BE49-F238E27FC236}">
+                <a16:creationId xmlns:a16="http://schemas.microsoft.com/office/drawing/2014/main" id="{2E9E9B3E-343E-4BF4-A9FE-191F6C0286B1}"/>
+              </a:ext>
+            </a:extLst>
+          </p:cNvPr>
+          <p:cNvSpPr/>
+          <p:nvPr/>
+        </p:nvSpPr>
+        <p:spPr>
+          <a:xfrm>
+            <a:off x="3159629" y="2571165"/>
+            <a:ext cx="180058" cy="45719"/>
+          </a:xfrm>
+          <a:prstGeom prst="rect">
+            <a:avLst/>
+          </a:prstGeom>
+          <a:solidFill>
+            <a:srgbClr val="9F2A55"/>
+          </a:solidFill>
+          <a:ln>
+            <a:noFill/>
+          </a:ln>
+        </p:spPr>
+        <p:style>
+          <a:lnRef idx="2">
+            <a:schemeClr val="accent1">
+              <a:shade val="50000"/>
+            </a:schemeClr>
+          </a:lnRef>
+          <a:fillRef idx="1">
+            <a:schemeClr val="accent1"/>
+          </a:fillRef>
+          <a:effectRef idx="0">
+            <a:schemeClr val="accent1"/>
+          </a:effectRef>
+          <a:fontRef idx="minor">
+            <a:schemeClr val="lt1"/>
+          </a:fontRef>
+        </p:style>
+        <p:txBody>
+          <a:bodyPr rtlCol="0" anchor="ctr"/>
+          <a:lstStyle/>
+          <a:p>
+            <a:pPr algn="ctr"/>
+            <a:endParaRPr lang="nl-NL"/>
+          </a:p>
+        </p:txBody>
+      </p:sp>
+      <p:sp>
+        <p:nvSpPr>
+          <p:cNvPr id="89" name="Rectangle 88">
+            <a:extLst>
+              <a:ext uri="{FF2B5EF4-FFF2-40B4-BE49-F238E27FC236}">
+                <a16:creationId xmlns:a16="http://schemas.microsoft.com/office/drawing/2014/main" id="{F824F842-6056-419A-8DE6-049BB279B04F}"/>
+              </a:ext>
+            </a:extLst>
+          </p:cNvPr>
+          <p:cNvSpPr/>
+          <p:nvPr/>
+        </p:nvSpPr>
+        <p:spPr>
+          <a:xfrm>
+            <a:off x="3159629" y="2630437"/>
+            <a:ext cx="180058" cy="45719"/>
+          </a:xfrm>
+          <a:prstGeom prst="rect">
+            <a:avLst/>
+          </a:prstGeom>
+          <a:solidFill>
+            <a:srgbClr val="9F2A55"/>
+          </a:solidFill>
+          <a:ln>
+            <a:noFill/>
+          </a:ln>
+        </p:spPr>
+        <p:style>
+          <a:lnRef idx="2">
+            <a:schemeClr val="accent1">
+              <a:shade val="50000"/>
+            </a:schemeClr>
+          </a:lnRef>
+          <a:fillRef idx="1">
+            <a:schemeClr val="accent1"/>
+          </a:fillRef>
+          <a:effectRef idx="0">
+            <a:schemeClr val="accent1"/>
+          </a:effectRef>
+          <a:fontRef idx="minor">
+            <a:schemeClr val="lt1"/>
+          </a:fontRef>
+        </p:style>
+        <p:txBody>
+          <a:bodyPr rtlCol="0" anchor="ctr"/>
+          <a:lstStyle/>
+          <a:p>
+            <a:pPr algn="ctr"/>
+            <a:endParaRPr lang="nl-NL"/>
+          </a:p>
+        </p:txBody>
+      </p:sp>
+      <p:sp>
+        <p:nvSpPr>
+          <p:cNvPr id="90" name="Rectangle 89">
+            <a:extLst>
+              <a:ext uri="{FF2B5EF4-FFF2-40B4-BE49-F238E27FC236}">
+                <a16:creationId xmlns:a16="http://schemas.microsoft.com/office/drawing/2014/main" id="{43F4F175-6464-413A-84EB-3178BAE67343}"/>
+              </a:ext>
+            </a:extLst>
+          </p:cNvPr>
+          <p:cNvSpPr/>
+          <p:nvPr/>
+        </p:nvSpPr>
+        <p:spPr>
+          <a:xfrm>
+            <a:off x="3159629" y="2689709"/>
+            <a:ext cx="180058" cy="45719"/>
+          </a:xfrm>
+          <a:prstGeom prst="rect">
+            <a:avLst/>
+          </a:prstGeom>
+          <a:solidFill>
+            <a:srgbClr val="9F2A55"/>
+          </a:solidFill>
+          <a:ln>
+            <a:noFill/>
+          </a:ln>
+        </p:spPr>
+        <p:style>
+          <a:lnRef idx="2">
+            <a:schemeClr val="accent1">
+              <a:shade val="50000"/>
+            </a:schemeClr>
+          </a:lnRef>
+          <a:fillRef idx="1">
+            <a:schemeClr val="accent1"/>
+          </a:fillRef>
+          <a:effectRef idx="0">
+            <a:schemeClr val="accent1"/>
+          </a:effectRef>
+          <a:fontRef idx="minor">
+            <a:schemeClr val="lt1"/>
+          </a:fontRef>
+        </p:style>
+        <p:txBody>
+          <a:bodyPr rtlCol="0" anchor="ctr"/>
+          <a:lstStyle/>
+          <a:p>
+            <a:pPr algn="ctr"/>
+            <a:endParaRPr lang="nl-NL"/>
+          </a:p>
+        </p:txBody>
+      </p:sp>
+      <p:sp>
+        <p:nvSpPr>
+          <p:cNvPr id="91" name="Rectangle 90">
+            <a:extLst>
+              <a:ext uri="{FF2B5EF4-FFF2-40B4-BE49-F238E27FC236}">
+                <a16:creationId xmlns:a16="http://schemas.microsoft.com/office/drawing/2014/main" id="{B44EE13F-16E2-4586-A7A7-D1B15D25DAB4}"/>
+              </a:ext>
+            </a:extLst>
+          </p:cNvPr>
+          <p:cNvSpPr/>
+          <p:nvPr/>
+        </p:nvSpPr>
+        <p:spPr>
+          <a:xfrm>
+            <a:off x="3159629" y="2748981"/>
+            <a:ext cx="180058" cy="45719"/>
+          </a:xfrm>
+          <a:prstGeom prst="rect">
+            <a:avLst/>
+          </a:prstGeom>
+          <a:solidFill>
+            <a:srgbClr val="9F2A55"/>
+          </a:solidFill>
+          <a:ln>
+            <a:noFill/>
+          </a:ln>
+        </p:spPr>
+        <p:style>
+          <a:lnRef idx="2">
+            <a:schemeClr val="accent1">
+              <a:shade val="50000"/>
+            </a:schemeClr>
+          </a:lnRef>
+          <a:fillRef idx="1">
+            <a:schemeClr val="accent1"/>
+          </a:fillRef>
+          <a:effectRef idx="0">
+            <a:schemeClr val="accent1"/>
+          </a:effectRef>
+          <a:fontRef idx="minor">
+            <a:schemeClr val="lt1"/>
+          </a:fontRef>
+        </p:style>
+        <p:txBody>
+          <a:bodyPr rtlCol="0" anchor="ctr"/>
+          <a:lstStyle/>
+          <a:p>
+            <a:pPr algn="ctr"/>
+            <a:endParaRPr lang="nl-NL"/>
+          </a:p>
+        </p:txBody>
+      </p:sp>
+      <p:sp>
+        <p:nvSpPr>
+          <p:cNvPr id="92" name="Rectangle 91">
+            <a:extLst>
+              <a:ext uri="{FF2B5EF4-FFF2-40B4-BE49-F238E27FC236}">
+                <a16:creationId xmlns:a16="http://schemas.microsoft.com/office/drawing/2014/main" id="{5416B0C6-F8F2-4BC8-AC1B-DEB08BC4235F}"/>
+              </a:ext>
+            </a:extLst>
+          </p:cNvPr>
+          <p:cNvSpPr/>
+          <p:nvPr/>
+        </p:nvSpPr>
+        <p:spPr>
+          <a:xfrm>
+            <a:off x="3159629" y="2808253"/>
+            <a:ext cx="180058" cy="45719"/>
+          </a:xfrm>
+          <a:prstGeom prst="rect">
+            <a:avLst/>
+          </a:prstGeom>
+          <a:solidFill>
+            <a:srgbClr val="9F2A55"/>
+          </a:solidFill>
+          <a:ln>
+            <a:noFill/>
+          </a:ln>
+        </p:spPr>
+        <p:style>
+          <a:lnRef idx="2">
+            <a:schemeClr val="accent1">
+              <a:shade val="50000"/>
+            </a:schemeClr>
+          </a:lnRef>
+          <a:fillRef idx="1">
+            <a:schemeClr val="accent1"/>
+          </a:fillRef>
+          <a:effectRef idx="0">
+            <a:schemeClr val="accent1"/>
+          </a:effectRef>
+          <a:fontRef idx="minor">
+            <a:schemeClr val="lt1"/>
+          </a:fontRef>
+        </p:style>
+        <p:txBody>
+          <a:bodyPr rtlCol="0" anchor="ctr"/>
+          <a:lstStyle/>
+          <a:p>
+            <a:pPr algn="ctr"/>
+            <a:endParaRPr lang="nl-NL"/>
+          </a:p>
+        </p:txBody>
+      </p:sp>
+      <p:sp>
+        <p:nvSpPr>
+          <p:cNvPr id="93" name="Rectangle 92">
+            <a:extLst>
+              <a:ext uri="{FF2B5EF4-FFF2-40B4-BE49-F238E27FC236}">
+                <a16:creationId xmlns:a16="http://schemas.microsoft.com/office/drawing/2014/main" id="{4AE84936-CFE2-4351-937E-4FF8255BB182}"/>
+              </a:ext>
+            </a:extLst>
+          </p:cNvPr>
+          <p:cNvSpPr/>
+          <p:nvPr/>
+        </p:nvSpPr>
+        <p:spPr>
+          <a:xfrm>
+            <a:off x="3159629" y="2867525"/>
+            <a:ext cx="180058" cy="45719"/>
+          </a:xfrm>
+          <a:prstGeom prst="rect">
+            <a:avLst/>
+          </a:prstGeom>
+          <a:solidFill>
+            <a:srgbClr val="9F2A55"/>
+          </a:solidFill>
+          <a:ln>
+            <a:noFill/>
+          </a:ln>
+        </p:spPr>
+        <p:style>
+          <a:lnRef idx="2">
+            <a:schemeClr val="accent1">
+              <a:shade val="50000"/>
+            </a:schemeClr>
+          </a:lnRef>
+          <a:fillRef idx="1">
+            <a:schemeClr val="accent1"/>
+          </a:fillRef>
+          <a:effectRef idx="0">
+            <a:schemeClr val="accent1"/>
+          </a:effectRef>
+          <a:fontRef idx="minor">
+            <a:schemeClr val="lt1"/>
+          </a:fontRef>
+        </p:style>
+        <p:txBody>
+          <a:bodyPr rtlCol="0" anchor="ctr"/>
+          <a:lstStyle/>
+          <a:p>
+            <a:pPr algn="ctr"/>
+            <a:endParaRPr lang="nl-NL"/>
+          </a:p>
+        </p:txBody>
+      </p:sp>
+      <p:sp>
+        <p:nvSpPr>
+          <p:cNvPr id="94" name="Rectangle 93">
+            <a:extLst>
+              <a:ext uri="{FF2B5EF4-FFF2-40B4-BE49-F238E27FC236}">
+                <a16:creationId xmlns:a16="http://schemas.microsoft.com/office/drawing/2014/main" id="{9693AEC4-64A5-4A51-9945-2327963B7BFB}"/>
+              </a:ext>
+            </a:extLst>
+          </p:cNvPr>
+          <p:cNvSpPr/>
+          <p:nvPr/>
+        </p:nvSpPr>
+        <p:spPr>
+          <a:xfrm>
+            <a:off x="3159629" y="2926797"/>
+            <a:ext cx="180058" cy="45719"/>
+          </a:xfrm>
+          <a:prstGeom prst="rect">
+            <a:avLst/>
+          </a:prstGeom>
+          <a:solidFill>
+            <a:srgbClr val="9F2A55"/>
+          </a:solidFill>
+          <a:ln>
+            <a:noFill/>
+          </a:ln>
+        </p:spPr>
+        <p:style>
+          <a:lnRef idx="2">
+            <a:schemeClr val="accent1">
+              <a:shade val="50000"/>
+            </a:schemeClr>
+          </a:lnRef>
+          <a:fillRef idx="1">
+            <a:schemeClr val="accent1"/>
+          </a:fillRef>
+          <a:effectRef idx="0">
+            <a:schemeClr val="accent1"/>
+          </a:effectRef>
+          <a:fontRef idx="minor">
+            <a:schemeClr val="lt1"/>
+          </a:fontRef>
+        </p:style>
+        <p:txBody>
+          <a:bodyPr rtlCol="0" anchor="ctr"/>
+          <a:lstStyle/>
+          <a:p>
+            <a:pPr algn="ctr"/>
+            <a:endParaRPr lang="nl-NL"/>
+          </a:p>
+        </p:txBody>
+      </p:sp>
+      <p:sp>
+        <p:nvSpPr>
+          <p:cNvPr id="95" name="Rectangle 94">
+            <a:extLst>
+              <a:ext uri="{FF2B5EF4-FFF2-40B4-BE49-F238E27FC236}">
+                <a16:creationId xmlns:a16="http://schemas.microsoft.com/office/drawing/2014/main" id="{DA0859FC-B78D-48FD-BFCE-73BBFBFB2E12}"/>
+              </a:ext>
+            </a:extLst>
+          </p:cNvPr>
+          <p:cNvSpPr/>
+          <p:nvPr/>
+        </p:nvSpPr>
+        <p:spPr>
+          <a:xfrm>
+            <a:off x="3159629" y="2986069"/>
+            <a:ext cx="180058" cy="45719"/>
+          </a:xfrm>
+          <a:prstGeom prst="rect">
+            <a:avLst/>
+          </a:prstGeom>
+          <a:solidFill>
+            <a:srgbClr val="9F2A55"/>
+          </a:solidFill>
+          <a:ln>
+            <a:noFill/>
+          </a:ln>
+        </p:spPr>
+        <p:style>
+          <a:lnRef idx="2">
+            <a:schemeClr val="accent1">
+              <a:shade val="50000"/>
+            </a:schemeClr>
+          </a:lnRef>
+          <a:fillRef idx="1">
+            <a:schemeClr val="accent1"/>
+          </a:fillRef>
+          <a:effectRef idx="0">
+            <a:schemeClr val="accent1"/>
+          </a:effectRef>
+          <a:fontRef idx="minor">
+            <a:schemeClr val="lt1"/>
+          </a:fontRef>
+        </p:style>
+        <p:txBody>
+          <a:bodyPr rtlCol="0" anchor="ctr"/>
+          <a:lstStyle/>
+          <a:p>
+            <a:pPr algn="ctr"/>
+            <a:endParaRPr lang="nl-NL"/>
+          </a:p>
+        </p:txBody>
+      </p:sp>
+      <p:sp>
+        <p:nvSpPr>
+          <p:cNvPr id="96" name="Rectangle 95">
+            <a:extLst>
+              <a:ext uri="{FF2B5EF4-FFF2-40B4-BE49-F238E27FC236}">
+                <a16:creationId xmlns:a16="http://schemas.microsoft.com/office/drawing/2014/main" id="{518B546D-5B33-4C11-A92E-7347E1816DB5}"/>
+              </a:ext>
+            </a:extLst>
+          </p:cNvPr>
+          <p:cNvSpPr/>
+          <p:nvPr/>
+        </p:nvSpPr>
+        <p:spPr>
+          <a:xfrm>
+            <a:off x="3159629" y="3045341"/>
+            <a:ext cx="180058" cy="45719"/>
+          </a:xfrm>
+          <a:prstGeom prst="rect">
+            <a:avLst/>
+          </a:prstGeom>
+          <a:solidFill>
+            <a:srgbClr val="9F2A55"/>
+          </a:solidFill>
+          <a:ln>
+            <a:noFill/>
+          </a:ln>
+        </p:spPr>
+        <p:style>
+          <a:lnRef idx="2">
+            <a:schemeClr val="accent1">
+              <a:shade val="50000"/>
+            </a:schemeClr>
+          </a:lnRef>
+          <a:fillRef idx="1">
+            <a:schemeClr val="accent1"/>
+          </a:fillRef>
+          <a:effectRef idx="0">
+            <a:schemeClr val="accent1"/>
+          </a:effectRef>
+          <a:fontRef idx="minor">
+            <a:schemeClr val="lt1"/>
+          </a:fontRef>
+        </p:style>
+        <p:txBody>
+          <a:bodyPr rtlCol="0" anchor="ctr"/>
+          <a:lstStyle/>
+          <a:p>
+            <a:pPr algn="ctr"/>
+            <a:endParaRPr lang="nl-NL"/>
+          </a:p>
+        </p:txBody>
+      </p:sp>
+      <p:sp>
+        <p:nvSpPr>
+          <p:cNvPr id="97" name="Rectangle 96">
+            <a:extLst>
+              <a:ext uri="{FF2B5EF4-FFF2-40B4-BE49-F238E27FC236}">
+                <a16:creationId xmlns:a16="http://schemas.microsoft.com/office/drawing/2014/main" id="{2B00F5B3-6E01-446B-B6BF-6AF49C72C7A2}"/>
+              </a:ext>
+            </a:extLst>
+          </p:cNvPr>
+          <p:cNvSpPr/>
+          <p:nvPr/>
+        </p:nvSpPr>
+        <p:spPr>
+          <a:xfrm>
+            <a:off x="3159629" y="3104617"/>
+            <a:ext cx="180058" cy="45719"/>
+          </a:xfrm>
+          <a:prstGeom prst="rect">
+            <a:avLst/>
+          </a:prstGeom>
+          <a:solidFill>
+            <a:srgbClr val="9F2A55"/>
+          </a:solidFill>
+          <a:ln>
+            <a:noFill/>
+          </a:ln>
+        </p:spPr>
+        <p:style>
+          <a:lnRef idx="2">
+            <a:schemeClr val="accent1">
+              <a:shade val="50000"/>
+            </a:schemeClr>
+          </a:lnRef>
+          <a:fillRef idx="1">
+            <a:schemeClr val="accent1"/>
+          </a:fillRef>
+          <a:effectRef idx="0">
+            <a:schemeClr val="accent1"/>
+          </a:effectRef>
+          <a:fontRef idx="minor">
+            <a:schemeClr val="lt1"/>
+          </a:fontRef>
+        </p:style>
+        <p:txBody>
+          <a:bodyPr rtlCol="0" anchor="ctr"/>
+          <a:lstStyle/>
+          <a:p>
+            <a:pPr algn="ctr"/>
+            <a:endParaRPr lang="nl-NL"/>
+          </a:p>
+        </p:txBody>
+      </p:sp>
+      <p:sp>
+        <p:nvSpPr>
+          <p:cNvPr id="98" name="Isosceles Triangle 97">
+            <a:extLst>
+              <a:ext uri="{FF2B5EF4-FFF2-40B4-BE49-F238E27FC236}">
+                <a16:creationId xmlns:a16="http://schemas.microsoft.com/office/drawing/2014/main" id="{F49D6DCD-429F-4E6F-BC3B-C7EE138A3DCB}"/>
+              </a:ext>
+            </a:extLst>
+          </p:cNvPr>
+          <p:cNvSpPr/>
+          <p:nvPr/>
+        </p:nvSpPr>
+        <p:spPr>
+          <a:xfrm rot="10800000">
+            <a:off x="3423981" y="3175239"/>
+            <a:ext cx="71235" cy="61409"/>
+          </a:xfrm>
+          <a:prstGeom prst="triangle">
+            <a:avLst/>
+          </a:prstGeom>
+          <a:solidFill>
+            <a:srgbClr val="9F2A55">
+              <a:alpha val="50000"/>
+            </a:srgbClr>
+          </a:solidFill>
+          <a:ln>
+            <a:noFill/>
+          </a:ln>
+        </p:spPr>
+        <p:style>
+          <a:lnRef idx="2">
+            <a:schemeClr val="accent1">
+              <a:shade val="50000"/>
+            </a:schemeClr>
+          </a:lnRef>
+          <a:fillRef idx="1">
+            <a:schemeClr val="accent1"/>
+          </a:fillRef>
+          <a:effectRef idx="0">
+            <a:schemeClr val="accent1"/>
+          </a:effectRef>
+          <a:fontRef idx="minor">
+            <a:schemeClr val="lt1"/>
+          </a:fontRef>
+        </p:style>
+        <p:txBody>
+          <a:bodyPr rtlCol="0" anchor="ctr"/>
+          <a:lstStyle/>
+          <a:p>
+            <a:pPr algn="ctr"/>
+            <a:r>
+              <a:rPr lang="nl-NL" dirty="0"/>
+              <a:t> </a:t>
+            </a:r>
+          </a:p>
+        </p:txBody>
+      </p:sp>
+      <p:sp>
+        <p:nvSpPr>
+          <p:cNvPr id="99" name="Isosceles Triangle 98">
+            <a:extLst>
+              <a:ext uri="{FF2B5EF4-FFF2-40B4-BE49-F238E27FC236}">
+                <a16:creationId xmlns:a16="http://schemas.microsoft.com/office/drawing/2014/main" id="{021B6E07-655F-4245-BF29-CE3B66366692}"/>
+              </a:ext>
+            </a:extLst>
+          </p:cNvPr>
+          <p:cNvSpPr/>
+          <p:nvPr/>
+        </p:nvSpPr>
+        <p:spPr>
+          <a:xfrm>
+            <a:off x="3423980" y="2161466"/>
+            <a:ext cx="71235" cy="61409"/>
+          </a:xfrm>
+          <a:prstGeom prst="triangle">
+            <a:avLst/>
+          </a:prstGeom>
+          <a:solidFill>
+            <a:srgbClr val="9F2A55">
+              <a:alpha val="50000"/>
+            </a:srgbClr>
+          </a:solidFill>
+          <a:ln>
+            <a:noFill/>
+          </a:ln>
+        </p:spPr>
+        <p:style>
+          <a:lnRef idx="2">
+            <a:schemeClr val="accent1">
+              <a:shade val="50000"/>
+            </a:schemeClr>
+          </a:lnRef>
+          <a:fillRef idx="1">
+            <a:schemeClr val="accent1"/>
+          </a:fillRef>
+          <a:effectRef idx="0">
+            <a:schemeClr val="accent1"/>
+          </a:effectRef>
+          <a:fontRef idx="minor">
+            <a:schemeClr val="lt1"/>
+          </a:fontRef>
+        </p:style>
+        <p:txBody>
+          <a:bodyPr rtlCol="0" anchor="ctr"/>
+          <a:lstStyle/>
+          <a:p>
+            <a:pPr algn="ctr"/>
+            <a:r>
+              <a:rPr lang="nl-NL" dirty="0"/>
+              <a:t> </a:t>
+            </a:r>
+          </a:p>
+        </p:txBody>
+      </p:sp>
+      <p:sp>
+        <p:nvSpPr>
+          <p:cNvPr id="108" name="TextBox 107">
+            <a:extLst>
+              <a:ext uri="{FF2B5EF4-FFF2-40B4-BE49-F238E27FC236}">
+                <a16:creationId xmlns:a16="http://schemas.microsoft.com/office/drawing/2014/main" id="{63D8E4A6-96B6-4568-B759-46DD417975B7}"/>
+              </a:ext>
+            </a:extLst>
+          </p:cNvPr>
+          <p:cNvSpPr txBox="1"/>
+          <p:nvPr/>
+        </p:nvSpPr>
+        <p:spPr>
+          <a:xfrm>
+            <a:off x="3285665" y="2218824"/>
+            <a:ext cx="757698" cy="138499"/>
+          </a:xfrm>
+          <a:prstGeom prst="rect">
+            <a:avLst/>
+          </a:prstGeom>
+          <a:noFill/>
+        </p:spPr>
+        <p:txBody>
+          <a:bodyPr wrap="square" rtlCol="0">
+            <a:spAutoFit/>
+          </a:bodyPr>
+          <a:lstStyle/>
+          <a:p>
+            <a:r>
+              <a:rPr lang="nl-NL" sz="300" dirty="0" err="1">
+                <a:solidFill>
+                  <a:srgbClr val="EAE6D9">
+                    <a:alpha val="50000"/>
+                  </a:srgbClr>
+                </a:solidFill>
+              </a:rPr>
+              <a:t>asdasdasdasdasd</a:t>
+            </a:r>
+            <a:endParaRPr lang="nl-NL" sz="300" dirty="0">
               <a:solidFill>
-                <a:srgbClr val="1A0F24"/>
+                <a:srgbClr val="EAE6D9">
+                  <a:alpha val="50000"/>
+                </a:srgbClr>
               </a:solidFill>
             </a:endParaRPr>
           </a:p>
         </p:txBody>
       </p:sp>
+      <p:sp>
+        <p:nvSpPr>
+          <p:cNvPr id="109" name="TextBox 108">
+            <a:extLst>
+              <a:ext uri="{FF2B5EF4-FFF2-40B4-BE49-F238E27FC236}">
+                <a16:creationId xmlns:a16="http://schemas.microsoft.com/office/drawing/2014/main" id="{23677172-5184-4541-B51A-C067AF0BB0B4}"/>
+              </a:ext>
+            </a:extLst>
+          </p:cNvPr>
+          <p:cNvSpPr txBox="1"/>
+          <p:nvPr/>
+        </p:nvSpPr>
+        <p:spPr>
+          <a:xfrm>
+            <a:off x="3285665" y="2283594"/>
+            <a:ext cx="757698" cy="138499"/>
+          </a:xfrm>
+          <a:prstGeom prst="rect">
+            <a:avLst/>
+          </a:prstGeom>
+          <a:noFill/>
+        </p:spPr>
+        <p:txBody>
+          <a:bodyPr wrap="square" rtlCol="0">
+            <a:spAutoFit/>
+          </a:bodyPr>
+          <a:lstStyle/>
+          <a:p>
+            <a:r>
+              <a:rPr lang="nl-NL" sz="300" dirty="0">
+                <a:solidFill>
+                  <a:srgbClr val="EAE6D9">
+                    <a:alpha val="50000"/>
+                  </a:srgbClr>
+                </a:solidFill>
+              </a:rPr>
+              <a:t> </a:t>
+            </a:r>
+            <a:r>
+              <a:rPr lang="nl-NL" sz="300" dirty="0" err="1">
+                <a:solidFill>
+                  <a:srgbClr val="EAE6D9">
+                    <a:alpha val="50000"/>
+                  </a:srgbClr>
+                </a:solidFill>
+              </a:rPr>
+              <a:t>asdasd</a:t>
+            </a:r>
+            <a:r>
+              <a:rPr lang="nl-NL" sz="300" dirty="0">
+                <a:solidFill>
+                  <a:srgbClr val="EAE6D9">
+                    <a:alpha val="50000"/>
+                  </a:srgbClr>
+                </a:solidFill>
+              </a:rPr>
+              <a:t> </a:t>
+            </a:r>
+            <a:r>
+              <a:rPr lang="nl-NL" sz="300" dirty="0" err="1">
+                <a:solidFill>
+                  <a:srgbClr val="EAE6D9">
+                    <a:alpha val="50000"/>
+                  </a:srgbClr>
+                </a:solidFill>
+              </a:rPr>
+              <a:t>asda</a:t>
+            </a:r>
+            <a:r>
+              <a:rPr lang="nl-NL" sz="300" dirty="0">
+                <a:solidFill>
+                  <a:srgbClr val="EAE6D9">
+                    <a:alpha val="50000"/>
+                  </a:srgbClr>
+                </a:solidFill>
+              </a:rPr>
+              <a:t> </a:t>
+            </a:r>
+            <a:r>
+              <a:rPr lang="nl-NL" sz="300" dirty="0" err="1">
+                <a:solidFill>
+                  <a:srgbClr val="EAE6D9">
+                    <a:alpha val="50000"/>
+                  </a:srgbClr>
+                </a:solidFill>
+              </a:rPr>
+              <a:t>dasd</a:t>
+            </a:r>
+            <a:r>
+              <a:rPr lang="nl-NL" sz="300" dirty="0">
+                <a:solidFill>
+                  <a:srgbClr val="EAE6D9">
+                    <a:alpha val="50000"/>
+                  </a:srgbClr>
+                </a:solidFill>
+              </a:rPr>
+              <a:t> </a:t>
+            </a:r>
+            <a:r>
+              <a:rPr lang="nl-NL" sz="300" dirty="0" err="1">
+                <a:solidFill>
+                  <a:srgbClr val="EAE6D9">
+                    <a:alpha val="50000"/>
+                  </a:srgbClr>
+                </a:solidFill>
+              </a:rPr>
+              <a:t>ada</a:t>
+            </a:r>
+            <a:endParaRPr lang="nl-NL" sz="300" dirty="0">
+              <a:solidFill>
+                <a:srgbClr val="EAE6D9">
+                  <a:alpha val="50000"/>
+                </a:srgbClr>
+              </a:solidFill>
+            </a:endParaRPr>
+          </a:p>
+        </p:txBody>
+      </p:sp>
+      <p:sp>
+        <p:nvSpPr>
+          <p:cNvPr id="110" name="TextBox 109">
+            <a:extLst>
+              <a:ext uri="{FF2B5EF4-FFF2-40B4-BE49-F238E27FC236}">
+                <a16:creationId xmlns:a16="http://schemas.microsoft.com/office/drawing/2014/main" id="{3BD71E1D-F6E8-4876-90F7-CB561B2358D2}"/>
+              </a:ext>
+            </a:extLst>
+          </p:cNvPr>
+          <p:cNvSpPr txBox="1"/>
+          <p:nvPr/>
+        </p:nvSpPr>
+        <p:spPr>
+          <a:xfrm>
+            <a:off x="3277143" y="2342476"/>
+            <a:ext cx="757698" cy="138499"/>
+          </a:xfrm>
+          <a:prstGeom prst="rect">
+            <a:avLst/>
+          </a:prstGeom>
+          <a:noFill/>
+        </p:spPr>
+        <p:txBody>
+          <a:bodyPr wrap="square" rtlCol="0">
+            <a:spAutoFit/>
+          </a:bodyPr>
+          <a:lstStyle/>
+          <a:p>
+            <a:r>
+              <a:rPr lang="nl-NL" sz="300" dirty="0" err="1">
+                <a:solidFill>
+                  <a:srgbClr val="EAE6D9">
+                    <a:alpha val="50000"/>
+                  </a:srgbClr>
+                </a:solidFill>
+              </a:rPr>
+              <a:t>Yukiuin</a:t>
+            </a:r>
+            <a:r>
+              <a:rPr lang="nl-NL" sz="300" dirty="0">
+                <a:solidFill>
+                  <a:srgbClr val="EAE6D9">
+                    <a:alpha val="50000"/>
+                  </a:srgbClr>
+                </a:solidFill>
+              </a:rPr>
+              <a:t> </a:t>
+            </a:r>
+            <a:r>
+              <a:rPr lang="nl-NL" sz="300" dirty="0" err="1">
+                <a:solidFill>
+                  <a:srgbClr val="EAE6D9">
+                    <a:alpha val="50000"/>
+                  </a:srgbClr>
+                </a:solidFill>
+              </a:rPr>
+              <a:t>ikuikikiuk</a:t>
+            </a:r>
+            <a:endParaRPr lang="nl-NL" sz="300" dirty="0">
+              <a:solidFill>
+                <a:srgbClr val="EAE6D9">
+                  <a:alpha val="50000"/>
+                </a:srgbClr>
+              </a:solidFill>
+            </a:endParaRPr>
+          </a:p>
+        </p:txBody>
+      </p:sp>
+      <p:pic>
+        <p:nvPicPr>
+          <p:cNvPr id="111" name="Picture 110">
+            <a:extLst>
+              <a:ext uri="{FF2B5EF4-FFF2-40B4-BE49-F238E27FC236}">
+                <a16:creationId xmlns:a16="http://schemas.microsoft.com/office/drawing/2014/main" id="{62E9E017-FD2D-41C4-836C-3D1364691B83}"/>
+              </a:ext>
+            </a:extLst>
+          </p:cNvPr>
+          <p:cNvPicPr>
+            <a:picLocks noChangeAspect="1"/>
+          </p:cNvPicPr>
+          <p:nvPr/>
+        </p:nvPicPr>
+        <p:blipFill rotWithShape="1">
+          <a:blip r:embed="rId2"/>
+          <a:srcRect l="9788" t="34324" r="58706" b="40301"/>
+          <a:stretch/>
+        </p:blipFill>
+        <p:spPr>
+          <a:xfrm>
+            <a:off x="3848422" y="3787631"/>
+            <a:ext cx="4332260" cy="1643130"/>
+          </a:xfrm>
+          <a:prstGeom prst="rect">
+            <a:avLst/>
+          </a:prstGeom>
+        </p:spPr>
+      </p:pic>
+      <p:grpSp>
+        <p:nvGrpSpPr>
+          <p:cNvPr id="114" name="Group 113">
+            <a:extLst>
+              <a:ext uri="{FF2B5EF4-FFF2-40B4-BE49-F238E27FC236}">
+                <a16:creationId xmlns:a16="http://schemas.microsoft.com/office/drawing/2014/main" id="{857E2BA7-D86C-43FE-B970-428296110885}"/>
+              </a:ext>
+            </a:extLst>
+          </p:cNvPr>
+          <p:cNvGrpSpPr/>
+          <p:nvPr/>
+        </p:nvGrpSpPr>
+        <p:grpSpPr>
+          <a:xfrm>
+            <a:off x="4111355" y="2862338"/>
+            <a:ext cx="1334505" cy="369332"/>
+            <a:chOff x="6846094" y="2917255"/>
+            <a:chExt cx="1334505" cy="369332"/>
+          </a:xfrm>
+        </p:grpSpPr>
+        <p:sp>
+          <p:nvSpPr>
+            <p:cNvPr id="117" name="Rectangle 116">
+              <a:extLst>
+                <a:ext uri="{FF2B5EF4-FFF2-40B4-BE49-F238E27FC236}">
+                  <a16:creationId xmlns:a16="http://schemas.microsoft.com/office/drawing/2014/main" id="{984DC2FB-C05E-42C3-925A-0C57DBC84937}"/>
+                </a:ext>
+              </a:extLst>
+            </p:cNvPr>
+            <p:cNvSpPr/>
+            <p:nvPr/>
+          </p:nvSpPr>
+          <p:spPr>
+            <a:xfrm>
+              <a:off x="6846094" y="2989945"/>
+              <a:ext cx="1328115" cy="262055"/>
+            </a:xfrm>
+            <a:prstGeom prst="rect">
+              <a:avLst/>
+            </a:prstGeom>
+            <a:solidFill>
+              <a:srgbClr val="4F4584">
+                <a:alpha val="50000"/>
+              </a:srgbClr>
+            </a:solidFill>
+            <a:ln>
+              <a:noFill/>
+            </a:ln>
+          </p:spPr>
+          <p:style>
+            <a:lnRef idx="2">
+              <a:schemeClr val="accent1">
+                <a:shade val="50000"/>
+              </a:schemeClr>
+            </a:lnRef>
+            <a:fillRef idx="1">
+              <a:schemeClr val="accent1"/>
+            </a:fillRef>
+            <a:effectRef idx="0">
+              <a:schemeClr val="accent1"/>
+            </a:effectRef>
+            <a:fontRef idx="minor">
+              <a:schemeClr val="lt1"/>
+            </a:fontRef>
+          </p:style>
+          <p:txBody>
+            <a:bodyPr rtlCol="0" anchor="ctr"/>
+            <a:lstStyle/>
+            <a:p>
+              <a:pPr algn="ctr"/>
+              <a:endParaRPr lang="nl-NL"/>
+            </a:p>
+          </p:txBody>
+        </p:sp>
+        <p:sp>
+          <p:nvSpPr>
+            <p:cNvPr id="116" name="TextBox 115">
+              <a:extLst>
+                <a:ext uri="{FF2B5EF4-FFF2-40B4-BE49-F238E27FC236}">
+                  <a16:creationId xmlns:a16="http://schemas.microsoft.com/office/drawing/2014/main" id="{E45DB38A-6464-4FE3-B275-607F4EBB1FAD}"/>
+                </a:ext>
+              </a:extLst>
+            </p:cNvPr>
+            <p:cNvSpPr txBox="1"/>
+            <p:nvPr/>
+          </p:nvSpPr>
+          <p:spPr>
+            <a:xfrm>
+              <a:off x="6846094" y="2917255"/>
+              <a:ext cx="1334505" cy="369332"/>
+            </a:xfrm>
+            <a:prstGeom prst="rect">
+              <a:avLst/>
+            </a:prstGeom>
+            <a:noFill/>
+          </p:spPr>
+          <p:txBody>
+            <a:bodyPr wrap="square" rtlCol="0">
+              <a:spAutoFit/>
+            </a:bodyPr>
+            <a:lstStyle/>
+            <a:p>
+              <a:r>
+                <a:rPr lang="nl-NL" dirty="0">
+                  <a:solidFill>
+                    <a:srgbClr val="EAE6D9"/>
+                  </a:solidFill>
+                </a:rPr>
+                <a:t>Track name</a:t>
+              </a:r>
+            </a:p>
+          </p:txBody>
+        </p:sp>
+      </p:grpSp>
     </p:spTree>
     <p:extLst>
       <p:ext uri="{BB962C8B-B14F-4D97-AF65-F5344CB8AC3E}">
-        <p14:creationId xmlns:p14="http://schemas.microsoft.com/office/powerpoint/2010/main" val="139803584"/>
+        <p14:creationId xmlns:p14="http://schemas.microsoft.com/office/powerpoint/2010/main" val="998789945"/>
       </p:ext>
     </p:extLst>
   </p:cSld>

--- a/Design/Ultraviolent Junglist.pptx
+++ b/Design/Ultraviolent Junglist.pptx
@@ -9,6 +9,8 @@
     <p:sldId id="257" r:id="rId3"/>
     <p:sldId id="258" r:id="rId4"/>
     <p:sldId id="259" r:id="rId5"/>
+    <p:sldId id="260" r:id="rId6"/>
+    <p:sldId id="261" r:id="rId7"/>
   </p:sldIdLst>
   <p:sldSz cx="12192000" cy="6858000"/>
   <p:notesSz cx="6858000" cy="9144000"/>
@@ -124,10 +126,6 @@
     </p:ext>
   </p:extLst>
 </p:presentation>
-</file>
-
-<file path=ppt/revisionInfo.xml><?xml version="1.0" encoding="utf-8"?>
-<p1510:revInfo xmlns:a="http://schemas.openxmlformats.org/drawingml/2006/main" xmlns:r="http://schemas.openxmlformats.org/officeDocument/2006/relationships" xmlns:p1510="http://schemas.microsoft.com/office/powerpoint/2015/10/main"/>
 </file>
 
 <file path=ppt/slideLayouts/slideLayout1.xml><?xml version="1.0" encoding="utf-8"?>
@@ -609,6 +607,44 @@
 </p:sldLayout>
 </file>
 
+<file path=ppt/slideLayouts/slideLayout5.xml><?xml version="1.0" encoding="utf-8"?>
+<p:sldLayout xmlns:a="http://schemas.openxmlformats.org/drawingml/2006/main" xmlns:r="http://schemas.openxmlformats.org/officeDocument/2006/relationships" xmlns:p="http://schemas.openxmlformats.org/presentationml/2006/main" type="blank" preserve="1">
+  <p:cSld name="1_Blank">
+    <p:bg>
+      <p:bgPr>
+        <a:solidFill>
+          <a:srgbClr val="EAE6D9"/>
+        </a:solidFill>
+        <a:effectLst/>
+      </p:bgPr>
+    </p:bg>
+    <p:spTree>
+      <p:nvGrpSpPr>
+        <p:cNvPr id="1" name=""/>
+        <p:cNvGrpSpPr/>
+        <p:nvPr/>
+      </p:nvGrpSpPr>
+      <p:grpSpPr>
+        <a:xfrm>
+          <a:off x="0" y="0"/>
+          <a:ext cx="0" cy="0"/>
+          <a:chOff x="0" y="0"/>
+          <a:chExt cx="0" cy="0"/>
+        </a:xfrm>
+      </p:grpSpPr>
+    </p:spTree>
+    <p:extLst>
+      <p:ext uri="{BB962C8B-B14F-4D97-AF65-F5344CB8AC3E}">
+        <p14:creationId xmlns:p14="http://schemas.microsoft.com/office/powerpoint/2010/main" val="2844890520"/>
+      </p:ext>
+    </p:extLst>
+  </p:cSld>
+  <p:clrMapOvr>
+    <a:masterClrMapping/>
+  </p:clrMapOvr>
+</p:sldLayout>
+</file>
+
 <file path=ppt/slideMasters/slideMaster1.xml><?xml version="1.0" encoding="utf-8"?>
 <p:sldMaster xmlns:a="http://schemas.openxmlformats.org/drawingml/2006/main" xmlns:r="http://schemas.openxmlformats.org/officeDocument/2006/relationships" xmlns:p="http://schemas.openxmlformats.org/presentationml/2006/main">
   <p:cSld>
@@ -1034,6 +1070,7 @@
     <p:sldLayoutId id="2147483650" r:id="rId2"/>
     <p:sldLayoutId id="2147483651" r:id="rId3"/>
     <p:sldLayoutId id="2147483655" r:id="rId4"/>
+    <p:sldLayoutId id="2147483656" r:id="rId5"/>
   </p:sldLayoutIdLst>
   <p:txStyles>
     <p:titleStyle>
@@ -5840,18 +5877,13 @@
             <a:lstStyle/>
             <a:p>
               <a:r>
-                <a:rPr lang="nl-NL" dirty="0" err="1">
+                <a:rPr lang="nl-NL" dirty="0">
                   <a:solidFill>
                     <a:srgbClr val="EAE6D9"/>
                   </a:solidFill>
                 </a:rPr>
-                <a:t>pattern</a:t>
+                <a:t>track</a:t>
               </a:r>
-              <a:endParaRPr lang="nl-NL" dirty="0">
-                <a:solidFill>
-                  <a:srgbClr val="EAE6D9"/>
-                </a:solidFill>
-              </a:endParaRPr>
             </a:p>
           </p:txBody>
         </p:sp>
@@ -7428,6 +7460,345 @@
 </p:sld>
 </file>
 
+<file path=ppt/slides/slide5.xml><?xml version="1.0" encoding="utf-8"?>
+<p:sld xmlns:a="http://schemas.openxmlformats.org/drawingml/2006/main" xmlns:r="http://schemas.openxmlformats.org/officeDocument/2006/relationships" xmlns:p="http://schemas.openxmlformats.org/presentationml/2006/main">
+  <p:cSld>
+    <p:spTree>
+      <p:nvGrpSpPr>
+        <p:cNvPr id="1" name=""/>
+        <p:cNvGrpSpPr/>
+        <p:nvPr/>
+      </p:nvGrpSpPr>
+      <p:grpSpPr>
+        <a:xfrm>
+          <a:off x="0" y="0"/>
+          <a:ext cx="0" cy="0"/>
+          <a:chOff x="0" y="0"/>
+          <a:chExt cx="0" cy="0"/>
+        </a:xfrm>
+      </p:grpSpPr>
+      <p:sp>
+        <p:nvSpPr>
+          <p:cNvPr id="4" name="Rectangle 3">
+            <a:extLst>
+              <a:ext uri="{FF2B5EF4-FFF2-40B4-BE49-F238E27FC236}">
+                <a16:creationId xmlns:a16="http://schemas.microsoft.com/office/drawing/2014/main" id="{4791B368-4B27-4D37-9A36-805E69429C59}"/>
+              </a:ext>
+            </a:extLst>
+          </p:cNvPr>
+          <p:cNvSpPr/>
+          <p:nvPr/>
+        </p:nvSpPr>
+        <p:spPr>
+          <a:xfrm>
+            <a:off x="4848224" y="2266950"/>
+            <a:ext cx="1952626" cy="1571625"/>
+          </a:xfrm>
+          <a:prstGeom prst="rect">
+            <a:avLst/>
+          </a:prstGeom>
+          <a:solidFill>
+            <a:srgbClr val="4F4584"/>
+          </a:solidFill>
+          <a:ln>
+            <a:noFill/>
+          </a:ln>
+        </p:spPr>
+        <p:style>
+          <a:lnRef idx="2">
+            <a:schemeClr val="accent1">
+              <a:shade val="50000"/>
+            </a:schemeClr>
+          </a:lnRef>
+          <a:fillRef idx="1">
+            <a:schemeClr val="accent1"/>
+          </a:fillRef>
+          <a:effectRef idx="0">
+            <a:schemeClr val="accent1"/>
+          </a:effectRef>
+          <a:fontRef idx="minor">
+            <a:schemeClr val="lt1"/>
+          </a:fontRef>
+        </p:style>
+        <p:txBody>
+          <a:bodyPr rtlCol="0" anchor="ctr"/>
+          <a:lstStyle/>
+          <a:p>
+            <a:pPr algn="ctr"/>
+            <a:r>
+              <a:rPr lang="nl-NL" dirty="0"/>
+              <a:t>Sample editor</a:t>
+            </a:r>
+          </a:p>
+        </p:txBody>
+      </p:sp>
+      <p:sp>
+        <p:nvSpPr>
+          <p:cNvPr id="5" name="Rectangle 4">
+            <a:extLst>
+              <a:ext uri="{FF2B5EF4-FFF2-40B4-BE49-F238E27FC236}">
+                <a16:creationId xmlns:a16="http://schemas.microsoft.com/office/drawing/2014/main" id="{583165AD-E58B-45B4-9E8C-D4C585B7E92E}"/>
+              </a:ext>
+            </a:extLst>
+          </p:cNvPr>
+          <p:cNvSpPr/>
+          <p:nvPr/>
+        </p:nvSpPr>
+        <p:spPr>
+          <a:xfrm>
+            <a:off x="347662" y="285750"/>
+            <a:ext cx="1952626" cy="1571625"/>
+          </a:xfrm>
+          <a:prstGeom prst="rect">
+            <a:avLst/>
+          </a:prstGeom>
+          <a:solidFill>
+            <a:srgbClr val="4F4584"/>
+          </a:solidFill>
+          <a:ln>
+            <a:noFill/>
+          </a:ln>
+        </p:spPr>
+        <p:style>
+          <a:lnRef idx="2">
+            <a:schemeClr val="accent1">
+              <a:shade val="50000"/>
+            </a:schemeClr>
+          </a:lnRef>
+          <a:fillRef idx="1">
+            <a:schemeClr val="accent1"/>
+          </a:fillRef>
+          <a:effectRef idx="0">
+            <a:schemeClr val="accent1"/>
+          </a:effectRef>
+          <a:fontRef idx="minor">
+            <a:schemeClr val="lt1"/>
+          </a:fontRef>
+        </p:style>
+        <p:txBody>
+          <a:bodyPr rtlCol="0" anchor="ctr"/>
+          <a:lstStyle/>
+          <a:p>
+            <a:pPr algn="ctr"/>
+            <a:r>
+              <a:rPr lang="nl-NL" dirty="0"/>
+              <a:t>Song editor</a:t>
+            </a:r>
+          </a:p>
+        </p:txBody>
+      </p:sp>
+      <p:sp>
+        <p:nvSpPr>
+          <p:cNvPr id="6" name="Rectangle 5">
+            <a:extLst>
+              <a:ext uri="{FF2B5EF4-FFF2-40B4-BE49-F238E27FC236}">
+                <a16:creationId xmlns:a16="http://schemas.microsoft.com/office/drawing/2014/main" id="{5702D445-24AA-444E-8F69-A0CB0D3DC309}"/>
+              </a:ext>
+            </a:extLst>
+          </p:cNvPr>
+          <p:cNvSpPr/>
+          <p:nvPr/>
+        </p:nvSpPr>
+        <p:spPr>
+          <a:xfrm>
+            <a:off x="4848224" y="285749"/>
+            <a:ext cx="1952626" cy="1571625"/>
+          </a:xfrm>
+          <a:prstGeom prst="rect">
+            <a:avLst/>
+          </a:prstGeom>
+          <a:solidFill>
+            <a:srgbClr val="4F4584"/>
+          </a:solidFill>
+          <a:ln>
+            <a:noFill/>
+          </a:ln>
+        </p:spPr>
+        <p:style>
+          <a:lnRef idx="2">
+            <a:schemeClr val="accent1">
+              <a:shade val="50000"/>
+            </a:schemeClr>
+          </a:lnRef>
+          <a:fillRef idx="1">
+            <a:schemeClr val="accent1"/>
+          </a:fillRef>
+          <a:effectRef idx="0">
+            <a:schemeClr val="accent1"/>
+          </a:effectRef>
+          <a:fontRef idx="minor">
+            <a:schemeClr val="lt1"/>
+          </a:fontRef>
+        </p:style>
+        <p:txBody>
+          <a:bodyPr rtlCol="0" anchor="ctr"/>
+          <a:lstStyle/>
+          <a:p>
+            <a:pPr algn="ctr"/>
+            <a:r>
+              <a:rPr lang="nl-NL" dirty="0"/>
+              <a:t>Track editor</a:t>
+            </a:r>
+          </a:p>
+        </p:txBody>
+      </p:sp>
+      <p:sp>
+        <p:nvSpPr>
+          <p:cNvPr id="7" name="Rectangle 6">
+            <a:extLst>
+              <a:ext uri="{FF2B5EF4-FFF2-40B4-BE49-F238E27FC236}">
+                <a16:creationId xmlns:a16="http://schemas.microsoft.com/office/drawing/2014/main" id="{B8E4D2D7-69C9-4469-B041-2831B8694748}"/>
+              </a:ext>
+            </a:extLst>
+          </p:cNvPr>
+          <p:cNvSpPr/>
+          <p:nvPr/>
+        </p:nvSpPr>
+        <p:spPr>
+          <a:xfrm>
+            <a:off x="2597943" y="285748"/>
+            <a:ext cx="1952626" cy="1571625"/>
+          </a:xfrm>
+          <a:prstGeom prst="rect">
+            <a:avLst/>
+          </a:prstGeom>
+          <a:solidFill>
+            <a:srgbClr val="4F4584"/>
+          </a:solidFill>
+          <a:ln>
+            <a:noFill/>
+          </a:ln>
+        </p:spPr>
+        <p:style>
+          <a:lnRef idx="2">
+            <a:schemeClr val="accent1">
+              <a:shade val="50000"/>
+            </a:schemeClr>
+          </a:lnRef>
+          <a:fillRef idx="1">
+            <a:schemeClr val="accent1"/>
+          </a:fillRef>
+          <a:effectRef idx="0">
+            <a:schemeClr val="accent1"/>
+          </a:effectRef>
+          <a:fontRef idx="minor">
+            <a:schemeClr val="lt1"/>
+          </a:fontRef>
+        </p:style>
+        <p:txBody>
+          <a:bodyPr rtlCol="0" anchor="ctr"/>
+          <a:lstStyle/>
+          <a:p>
+            <a:pPr algn="ctr"/>
+            <a:r>
+              <a:rPr lang="nl-NL" dirty="0" err="1"/>
+              <a:t>Pattern</a:t>
+            </a:r>
+            <a:r>
+              <a:rPr lang="nl-NL" dirty="0"/>
+              <a:t> editor</a:t>
+            </a:r>
+          </a:p>
+        </p:txBody>
+      </p:sp>
+      <p:sp>
+        <p:nvSpPr>
+          <p:cNvPr id="8" name="Rectangle 7">
+            <a:extLst>
+              <a:ext uri="{FF2B5EF4-FFF2-40B4-BE49-F238E27FC236}">
+                <a16:creationId xmlns:a16="http://schemas.microsoft.com/office/drawing/2014/main" id="{726B0980-FD84-46F0-9C01-E729E0E86B04}"/>
+              </a:ext>
+            </a:extLst>
+          </p:cNvPr>
+          <p:cNvSpPr/>
+          <p:nvPr/>
+        </p:nvSpPr>
+        <p:spPr>
+          <a:xfrm>
+            <a:off x="4848224" y="4248151"/>
+            <a:ext cx="1952626" cy="1571625"/>
+          </a:xfrm>
+          <a:prstGeom prst="rect">
+            <a:avLst/>
+          </a:prstGeom>
+          <a:solidFill>
+            <a:srgbClr val="4F4584"/>
+          </a:solidFill>
+          <a:ln>
+            <a:noFill/>
+          </a:ln>
+        </p:spPr>
+        <p:style>
+          <a:lnRef idx="2">
+            <a:schemeClr val="accent1">
+              <a:shade val="50000"/>
+            </a:schemeClr>
+          </a:lnRef>
+          <a:fillRef idx="1">
+            <a:schemeClr val="accent1"/>
+          </a:fillRef>
+          <a:effectRef idx="0">
+            <a:schemeClr val="accent1"/>
+          </a:effectRef>
+          <a:fontRef idx="minor">
+            <a:schemeClr val="lt1"/>
+          </a:fontRef>
+        </p:style>
+        <p:txBody>
+          <a:bodyPr rtlCol="0" anchor="ctr"/>
+          <a:lstStyle/>
+          <a:p>
+            <a:pPr algn="ctr"/>
+            <a:r>
+              <a:rPr lang="nl-NL" dirty="0"/>
+              <a:t>FX editor</a:t>
+            </a:r>
+          </a:p>
+        </p:txBody>
+      </p:sp>
+    </p:spTree>
+    <p:extLst>
+      <p:ext uri="{BB962C8B-B14F-4D97-AF65-F5344CB8AC3E}">
+        <p14:creationId xmlns:p14="http://schemas.microsoft.com/office/powerpoint/2010/main" val="673166114"/>
+      </p:ext>
+    </p:extLst>
+  </p:cSld>
+  <p:clrMapOvr>
+    <a:masterClrMapping/>
+  </p:clrMapOvr>
+</p:sld>
+</file>
+
+<file path=ppt/slides/slide6.xml><?xml version="1.0" encoding="utf-8"?>
+<p:sld xmlns:a="http://schemas.openxmlformats.org/drawingml/2006/main" xmlns:r="http://schemas.openxmlformats.org/officeDocument/2006/relationships" xmlns:p="http://schemas.openxmlformats.org/presentationml/2006/main">
+  <p:cSld>
+    <p:spTree>
+      <p:nvGrpSpPr>
+        <p:cNvPr id="1" name=""/>
+        <p:cNvGrpSpPr/>
+        <p:nvPr/>
+      </p:nvGrpSpPr>
+      <p:grpSpPr>
+        <a:xfrm>
+          <a:off x="0" y="0"/>
+          <a:ext cx="0" cy="0"/>
+          <a:chOff x="0" y="0"/>
+          <a:chExt cx="0" cy="0"/>
+        </a:xfrm>
+      </p:grpSpPr>
+    </p:spTree>
+    <p:extLst>
+      <p:ext uri="{BB962C8B-B14F-4D97-AF65-F5344CB8AC3E}">
+        <p14:creationId xmlns:p14="http://schemas.microsoft.com/office/powerpoint/2010/main" val="4024250935"/>
+      </p:ext>
+    </p:extLst>
+  </p:cSld>
+  <p:clrMapOvr>
+    <a:masterClrMapping/>
+  </p:clrMapOvr>
+</p:sld>
+</file>
+
 <file path=ppt/theme/theme1.xml><?xml version="1.0" encoding="utf-8"?>
 <a:theme xmlns:a="http://schemas.openxmlformats.org/drawingml/2006/main" name="Office Theme">
   <a:themeElements>

--- a/Design/Ultraviolent Junglist.pptx
+++ b/Design/Ultraviolent Junglist.pptx
@@ -1852,9 +1852,9 @@
             <a:lstStyle/>
             <a:p>
               <a:pPr algn="ctr"/>
-              <a:endParaRPr lang="nl-NL">
+              <a:endParaRPr lang="nl-NL" dirty="0">
                 <a:solidFill>
-                  <a:srgbClr val="1A0F24"/>
+                  <a:srgbClr val="FF0000"/>
                 </a:solidFill>
               </a:endParaRPr>
             </a:p>
